--- a/Daily/sprint7/Sprint7_Review.pptx
+++ b/Daily/sprint7/Sprint7_Review.pptx
@@ -846,7 +846,7 @@
           <a:p>
             <a:fld id="{9CDC8AA7-8D38-46C0-86D3-87BDB8133F92}" type="datetimeFigureOut">
               <a:rPr lang="de-DE" smtClean="0"/>
-              <a:t>09.05.2020</a:t>
+              <a:t>14.05.2020</a:t>
             </a:fld>
             <a:endParaRPr lang="de-DE"/>
           </a:p>
@@ -1328,7 +1328,7 @@
           <p:cNvPr id="2" name="Titel 1">
             <a:extLst>
               <a:ext uri="{FF2B5EF4-FFF2-40B4-BE49-F238E27FC236}">
-                <a16:creationId xmlns="" xmlns:a16="http://schemas.microsoft.com/office/drawing/2014/main" id="{701EABE2-81DB-4A57-87BD-BAC9B81DA953}"/>
+                <a16:creationId xmlns:a16="http://schemas.microsoft.com/office/drawing/2014/main" xmlns="" id="{701EABE2-81DB-4A57-87BD-BAC9B81DA953}"/>
               </a:ext>
             </a:extLst>
           </p:cNvPr>
@@ -1365,7 +1365,7 @@
           <p:cNvPr id="3" name="Untertitel 2">
             <a:extLst>
               <a:ext uri="{FF2B5EF4-FFF2-40B4-BE49-F238E27FC236}">
-                <a16:creationId xmlns="" xmlns:a16="http://schemas.microsoft.com/office/drawing/2014/main" id="{9E44B19B-9953-4462-B98C-34C559DFD4BA}"/>
+                <a16:creationId xmlns:a16="http://schemas.microsoft.com/office/drawing/2014/main" xmlns="" id="{9E44B19B-9953-4462-B98C-34C559DFD4BA}"/>
               </a:ext>
             </a:extLst>
           </p:cNvPr>
@@ -1435,7 +1435,7 @@
           <p:cNvPr id="4" name="Datumsplatzhalter 3">
             <a:extLst>
               <a:ext uri="{FF2B5EF4-FFF2-40B4-BE49-F238E27FC236}">
-                <a16:creationId xmlns="" xmlns:a16="http://schemas.microsoft.com/office/drawing/2014/main" id="{85282A0B-87AA-4F5C-9252-AB7E74ABF29B}"/>
+                <a16:creationId xmlns:a16="http://schemas.microsoft.com/office/drawing/2014/main" xmlns="" id="{85282A0B-87AA-4F5C-9252-AB7E74ABF29B}"/>
               </a:ext>
             </a:extLst>
           </p:cNvPr>
@@ -1453,7 +1453,7 @@
           <a:p>
             <a:fld id="{A0154FCB-26A0-42BF-A80B-20225EC23B31}" type="datetime1">
               <a:rPr lang="de-DE" smtClean="0"/>
-              <a:t>09.05.2020</a:t>
+              <a:t>14.05.2020</a:t>
             </a:fld>
             <a:endParaRPr lang="de-DE" dirty="0"/>
           </a:p>
@@ -1464,7 +1464,7 @@
           <p:cNvPr id="5" name="Fußzeilenplatzhalter 4">
             <a:extLst>
               <a:ext uri="{FF2B5EF4-FFF2-40B4-BE49-F238E27FC236}">
-                <a16:creationId xmlns="" xmlns:a16="http://schemas.microsoft.com/office/drawing/2014/main" id="{CCE46F71-BCF6-41F3-8C17-381DF36140FE}"/>
+                <a16:creationId xmlns:a16="http://schemas.microsoft.com/office/drawing/2014/main" xmlns="" id="{CCE46F71-BCF6-41F3-8C17-381DF36140FE}"/>
               </a:ext>
             </a:extLst>
           </p:cNvPr>
@@ -1489,7 +1489,7 @@
           <p:cNvPr id="6" name="Foliennummernplatzhalter 5">
             <a:extLst>
               <a:ext uri="{FF2B5EF4-FFF2-40B4-BE49-F238E27FC236}">
-                <a16:creationId xmlns="" xmlns:a16="http://schemas.microsoft.com/office/drawing/2014/main" id="{DF41A37E-A33B-4798-9922-3B8B5AE5A27B}"/>
+                <a16:creationId xmlns:a16="http://schemas.microsoft.com/office/drawing/2014/main" xmlns="" id="{DF41A37E-A33B-4798-9922-3B8B5AE5A27B}"/>
               </a:ext>
             </a:extLst>
           </p:cNvPr>
@@ -1556,7 +1556,7 @@
           <p:cNvPr id="2" name="Titel 1">
             <a:extLst>
               <a:ext uri="{FF2B5EF4-FFF2-40B4-BE49-F238E27FC236}">
-                <a16:creationId xmlns="" xmlns:a16="http://schemas.microsoft.com/office/drawing/2014/main" id="{FCE4A30D-3A8C-4B77-B82E-724CCF54EFD5}"/>
+                <a16:creationId xmlns:a16="http://schemas.microsoft.com/office/drawing/2014/main" xmlns="" id="{FCE4A30D-3A8C-4B77-B82E-724CCF54EFD5}"/>
               </a:ext>
             </a:extLst>
           </p:cNvPr>
@@ -1584,7 +1584,7 @@
           <p:cNvPr id="3" name="Vertikaler Textplatzhalter 2">
             <a:extLst>
               <a:ext uri="{FF2B5EF4-FFF2-40B4-BE49-F238E27FC236}">
-                <a16:creationId xmlns="" xmlns:a16="http://schemas.microsoft.com/office/drawing/2014/main" id="{D0312C4C-DD67-420D-AE80-FBF20CAD00FE}"/>
+                <a16:creationId xmlns:a16="http://schemas.microsoft.com/office/drawing/2014/main" xmlns="" id="{D0312C4C-DD67-420D-AE80-FBF20CAD00FE}"/>
               </a:ext>
             </a:extLst>
           </p:cNvPr>
@@ -1641,7 +1641,7 @@
           <p:cNvPr id="4" name="Datumsplatzhalter 3">
             <a:extLst>
               <a:ext uri="{FF2B5EF4-FFF2-40B4-BE49-F238E27FC236}">
-                <a16:creationId xmlns="" xmlns:a16="http://schemas.microsoft.com/office/drawing/2014/main" id="{752D94C2-424D-4096-8FAE-F12A3D4A5C7D}"/>
+                <a16:creationId xmlns:a16="http://schemas.microsoft.com/office/drawing/2014/main" xmlns="" id="{752D94C2-424D-4096-8FAE-F12A3D4A5C7D}"/>
               </a:ext>
             </a:extLst>
           </p:cNvPr>
@@ -1659,7 +1659,7 @@
           <a:p>
             <a:fld id="{C77B1F25-795A-4991-A2E6-423F583D3AC9}" type="datetime1">
               <a:rPr lang="de-DE" smtClean="0"/>
-              <a:t>09.05.2020</a:t>
+              <a:t>14.05.2020</a:t>
             </a:fld>
             <a:endParaRPr lang="de-DE"/>
           </a:p>
@@ -1670,7 +1670,7 @@
           <p:cNvPr id="5" name="Fußzeilenplatzhalter 4">
             <a:extLst>
               <a:ext uri="{FF2B5EF4-FFF2-40B4-BE49-F238E27FC236}">
-                <a16:creationId xmlns="" xmlns:a16="http://schemas.microsoft.com/office/drawing/2014/main" id="{02BB29D6-C358-4D1F-90A7-5282C5CF3A2B}"/>
+                <a16:creationId xmlns:a16="http://schemas.microsoft.com/office/drawing/2014/main" xmlns="" id="{02BB29D6-C358-4D1F-90A7-5282C5CF3A2B}"/>
               </a:ext>
             </a:extLst>
           </p:cNvPr>
@@ -1695,7 +1695,7 @@
           <p:cNvPr id="6" name="Foliennummernplatzhalter 5">
             <a:extLst>
               <a:ext uri="{FF2B5EF4-FFF2-40B4-BE49-F238E27FC236}">
-                <a16:creationId xmlns="" xmlns:a16="http://schemas.microsoft.com/office/drawing/2014/main" id="{AE9CFC43-FC34-49A0-9C58-C1BA7EAB4CD1}"/>
+                <a16:creationId xmlns:a16="http://schemas.microsoft.com/office/drawing/2014/main" xmlns="" id="{AE9CFC43-FC34-49A0-9C58-C1BA7EAB4CD1}"/>
               </a:ext>
             </a:extLst>
           </p:cNvPr>
@@ -1762,7 +1762,7 @@
           <p:cNvPr id="2" name="Vertikaler Titel 1">
             <a:extLst>
               <a:ext uri="{FF2B5EF4-FFF2-40B4-BE49-F238E27FC236}">
-                <a16:creationId xmlns="" xmlns:a16="http://schemas.microsoft.com/office/drawing/2014/main" id="{C6AE7126-CFA4-458D-B5F5-AA476ABB117D}"/>
+                <a16:creationId xmlns:a16="http://schemas.microsoft.com/office/drawing/2014/main" xmlns="" id="{C6AE7126-CFA4-458D-B5F5-AA476ABB117D}"/>
               </a:ext>
             </a:extLst>
           </p:cNvPr>
@@ -1795,7 +1795,7 @@
           <p:cNvPr id="3" name="Vertikaler Textplatzhalter 2">
             <a:extLst>
               <a:ext uri="{FF2B5EF4-FFF2-40B4-BE49-F238E27FC236}">
-                <a16:creationId xmlns="" xmlns:a16="http://schemas.microsoft.com/office/drawing/2014/main" id="{E4719945-B69E-4CB7-AF62-A8E248C097C4}"/>
+                <a16:creationId xmlns:a16="http://schemas.microsoft.com/office/drawing/2014/main" xmlns="" id="{E4719945-B69E-4CB7-AF62-A8E248C097C4}"/>
               </a:ext>
             </a:extLst>
           </p:cNvPr>
@@ -1857,7 +1857,7 @@
           <p:cNvPr id="4" name="Datumsplatzhalter 3">
             <a:extLst>
               <a:ext uri="{FF2B5EF4-FFF2-40B4-BE49-F238E27FC236}">
-                <a16:creationId xmlns="" xmlns:a16="http://schemas.microsoft.com/office/drawing/2014/main" id="{194C9456-1825-45D5-AFC8-7437C4E58D48}"/>
+                <a16:creationId xmlns:a16="http://schemas.microsoft.com/office/drawing/2014/main" xmlns="" id="{194C9456-1825-45D5-AFC8-7437C4E58D48}"/>
               </a:ext>
             </a:extLst>
           </p:cNvPr>
@@ -1875,7 +1875,7 @@
           <a:p>
             <a:fld id="{B0B66C0B-9FFA-4059-8B50-27472F44F5CF}" type="datetime1">
               <a:rPr lang="de-DE" smtClean="0"/>
-              <a:t>09.05.2020</a:t>
+              <a:t>14.05.2020</a:t>
             </a:fld>
             <a:endParaRPr lang="de-DE"/>
           </a:p>
@@ -1886,7 +1886,7 @@
           <p:cNvPr id="5" name="Fußzeilenplatzhalter 4">
             <a:extLst>
               <a:ext uri="{FF2B5EF4-FFF2-40B4-BE49-F238E27FC236}">
-                <a16:creationId xmlns="" xmlns:a16="http://schemas.microsoft.com/office/drawing/2014/main" id="{0B1CC9B3-FE3E-4DC0-B71D-312C93D1814D}"/>
+                <a16:creationId xmlns:a16="http://schemas.microsoft.com/office/drawing/2014/main" xmlns="" id="{0B1CC9B3-FE3E-4DC0-B71D-312C93D1814D}"/>
               </a:ext>
             </a:extLst>
           </p:cNvPr>
@@ -1911,7 +1911,7 @@
           <p:cNvPr id="6" name="Foliennummernplatzhalter 5">
             <a:extLst>
               <a:ext uri="{FF2B5EF4-FFF2-40B4-BE49-F238E27FC236}">
-                <a16:creationId xmlns="" xmlns:a16="http://schemas.microsoft.com/office/drawing/2014/main" id="{41E050D8-C164-4E85-94F4-BA2B19D46D58}"/>
+                <a16:creationId xmlns:a16="http://schemas.microsoft.com/office/drawing/2014/main" xmlns="" id="{41E050D8-C164-4E85-94F4-BA2B19D46D58}"/>
               </a:ext>
             </a:extLst>
           </p:cNvPr>
@@ -1978,7 +1978,7 @@
           <p:cNvPr id="2" name="Titel 1">
             <a:extLst>
               <a:ext uri="{FF2B5EF4-FFF2-40B4-BE49-F238E27FC236}">
-                <a16:creationId xmlns="" xmlns:a16="http://schemas.microsoft.com/office/drawing/2014/main" id="{C9100C2D-6625-4AF5-8937-424086BE0285}"/>
+                <a16:creationId xmlns:a16="http://schemas.microsoft.com/office/drawing/2014/main" xmlns="" id="{C9100C2D-6625-4AF5-8937-424086BE0285}"/>
               </a:ext>
             </a:extLst>
           </p:cNvPr>
@@ -2006,7 +2006,7 @@
           <p:cNvPr id="3" name="Inhaltsplatzhalter 2">
             <a:extLst>
               <a:ext uri="{FF2B5EF4-FFF2-40B4-BE49-F238E27FC236}">
-                <a16:creationId xmlns="" xmlns:a16="http://schemas.microsoft.com/office/drawing/2014/main" id="{38D1AAA1-BE3D-4A43-91C4-A2C3C6173375}"/>
+                <a16:creationId xmlns:a16="http://schemas.microsoft.com/office/drawing/2014/main" xmlns="" id="{38D1AAA1-BE3D-4A43-91C4-A2C3C6173375}"/>
               </a:ext>
             </a:extLst>
           </p:cNvPr>
@@ -2063,7 +2063,7 @@
           <p:cNvPr id="4" name="Datumsplatzhalter 3">
             <a:extLst>
               <a:ext uri="{FF2B5EF4-FFF2-40B4-BE49-F238E27FC236}">
-                <a16:creationId xmlns="" xmlns:a16="http://schemas.microsoft.com/office/drawing/2014/main" id="{48884C8B-06F5-44CC-B1D1-2A02463EC226}"/>
+                <a16:creationId xmlns:a16="http://schemas.microsoft.com/office/drawing/2014/main" xmlns="" id="{48884C8B-06F5-44CC-B1D1-2A02463EC226}"/>
               </a:ext>
             </a:extLst>
           </p:cNvPr>
@@ -2081,7 +2081,7 @@
           <a:p>
             <a:fld id="{4024E20C-7573-48C0-8A49-245EB35E8773}" type="datetime1">
               <a:rPr lang="de-DE" smtClean="0"/>
-              <a:t>09.05.2020</a:t>
+              <a:t>14.05.2020</a:t>
             </a:fld>
             <a:endParaRPr lang="de-DE"/>
           </a:p>
@@ -2092,7 +2092,7 @@
           <p:cNvPr id="5" name="Fußzeilenplatzhalter 4">
             <a:extLst>
               <a:ext uri="{FF2B5EF4-FFF2-40B4-BE49-F238E27FC236}">
-                <a16:creationId xmlns="" xmlns:a16="http://schemas.microsoft.com/office/drawing/2014/main" id="{2EE480CA-0EC1-4AF7-9F30-F143FE83D99B}"/>
+                <a16:creationId xmlns:a16="http://schemas.microsoft.com/office/drawing/2014/main" xmlns="" id="{2EE480CA-0EC1-4AF7-9F30-F143FE83D99B}"/>
               </a:ext>
             </a:extLst>
           </p:cNvPr>
@@ -2117,7 +2117,7 @@
           <p:cNvPr id="6" name="Foliennummernplatzhalter 5">
             <a:extLst>
               <a:ext uri="{FF2B5EF4-FFF2-40B4-BE49-F238E27FC236}">
-                <a16:creationId xmlns="" xmlns:a16="http://schemas.microsoft.com/office/drawing/2014/main" id="{13337EC3-94DD-4B09-A484-F0141C1CB8B0}"/>
+                <a16:creationId xmlns:a16="http://schemas.microsoft.com/office/drawing/2014/main" xmlns="" id="{13337EC3-94DD-4B09-A484-F0141C1CB8B0}"/>
               </a:ext>
             </a:extLst>
           </p:cNvPr>
@@ -2184,7 +2184,7 @@
           <p:cNvPr id="2" name="Titel 1">
             <a:extLst>
               <a:ext uri="{FF2B5EF4-FFF2-40B4-BE49-F238E27FC236}">
-                <a16:creationId xmlns="" xmlns:a16="http://schemas.microsoft.com/office/drawing/2014/main" id="{CBDD584A-A976-4556-9716-DA9197EACC6F}"/>
+                <a16:creationId xmlns:a16="http://schemas.microsoft.com/office/drawing/2014/main" xmlns="" id="{CBDD584A-A976-4556-9716-DA9197EACC6F}"/>
               </a:ext>
             </a:extLst>
           </p:cNvPr>
@@ -2221,7 +2221,7 @@
           <p:cNvPr id="3" name="Textplatzhalter 2">
             <a:extLst>
               <a:ext uri="{FF2B5EF4-FFF2-40B4-BE49-F238E27FC236}">
-                <a16:creationId xmlns="" xmlns:a16="http://schemas.microsoft.com/office/drawing/2014/main" id="{C713F004-8C3B-4899-9F30-C6CC20E50B36}"/>
+                <a16:creationId xmlns:a16="http://schemas.microsoft.com/office/drawing/2014/main" xmlns="" id="{C713F004-8C3B-4899-9F30-C6CC20E50B36}"/>
               </a:ext>
             </a:extLst>
           </p:cNvPr>
@@ -2346,7 +2346,7 @@
           <p:cNvPr id="4" name="Datumsplatzhalter 3">
             <a:extLst>
               <a:ext uri="{FF2B5EF4-FFF2-40B4-BE49-F238E27FC236}">
-                <a16:creationId xmlns="" xmlns:a16="http://schemas.microsoft.com/office/drawing/2014/main" id="{B300BECA-2226-430E-B31A-3A70D7FB0DD4}"/>
+                <a16:creationId xmlns:a16="http://schemas.microsoft.com/office/drawing/2014/main" xmlns="" id="{B300BECA-2226-430E-B31A-3A70D7FB0DD4}"/>
               </a:ext>
             </a:extLst>
           </p:cNvPr>
@@ -2364,7 +2364,7 @@
           <a:p>
             <a:fld id="{807C9D00-4D9E-48A7-BDED-1B8B1E833BC9}" type="datetime1">
               <a:rPr lang="de-DE" smtClean="0"/>
-              <a:t>09.05.2020</a:t>
+              <a:t>14.05.2020</a:t>
             </a:fld>
             <a:endParaRPr lang="de-DE"/>
           </a:p>
@@ -2375,7 +2375,7 @@
           <p:cNvPr id="5" name="Fußzeilenplatzhalter 4">
             <a:extLst>
               <a:ext uri="{FF2B5EF4-FFF2-40B4-BE49-F238E27FC236}">
-                <a16:creationId xmlns="" xmlns:a16="http://schemas.microsoft.com/office/drawing/2014/main" id="{9D2C0B24-C4C7-4E3E-A30D-AD2B22A8CAC5}"/>
+                <a16:creationId xmlns:a16="http://schemas.microsoft.com/office/drawing/2014/main" xmlns="" id="{9D2C0B24-C4C7-4E3E-A30D-AD2B22A8CAC5}"/>
               </a:ext>
             </a:extLst>
           </p:cNvPr>
@@ -2400,7 +2400,7 @@
           <p:cNvPr id="6" name="Foliennummernplatzhalter 5">
             <a:extLst>
               <a:ext uri="{FF2B5EF4-FFF2-40B4-BE49-F238E27FC236}">
-                <a16:creationId xmlns="" xmlns:a16="http://schemas.microsoft.com/office/drawing/2014/main" id="{15EF3485-89F1-47E8-AB99-914FE8775138}"/>
+                <a16:creationId xmlns:a16="http://schemas.microsoft.com/office/drawing/2014/main" xmlns="" id="{15EF3485-89F1-47E8-AB99-914FE8775138}"/>
               </a:ext>
             </a:extLst>
           </p:cNvPr>
@@ -2467,7 +2467,7 @@
           <p:cNvPr id="2" name="Titel 1">
             <a:extLst>
               <a:ext uri="{FF2B5EF4-FFF2-40B4-BE49-F238E27FC236}">
-                <a16:creationId xmlns="" xmlns:a16="http://schemas.microsoft.com/office/drawing/2014/main" id="{6B45D284-4E4F-4976-80EC-400821F99BCF}"/>
+                <a16:creationId xmlns:a16="http://schemas.microsoft.com/office/drawing/2014/main" xmlns="" id="{6B45D284-4E4F-4976-80EC-400821F99BCF}"/>
               </a:ext>
             </a:extLst>
           </p:cNvPr>
@@ -2495,7 +2495,7 @@
           <p:cNvPr id="3" name="Inhaltsplatzhalter 2">
             <a:extLst>
               <a:ext uri="{FF2B5EF4-FFF2-40B4-BE49-F238E27FC236}">
-                <a16:creationId xmlns="" xmlns:a16="http://schemas.microsoft.com/office/drawing/2014/main" id="{61C980E4-B51F-4860-A848-EB6955BA36AF}"/>
+                <a16:creationId xmlns:a16="http://schemas.microsoft.com/office/drawing/2014/main" xmlns="" id="{61C980E4-B51F-4860-A848-EB6955BA36AF}"/>
               </a:ext>
             </a:extLst>
           </p:cNvPr>
@@ -2557,7 +2557,7 @@
           <p:cNvPr id="4" name="Inhaltsplatzhalter 3">
             <a:extLst>
               <a:ext uri="{FF2B5EF4-FFF2-40B4-BE49-F238E27FC236}">
-                <a16:creationId xmlns="" xmlns:a16="http://schemas.microsoft.com/office/drawing/2014/main" id="{8D7C296F-6044-4CF6-BBE5-CEA4560EEEB9}"/>
+                <a16:creationId xmlns:a16="http://schemas.microsoft.com/office/drawing/2014/main" xmlns="" id="{8D7C296F-6044-4CF6-BBE5-CEA4560EEEB9}"/>
               </a:ext>
             </a:extLst>
           </p:cNvPr>
@@ -2619,7 +2619,7 @@
           <p:cNvPr id="5" name="Datumsplatzhalter 4">
             <a:extLst>
               <a:ext uri="{FF2B5EF4-FFF2-40B4-BE49-F238E27FC236}">
-                <a16:creationId xmlns="" xmlns:a16="http://schemas.microsoft.com/office/drawing/2014/main" id="{F87A09FB-245D-407E-94D1-C81BBB221DC2}"/>
+                <a16:creationId xmlns:a16="http://schemas.microsoft.com/office/drawing/2014/main" xmlns="" id="{F87A09FB-245D-407E-94D1-C81BBB221DC2}"/>
               </a:ext>
             </a:extLst>
           </p:cNvPr>
@@ -2637,7 +2637,7 @@
           <a:p>
             <a:fld id="{2D3DC56E-0927-4473-AB68-5B4331BC2E5A}" type="datetime1">
               <a:rPr lang="de-DE" smtClean="0"/>
-              <a:t>09.05.2020</a:t>
+              <a:t>14.05.2020</a:t>
             </a:fld>
             <a:endParaRPr lang="de-DE"/>
           </a:p>
@@ -2648,7 +2648,7 @@
           <p:cNvPr id="6" name="Fußzeilenplatzhalter 5">
             <a:extLst>
               <a:ext uri="{FF2B5EF4-FFF2-40B4-BE49-F238E27FC236}">
-                <a16:creationId xmlns="" xmlns:a16="http://schemas.microsoft.com/office/drawing/2014/main" id="{7713AD3F-FB16-4761-97DD-7D2895FBAF79}"/>
+                <a16:creationId xmlns:a16="http://schemas.microsoft.com/office/drawing/2014/main" xmlns="" id="{7713AD3F-FB16-4761-97DD-7D2895FBAF79}"/>
               </a:ext>
             </a:extLst>
           </p:cNvPr>
@@ -2673,7 +2673,7 @@
           <p:cNvPr id="7" name="Foliennummernplatzhalter 6">
             <a:extLst>
               <a:ext uri="{FF2B5EF4-FFF2-40B4-BE49-F238E27FC236}">
-                <a16:creationId xmlns="" xmlns:a16="http://schemas.microsoft.com/office/drawing/2014/main" id="{E08B0646-8FC5-4829-A454-55B654DBA3C4}"/>
+                <a16:creationId xmlns:a16="http://schemas.microsoft.com/office/drawing/2014/main" xmlns="" id="{E08B0646-8FC5-4829-A454-55B654DBA3C4}"/>
               </a:ext>
             </a:extLst>
           </p:cNvPr>
@@ -2740,7 +2740,7 @@
           <p:cNvPr id="2" name="Titel 1">
             <a:extLst>
               <a:ext uri="{FF2B5EF4-FFF2-40B4-BE49-F238E27FC236}">
-                <a16:creationId xmlns="" xmlns:a16="http://schemas.microsoft.com/office/drawing/2014/main" id="{87FFCFA6-D29A-4DD6-8A93-5742D6DB0521}"/>
+                <a16:creationId xmlns:a16="http://schemas.microsoft.com/office/drawing/2014/main" xmlns="" id="{87FFCFA6-D29A-4DD6-8A93-5742D6DB0521}"/>
               </a:ext>
             </a:extLst>
           </p:cNvPr>
@@ -2773,7 +2773,7 @@
           <p:cNvPr id="3" name="Textplatzhalter 2">
             <a:extLst>
               <a:ext uri="{FF2B5EF4-FFF2-40B4-BE49-F238E27FC236}">
-                <a16:creationId xmlns="" xmlns:a16="http://schemas.microsoft.com/office/drawing/2014/main" id="{52A062D5-F9A3-40F3-940E-784410DB79B5}"/>
+                <a16:creationId xmlns:a16="http://schemas.microsoft.com/office/drawing/2014/main" xmlns="" id="{52A062D5-F9A3-40F3-940E-784410DB79B5}"/>
               </a:ext>
             </a:extLst>
           </p:cNvPr>
@@ -2844,7 +2844,7 @@
           <p:cNvPr id="4" name="Inhaltsplatzhalter 3">
             <a:extLst>
               <a:ext uri="{FF2B5EF4-FFF2-40B4-BE49-F238E27FC236}">
-                <a16:creationId xmlns="" xmlns:a16="http://schemas.microsoft.com/office/drawing/2014/main" id="{0F2C725F-CDA6-419C-9990-237B92011EB3}"/>
+                <a16:creationId xmlns:a16="http://schemas.microsoft.com/office/drawing/2014/main" xmlns="" id="{0F2C725F-CDA6-419C-9990-237B92011EB3}"/>
               </a:ext>
             </a:extLst>
           </p:cNvPr>
@@ -2906,7 +2906,7 @@
           <p:cNvPr id="5" name="Textplatzhalter 4">
             <a:extLst>
               <a:ext uri="{FF2B5EF4-FFF2-40B4-BE49-F238E27FC236}">
-                <a16:creationId xmlns="" xmlns:a16="http://schemas.microsoft.com/office/drawing/2014/main" id="{57D0AB86-7ACC-4F81-BA1E-EABC81375E4C}"/>
+                <a16:creationId xmlns:a16="http://schemas.microsoft.com/office/drawing/2014/main" xmlns="" id="{57D0AB86-7ACC-4F81-BA1E-EABC81375E4C}"/>
               </a:ext>
             </a:extLst>
           </p:cNvPr>
@@ -2977,7 +2977,7 @@
           <p:cNvPr id="6" name="Inhaltsplatzhalter 5">
             <a:extLst>
               <a:ext uri="{FF2B5EF4-FFF2-40B4-BE49-F238E27FC236}">
-                <a16:creationId xmlns="" xmlns:a16="http://schemas.microsoft.com/office/drawing/2014/main" id="{1A5FCBEC-2F64-4023-881F-8C2D77F12391}"/>
+                <a16:creationId xmlns:a16="http://schemas.microsoft.com/office/drawing/2014/main" xmlns="" id="{1A5FCBEC-2F64-4023-881F-8C2D77F12391}"/>
               </a:ext>
             </a:extLst>
           </p:cNvPr>
@@ -3039,7 +3039,7 @@
           <p:cNvPr id="7" name="Datumsplatzhalter 6">
             <a:extLst>
               <a:ext uri="{FF2B5EF4-FFF2-40B4-BE49-F238E27FC236}">
-                <a16:creationId xmlns="" xmlns:a16="http://schemas.microsoft.com/office/drawing/2014/main" id="{1B579458-8146-4585-8116-8815B1984C10}"/>
+                <a16:creationId xmlns:a16="http://schemas.microsoft.com/office/drawing/2014/main" xmlns="" id="{1B579458-8146-4585-8116-8815B1984C10}"/>
               </a:ext>
             </a:extLst>
           </p:cNvPr>
@@ -3057,7 +3057,7 @@
           <a:p>
             <a:fld id="{57371510-7249-4C5F-946A-A4F834E6D9AE}" type="datetime1">
               <a:rPr lang="de-DE" smtClean="0"/>
-              <a:t>09.05.2020</a:t>
+              <a:t>14.05.2020</a:t>
             </a:fld>
             <a:endParaRPr lang="de-DE"/>
           </a:p>
@@ -3068,7 +3068,7 @@
           <p:cNvPr id="8" name="Fußzeilenplatzhalter 7">
             <a:extLst>
               <a:ext uri="{FF2B5EF4-FFF2-40B4-BE49-F238E27FC236}">
-                <a16:creationId xmlns="" xmlns:a16="http://schemas.microsoft.com/office/drawing/2014/main" id="{B8FE971A-3252-4BEE-AE2A-ED9DD64D786C}"/>
+                <a16:creationId xmlns:a16="http://schemas.microsoft.com/office/drawing/2014/main" xmlns="" id="{B8FE971A-3252-4BEE-AE2A-ED9DD64D786C}"/>
               </a:ext>
             </a:extLst>
           </p:cNvPr>
@@ -3093,7 +3093,7 @@
           <p:cNvPr id="9" name="Foliennummernplatzhalter 8">
             <a:extLst>
               <a:ext uri="{FF2B5EF4-FFF2-40B4-BE49-F238E27FC236}">
-                <a16:creationId xmlns="" xmlns:a16="http://schemas.microsoft.com/office/drawing/2014/main" id="{224F811E-098E-42CD-BF79-561DBDB14DE9}"/>
+                <a16:creationId xmlns:a16="http://schemas.microsoft.com/office/drawing/2014/main" xmlns="" id="{224F811E-098E-42CD-BF79-561DBDB14DE9}"/>
               </a:ext>
             </a:extLst>
           </p:cNvPr>
@@ -3160,7 +3160,7 @@
           <p:cNvPr id="2" name="Titel 1">
             <a:extLst>
               <a:ext uri="{FF2B5EF4-FFF2-40B4-BE49-F238E27FC236}">
-                <a16:creationId xmlns="" xmlns:a16="http://schemas.microsoft.com/office/drawing/2014/main" id="{466DE76C-FB01-463F-B2AD-A897695D3F41}"/>
+                <a16:creationId xmlns:a16="http://schemas.microsoft.com/office/drawing/2014/main" xmlns="" id="{466DE76C-FB01-463F-B2AD-A897695D3F41}"/>
               </a:ext>
             </a:extLst>
           </p:cNvPr>
@@ -3188,7 +3188,7 @@
           <p:cNvPr id="3" name="Datumsplatzhalter 2">
             <a:extLst>
               <a:ext uri="{FF2B5EF4-FFF2-40B4-BE49-F238E27FC236}">
-                <a16:creationId xmlns="" xmlns:a16="http://schemas.microsoft.com/office/drawing/2014/main" id="{6F7936C0-FCFE-4A57-9E63-31F514892227}"/>
+                <a16:creationId xmlns:a16="http://schemas.microsoft.com/office/drawing/2014/main" xmlns="" id="{6F7936C0-FCFE-4A57-9E63-31F514892227}"/>
               </a:ext>
             </a:extLst>
           </p:cNvPr>
@@ -3206,7 +3206,7 @@
           <a:p>
             <a:fld id="{D029DBCD-B4B9-401C-B851-F8823136D507}" type="datetime1">
               <a:rPr lang="de-DE" smtClean="0"/>
-              <a:t>09.05.2020</a:t>
+              <a:t>14.05.2020</a:t>
             </a:fld>
             <a:endParaRPr lang="de-DE"/>
           </a:p>
@@ -3217,7 +3217,7 @@
           <p:cNvPr id="4" name="Fußzeilenplatzhalter 3">
             <a:extLst>
               <a:ext uri="{FF2B5EF4-FFF2-40B4-BE49-F238E27FC236}">
-                <a16:creationId xmlns="" xmlns:a16="http://schemas.microsoft.com/office/drawing/2014/main" id="{BF4C0BEA-1F74-43B8-B16A-0B93A98AF74A}"/>
+                <a16:creationId xmlns:a16="http://schemas.microsoft.com/office/drawing/2014/main" xmlns="" id="{BF4C0BEA-1F74-43B8-B16A-0B93A98AF74A}"/>
               </a:ext>
             </a:extLst>
           </p:cNvPr>
@@ -3242,7 +3242,7 @@
           <p:cNvPr id="5" name="Foliennummernplatzhalter 4">
             <a:extLst>
               <a:ext uri="{FF2B5EF4-FFF2-40B4-BE49-F238E27FC236}">
-                <a16:creationId xmlns="" xmlns:a16="http://schemas.microsoft.com/office/drawing/2014/main" id="{FDC612F2-A418-4792-A4B4-C0ABBAAB10A0}"/>
+                <a16:creationId xmlns:a16="http://schemas.microsoft.com/office/drawing/2014/main" xmlns="" id="{FDC612F2-A418-4792-A4B4-C0ABBAAB10A0}"/>
               </a:ext>
             </a:extLst>
           </p:cNvPr>
@@ -3309,7 +3309,7 @@
           <p:cNvPr id="2" name="Datumsplatzhalter 1">
             <a:extLst>
               <a:ext uri="{FF2B5EF4-FFF2-40B4-BE49-F238E27FC236}">
-                <a16:creationId xmlns="" xmlns:a16="http://schemas.microsoft.com/office/drawing/2014/main" id="{F1A16BA6-C843-4946-87C4-F009F9659E53}"/>
+                <a16:creationId xmlns:a16="http://schemas.microsoft.com/office/drawing/2014/main" xmlns="" id="{F1A16BA6-C843-4946-87C4-F009F9659E53}"/>
               </a:ext>
             </a:extLst>
           </p:cNvPr>
@@ -3327,7 +3327,7 @@
           <a:p>
             <a:fld id="{5CFE0376-D301-44AE-AD11-2BFFE5B1AA68}" type="datetime1">
               <a:rPr lang="de-DE" smtClean="0"/>
-              <a:t>09.05.2020</a:t>
+              <a:t>14.05.2020</a:t>
             </a:fld>
             <a:endParaRPr lang="de-DE"/>
           </a:p>
@@ -3338,7 +3338,7 @@
           <p:cNvPr id="3" name="Fußzeilenplatzhalter 2">
             <a:extLst>
               <a:ext uri="{FF2B5EF4-FFF2-40B4-BE49-F238E27FC236}">
-                <a16:creationId xmlns="" xmlns:a16="http://schemas.microsoft.com/office/drawing/2014/main" id="{74AD0BED-584B-4312-BC56-F22A5A97A8EA}"/>
+                <a16:creationId xmlns:a16="http://schemas.microsoft.com/office/drawing/2014/main" xmlns="" id="{74AD0BED-584B-4312-BC56-F22A5A97A8EA}"/>
               </a:ext>
             </a:extLst>
           </p:cNvPr>
@@ -3363,7 +3363,7 @@
           <p:cNvPr id="4" name="Foliennummernplatzhalter 3">
             <a:extLst>
               <a:ext uri="{FF2B5EF4-FFF2-40B4-BE49-F238E27FC236}">
-                <a16:creationId xmlns="" xmlns:a16="http://schemas.microsoft.com/office/drawing/2014/main" id="{ECAC19A7-F328-409E-92C0-6618959AF8AB}"/>
+                <a16:creationId xmlns:a16="http://schemas.microsoft.com/office/drawing/2014/main" xmlns="" id="{ECAC19A7-F328-409E-92C0-6618959AF8AB}"/>
               </a:ext>
             </a:extLst>
           </p:cNvPr>
@@ -3430,7 +3430,7 @@
           <p:cNvPr id="2" name="Titel 1">
             <a:extLst>
               <a:ext uri="{FF2B5EF4-FFF2-40B4-BE49-F238E27FC236}">
-                <a16:creationId xmlns="" xmlns:a16="http://schemas.microsoft.com/office/drawing/2014/main" id="{36B5D893-6A5A-4F5D-9559-23E40882374B}"/>
+                <a16:creationId xmlns:a16="http://schemas.microsoft.com/office/drawing/2014/main" xmlns="" id="{36B5D893-6A5A-4F5D-9559-23E40882374B}"/>
               </a:ext>
             </a:extLst>
           </p:cNvPr>
@@ -3467,7 +3467,7 @@
           <p:cNvPr id="3" name="Inhaltsplatzhalter 2">
             <a:extLst>
               <a:ext uri="{FF2B5EF4-FFF2-40B4-BE49-F238E27FC236}">
-                <a16:creationId xmlns="" xmlns:a16="http://schemas.microsoft.com/office/drawing/2014/main" id="{46211E4B-EF89-4D03-A97A-6EB546C0498D}"/>
+                <a16:creationId xmlns:a16="http://schemas.microsoft.com/office/drawing/2014/main" xmlns="" id="{46211E4B-EF89-4D03-A97A-6EB546C0498D}"/>
               </a:ext>
             </a:extLst>
           </p:cNvPr>
@@ -3557,7 +3557,7 @@
           <p:cNvPr id="4" name="Textplatzhalter 3">
             <a:extLst>
               <a:ext uri="{FF2B5EF4-FFF2-40B4-BE49-F238E27FC236}">
-                <a16:creationId xmlns="" xmlns:a16="http://schemas.microsoft.com/office/drawing/2014/main" id="{D4BEF54F-E067-4073-A803-29399235D78F}"/>
+                <a16:creationId xmlns:a16="http://schemas.microsoft.com/office/drawing/2014/main" xmlns="" id="{D4BEF54F-E067-4073-A803-29399235D78F}"/>
               </a:ext>
             </a:extLst>
           </p:cNvPr>
@@ -3628,7 +3628,7 @@
           <p:cNvPr id="5" name="Datumsplatzhalter 4">
             <a:extLst>
               <a:ext uri="{FF2B5EF4-FFF2-40B4-BE49-F238E27FC236}">
-                <a16:creationId xmlns="" xmlns:a16="http://schemas.microsoft.com/office/drawing/2014/main" id="{FF25F891-DBFE-4A5B-99B6-66F48C54174B}"/>
+                <a16:creationId xmlns:a16="http://schemas.microsoft.com/office/drawing/2014/main" xmlns="" id="{FF25F891-DBFE-4A5B-99B6-66F48C54174B}"/>
               </a:ext>
             </a:extLst>
           </p:cNvPr>
@@ -3646,7 +3646,7 @@
           <a:p>
             <a:fld id="{E68C6B95-8C89-49D3-8465-88E05211F0D1}" type="datetime1">
               <a:rPr lang="de-DE" smtClean="0"/>
-              <a:t>09.05.2020</a:t>
+              <a:t>14.05.2020</a:t>
             </a:fld>
             <a:endParaRPr lang="de-DE"/>
           </a:p>
@@ -3657,7 +3657,7 @@
           <p:cNvPr id="6" name="Fußzeilenplatzhalter 5">
             <a:extLst>
               <a:ext uri="{FF2B5EF4-FFF2-40B4-BE49-F238E27FC236}">
-                <a16:creationId xmlns="" xmlns:a16="http://schemas.microsoft.com/office/drawing/2014/main" id="{C508CE39-F26E-4C31-84CD-D89EC83686D4}"/>
+                <a16:creationId xmlns:a16="http://schemas.microsoft.com/office/drawing/2014/main" xmlns="" id="{C508CE39-F26E-4C31-84CD-D89EC83686D4}"/>
               </a:ext>
             </a:extLst>
           </p:cNvPr>
@@ -3682,7 +3682,7 @@
           <p:cNvPr id="7" name="Foliennummernplatzhalter 6">
             <a:extLst>
               <a:ext uri="{FF2B5EF4-FFF2-40B4-BE49-F238E27FC236}">
-                <a16:creationId xmlns="" xmlns:a16="http://schemas.microsoft.com/office/drawing/2014/main" id="{5E1B48FE-614D-4BF1-8C39-73558F055C10}"/>
+                <a16:creationId xmlns:a16="http://schemas.microsoft.com/office/drawing/2014/main" xmlns="" id="{5E1B48FE-614D-4BF1-8C39-73558F055C10}"/>
               </a:ext>
             </a:extLst>
           </p:cNvPr>
@@ -3749,7 +3749,7 @@
           <p:cNvPr id="2" name="Titel 1">
             <a:extLst>
               <a:ext uri="{FF2B5EF4-FFF2-40B4-BE49-F238E27FC236}">
-                <a16:creationId xmlns="" xmlns:a16="http://schemas.microsoft.com/office/drawing/2014/main" id="{F9563009-E30B-45AC-BDD7-44EA72F78222}"/>
+                <a16:creationId xmlns:a16="http://schemas.microsoft.com/office/drawing/2014/main" xmlns="" id="{F9563009-E30B-45AC-BDD7-44EA72F78222}"/>
               </a:ext>
             </a:extLst>
           </p:cNvPr>
@@ -3786,7 +3786,7 @@
           <p:cNvPr id="3" name="Bildplatzhalter 2">
             <a:extLst>
               <a:ext uri="{FF2B5EF4-FFF2-40B4-BE49-F238E27FC236}">
-                <a16:creationId xmlns="" xmlns:a16="http://schemas.microsoft.com/office/drawing/2014/main" id="{11F2FF9F-8E72-4929-BF76-ED1330B5F674}"/>
+                <a16:creationId xmlns:a16="http://schemas.microsoft.com/office/drawing/2014/main" xmlns="" id="{11F2FF9F-8E72-4929-BF76-ED1330B5F674}"/>
               </a:ext>
             </a:extLst>
           </p:cNvPr>
@@ -3853,7 +3853,7 @@
           <p:cNvPr id="4" name="Textplatzhalter 3">
             <a:extLst>
               <a:ext uri="{FF2B5EF4-FFF2-40B4-BE49-F238E27FC236}">
-                <a16:creationId xmlns="" xmlns:a16="http://schemas.microsoft.com/office/drawing/2014/main" id="{4A21AA90-B6A3-4F03-A71E-8D4EFEBB4E8A}"/>
+                <a16:creationId xmlns:a16="http://schemas.microsoft.com/office/drawing/2014/main" xmlns="" id="{4A21AA90-B6A3-4F03-A71E-8D4EFEBB4E8A}"/>
               </a:ext>
             </a:extLst>
           </p:cNvPr>
@@ -3924,7 +3924,7 @@
           <p:cNvPr id="5" name="Datumsplatzhalter 4">
             <a:extLst>
               <a:ext uri="{FF2B5EF4-FFF2-40B4-BE49-F238E27FC236}">
-                <a16:creationId xmlns="" xmlns:a16="http://schemas.microsoft.com/office/drawing/2014/main" id="{B9A970BA-F10E-430D-9B5F-218F0B6AAD68}"/>
+                <a16:creationId xmlns:a16="http://schemas.microsoft.com/office/drawing/2014/main" xmlns="" id="{B9A970BA-F10E-430D-9B5F-218F0B6AAD68}"/>
               </a:ext>
             </a:extLst>
           </p:cNvPr>
@@ -3942,7 +3942,7 @@
           <a:p>
             <a:fld id="{15BDDDEE-EC33-4B17-B9B5-A149A54A861D}" type="datetime1">
               <a:rPr lang="de-DE" smtClean="0"/>
-              <a:t>09.05.2020</a:t>
+              <a:t>14.05.2020</a:t>
             </a:fld>
             <a:endParaRPr lang="de-DE"/>
           </a:p>
@@ -3953,7 +3953,7 @@
           <p:cNvPr id="6" name="Fußzeilenplatzhalter 5">
             <a:extLst>
               <a:ext uri="{FF2B5EF4-FFF2-40B4-BE49-F238E27FC236}">
-                <a16:creationId xmlns="" xmlns:a16="http://schemas.microsoft.com/office/drawing/2014/main" id="{A141BF1C-61CE-44FF-8ABE-F08D6373AD97}"/>
+                <a16:creationId xmlns:a16="http://schemas.microsoft.com/office/drawing/2014/main" xmlns="" id="{A141BF1C-61CE-44FF-8ABE-F08D6373AD97}"/>
               </a:ext>
             </a:extLst>
           </p:cNvPr>
@@ -3978,7 +3978,7 @@
           <p:cNvPr id="7" name="Foliennummernplatzhalter 6">
             <a:extLst>
               <a:ext uri="{FF2B5EF4-FFF2-40B4-BE49-F238E27FC236}">
-                <a16:creationId xmlns="" xmlns:a16="http://schemas.microsoft.com/office/drawing/2014/main" id="{E76983E8-6FBA-42E6-85DE-B77806E23CA0}"/>
+                <a16:creationId xmlns:a16="http://schemas.microsoft.com/office/drawing/2014/main" xmlns="" id="{E76983E8-6FBA-42E6-85DE-B77806E23CA0}"/>
               </a:ext>
             </a:extLst>
           </p:cNvPr>
@@ -4050,7 +4050,7 @@
           <p:cNvPr id="2" name="Titelplatzhalter 1">
             <a:extLst>
               <a:ext uri="{FF2B5EF4-FFF2-40B4-BE49-F238E27FC236}">
-                <a16:creationId xmlns="" xmlns:a16="http://schemas.microsoft.com/office/drawing/2014/main" id="{F1B54F3D-85D6-4E2A-A184-2AD8788616C7}"/>
+                <a16:creationId xmlns:a16="http://schemas.microsoft.com/office/drawing/2014/main" xmlns="" id="{F1B54F3D-85D6-4E2A-A184-2AD8788616C7}"/>
               </a:ext>
             </a:extLst>
           </p:cNvPr>
@@ -4088,7 +4088,7 @@
           <p:cNvPr id="3" name="Textplatzhalter 2">
             <a:extLst>
               <a:ext uri="{FF2B5EF4-FFF2-40B4-BE49-F238E27FC236}">
-                <a16:creationId xmlns="" xmlns:a16="http://schemas.microsoft.com/office/drawing/2014/main" id="{62C62B55-DAE8-4571-9836-D8A9517A6717}"/>
+                <a16:creationId xmlns:a16="http://schemas.microsoft.com/office/drawing/2014/main" xmlns="" id="{62C62B55-DAE8-4571-9836-D8A9517A6717}"/>
               </a:ext>
             </a:extLst>
           </p:cNvPr>
@@ -4155,7 +4155,7 @@
           <p:cNvPr id="4" name="Datumsplatzhalter 3">
             <a:extLst>
               <a:ext uri="{FF2B5EF4-FFF2-40B4-BE49-F238E27FC236}">
-                <a16:creationId xmlns="" xmlns:a16="http://schemas.microsoft.com/office/drawing/2014/main" id="{202396F9-D19B-4197-A727-060829339B6B}"/>
+                <a16:creationId xmlns:a16="http://schemas.microsoft.com/office/drawing/2014/main" xmlns="" id="{202396F9-D19B-4197-A727-060829339B6B}"/>
               </a:ext>
             </a:extLst>
           </p:cNvPr>
@@ -4191,7 +4191,7 @@
           <a:p>
             <a:fld id="{EF190999-BFCE-4023-9996-314DB13E7002}" type="datetime1">
               <a:rPr lang="de-DE" smtClean="0"/>
-              <a:t>09.05.2020</a:t>
+              <a:t>14.05.2020</a:t>
             </a:fld>
             <a:endParaRPr lang="de-DE" dirty="0"/>
           </a:p>
@@ -4202,7 +4202,7 @@
           <p:cNvPr id="5" name="Fußzeilenplatzhalter 4">
             <a:extLst>
               <a:ext uri="{FF2B5EF4-FFF2-40B4-BE49-F238E27FC236}">
-                <a16:creationId xmlns="" xmlns:a16="http://schemas.microsoft.com/office/drawing/2014/main" id="{B1EA6A1B-5C13-45F1-9B85-4169FD91138A}"/>
+                <a16:creationId xmlns:a16="http://schemas.microsoft.com/office/drawing/2014/main" xmlns="" id="{B1EA6A1B-5C13-45F1-9B85-4169FD91138A}"/>
               </a:ext>
             </a:extLst>
           </p:cNvPr>
@@ -4245,7 +4245,7 @@
           <p:cNvPr id="7" name="Grafik 6">
             <a:extLst>
               <a:ext uri="{FF2B5EF4-FFF2-40B4-BE49-F238E27FC236}">
-                <a16:creationId xmlns="" xmlns:a16="http://schemas.microsoft.com/office/drawing/2014/main" id="{C59B35B2-0CE6-4FF9-984D-F5719598069C}"/>
+                <a16:creationId xmlns:a16="http://schemas.microsoft.com/office/drawing/2014/main" xmlns="" id="{C59B35B2-0CE6-4FF9-984D-F5719598069C}"/>
               </a:ext>
             </a:extLst>
           </p:cNvPr>
@@ -4281,7 +4281,7 @@
           <p:cNvPr id="8" name="Foliennummernplatzhalter 7">
             <a:extLst>
               <a:ext uri="{FF2B5EF4-FFF2-40B4-BE49-F238E27FC236}">
-                <a16:creationId xmlns="" xmlns:a16="http://schemas.microsoft.com/office/drawing/2014/main" id="{8B9E18AC-CAF1-4471-BF04-547435D80DDB}"/>
+                <a16:creationId xmlns:a16="http://schemas.microsoft.com/office/drawing/2014/main" xmlns="" id="{8B9E18AC-CAF1-4471-BF04-547435D80DDB}"/>
               </a:ext>
             </a:extLst>
           </p:cNvPr>
@@ -4650,7 +4650,7 @@
           <p:cNvPr id="2" name="Titel 1">
             <a:extLst>
               <a:ext uri="{FF2B5EF4-FFF2-40B4-BE49-F238E27FC236}">
-                <a16:creationId xmlns="" xmlns:a16="http://schemas.microsoft.com/office/drawing/2014/main" id="{19B6AC69-F81D-4459-ACD2-8110FA9FCE24}"/>
+                <a16:creationId xmlns:a16="http://schemas.microsoft.com/office/drawing/2014/main" xmlns="" id="{19B6AC69-F81D-4459-ACD2-8110FA9FCE24}"/>
               </a:ext>
             </a:extLst>
           </p:cNvPr>
@@ -4678,7 +4678,7 @@
           <p:cNvPr id="3" name="Untertitel 2">
             <a:extLst>
               <a:ext uri="{FF2B5EF4-FFF2-40B4-BE49-F238E27FC236}">
-                <a16:creationId xmlns="" xmlns:a16="http://schemas.microsoft.com/office/drawing/2014/main" id="{13737FBA-E6BC-4517-8A74-4336C01F7072}"/>
+                <a16:creationId xmlns:a16="http://schemas.microsoft.com/office/drawing/2014/main" xmlns="" id="{13737FBA-E6BC-4517-8A74-4336C01F7072}"/>
               </a:ext>
             </a:extLst>
           </p:cNvPr>
@@ -5207,25 +5207,7 @@
                 </a:solidFill>
                 <a:latin typeface="Arial" panose="020B0604020202020204" pitchFamily="34" charset="0"/>
               </a:rPr>
-              <a:t>Goals [0,10] =&gt; Encoding </a:t>
-            </a:r>
-            <a:r>
-              <a:rPr lang="en-US" sz="2000" b="1" dirty="0" smtClean="0">
-                <a:solidFill>
-                  <a:srgbClr val="000000"/>
-                </a:solidFill>
-                <a:latin typeface="Arial" panose="020B0604020202020204" pitchFamily="34" charset="0"/>
-              </a:rPr>
-              <a:t>[-1,1</a:t>
-            </a:r>
-            <a:r>
-              <a:rPr lang="en-US" sz="2000" b="1" dirty="0" smtClean="0">
-                <a:solidFill>
-                  <a:srgbClr val="000000"/>
-                </a:solidFill>
-                <a:latin typeface="Arial" panose="020B0604020202020204" pitchFamily="34" charset="0"/>
-              </a:rPr>
-              <a:t>]</a:t>
+              <a:t>Goals [0,10] =&gt; Encoding [-1,1]</a:t>
             </a:r>
             <a:endParaRPr lang="en-US" sz="2000" b="1" dirty="0"/>
           </a:p>
@@ -5410,7 +5392,7 @@
         <p:spPr/>
         <p:txBody>
           <a:bodyPr>
-            <a:normAutofit fontScale="92500" lnSpcReduction="20000"/>
+            <a:normAutofit fontScale="70000" lnSpcReduction="20000"/>
           </a:bodyPr>
           <a:lstStyle/>
           <a:p>
@@ -5458,23 +5440,11 @@
             </a:pPr>
             <a:r>
               <a:rPr lang="en-US" dirty="0" smtClean="0"/>
-              <a:t>  Training accuracy: 20.59% </a:t>
+              <a:t> </a:t>
             </a:r>
             <a:r>
               <a:rPr lang="en-US" dirty="0"/>
-              <a:t>(H: </a:t>
-            </a:r>
-            <a:r>
-              <a:rPr lang="en-US" dirty="0" smtClean="0"/>
-              <a:t>17.10% </a:t>
-            </a:r>
-            <a:r>
-              <a:rPr lang="en-US" dirty="0"/>
-              <a:t>, A: </a:t>
-            </a:r>
-            <a:r>
-              <a:rPr lang="en-US" dirty="0" smtClean="0"/>
-              <a:t>24.08%)</a:t>
+              <a:t>R2 Score: 0.16117</a:t>
             </a:r>
           </a:p>
           <a:p>
@@ -5489,33 +5459,29 @@
               <a:buChar char="►"/>
             </a:pPr>
             <a:r>
+              <a:rPr lang="en-US" dirty="0" smtClean="0"/>
+              <a:t> Training </a:t>
+            </a:r>
+            <a:r>
+              <a:rPr lang="en-US" dirty="0" smtClean="0"/>
+              <a:t>accuracy: 20.59% </a:t>
+            </a:r>
+            <a:r>
               <a:rPr lang="en-US" dirty="0"/>
-              <a:t> </a:t>
+              <a:t>(H: </a:t>
             </a:r>
             <a:r>
               <a:rPr lang="en-US" dirty="0" smtClean="0"/>
-              <a:t> Test accuracy: 18.89% (H: 12.93% , A: 24.86%)</a:t>
-            </a:r>
-          </a:p>
-          <a:p>
-            <a:pPr marL="285750" indent="-285750">
-              <a:buClr>
-                <a:schemeClr val="accent1">
-                  <a:lumMod val="75000"/>
-                </a:schemeClr>
-              </a:buClr>
-              <a:buFont typeface="Arial" panose="020B0604020202020204" pitchFamily="34" charset="0"/>
-              <a:buChar char="▌"/>
-            </a:pPr>
-            <a:r>
-              <a:rPr lang="en-US" b="1" dirty="0" smtClean="0"/>
-              <a:t>Decision Tree </a:t>
-            </a:r>
-            <a:r>
-              <a:rPr lang="en-US" b="1" dirty="0" err="1" smtClean="0"/>
-              <a:t>Regressor</a:t>
-            </a:r>
-            <a:endParaRPr lang="en-US" b="1" dirty="0" smtClean="0"/>
+              <a:t>17.10% </a:t>
+            </a:r>
+            <a:r>
+              <a:rPr lang="en-US" dirty="0"/>
+              <a:t>, A: </a:t>
+            </a:r>
+            <a:r>
+              <a:rPr lang="en-US" dirty="0" smtClean="0"/>
+              <a:t>24.08%)</a:t>
+            </a:r>
           </a:p>
           <a:p>
             <a:pPr marL="742950" lvl="1" indent="-285750">
@@ -5530,29 +5496,44 @@
             </a:pPr>
             <a:r>
               <a:rPr lang="en-US" dirty="0"/>
-              <a:t> Training accuracy: </a:t>
+              <a:t> </a:t>
             </a:r>
             <a:r>
               <a:rPr lang="en-US" dirty="0" smtClean="0"/>
-              <a:t>100% </a:t>
-            </a:r>
-            <a:r>
-              <a:rPr lang="en-US" dirty="0"/>
-              <a:t>(H: </a:t>
+              <a:t>Test </a:t>
             </a:r>
             <a:r>
               <a:rPr lang="en-US" dirty="0" smtClean="0"/>
-              <a:t>100% </a:t>
-            </a:r>
-            <a:r>
-              <a:rPr lang="en-US" dirty="0"/>
-              <a:t>, A: </a:t>
+              <a:t>accuracy: 18.89% (H: 12.93% , A: 24.86</a:t>
             </a:r>
             <a:r>
               <a:rPr lang="en-US" dirty="0" smtClean="0"/>
-              <a:t>100%)</a:t>
-            </a:r>
-            <a:endParaRPr lang="en-US" dirty="0"/>
+              <a:t>%)</a:t>
+            </a:r>
+          </a:p>
+          <a:p>
+            <a:pPr marL="285750" indent="-285750">
+              <a:buClr>
+                <a:schemeClr val="accent1">
+                  <a:lumMod val="75000"/>
+                </a:schemeClr>
+              </a:buClr>
+              <a:buFont typeface="Arial" panose="020B0604020202020204" pitchFamily="34" charset="0"/>
+              <a:buChar char="▌"/>
+            </a:pPr>
+            <a:r>
+              <a:rPr lang="en-US" b="1" dirty="0" smtClean="0"/>
+              <a:t>Decision </a:t>
+            </a:r>
+            <a:r>
+              <a:rPr lang="en-US" b="1" dirty="0" smtClean="0"/>
+              <a:t>Tree </a:t>
+            </a:r>
+            <a:r>
+              <a:rPr lang="en-US" b="1" dirty="0" err="1" smtClean="0"/>
+              <a:t>Regressor</a:t>
+            </a:r>
+            <a:endParaRPr lang="en-US" b="1" dirty="0" smtClean="0"/>
           </a:p>
           <a:p>
             <a:pPr marL="742950" lvl="1" indent="-285750">
@@ -5566,50 +5547,13 @@
               <a:buChar char="►"/>
             </a:pPr>
             <a:r>
+              <a:rPr lang="en-US" dirty="0" smtClean="0"/>
+              <a:t>R2 </a:t>
+            </a:r>
+            <a:r>
               <a:rPr lang="en-US" dirty="0"/>
-              <a:t>  Test accuracy: </a:t>
-            </a:r>
-            <a:r>
-              <a:rPr lang="en-US" dirty="0" smtClean="0"/>
-              <a:t>26.49% </a:t>
-            </a:r>
-            <a:r>
-              <a:rPr lang="en-US" dirty="0"/>
-              <a:t>(H: </a:t>
-            </a:r>
-            <a:r>
-              <a:rPr lang="en-US" dirty="0" smtClean="0"/>
-              <a:t>25.00% </a:t>
-            </a:r>
-            <a:r>
-              <a:rPr lang="en-US" dirty="0"/>
-              <a:t>, A: </a:t>
-            </a:r>
-            <a:r>
-              <a:rPr lang="en-US" dirty="0" smtClean="0"/>
-              <a:t>27.98%)</a:t>
-            </a:r>
-            <a:endParaRPr lang="en-US" b="1" dirty="0" smtClean="0"/>
-          </a:p>
-          <a:p>
-            <a:pPr marL="285750" indent="-285750">
-              <a:buClr>
-                <a:schemeClr val="accent1">
-                  <a:lumMod val="75000"/>
-                </a:schemeClr>
-              </a:buClr>
-              <a:buFont typeface="Arial" panose="020B0604020202020204" pitchFamily="34" charset="0"/>
-              <a:buChar char="▌"/>
-            </a:pPr>
-            <a:r>
-              <a:rPr lang="en-US" b="1" dirty="0" smtClean="0"/>
-              <a:t>Random Forest </a:t>
-            </a:r>
-            <a:r>
-              <a:rPr lang="en-US" b="1" dirty="0" err="1" smtClean="0"/>
-              <a:t>Regressor</a:t>
-            </a:r>
-            <a:endParaRPr lang="en-US" b="1" dirty="0" smtClean="0"/>
+              <a:t>Score: 0.0819</a:t>
+            </a:r>
           </a:p>
           <a:p>
             <a:pPr marL="742950" lvl="1" indent="-285750">
@@ -5623,30 +5567,34 @@
               <a:buChar char="►"/>
             </a:pPr>
             <a:r>
-              <a:rPr lang="en-US" dirty="0"/>
-              <a:t> Training accuracy: </a:t>
-            </a:r>
-            <a:r>
-              <a:rPr lang="en-US" dirty="0" smtClean="0"/>
-              <a:t>21.39% </a:t>
-            </a:r>
-            <a:r>
-              <a:rPr lang="en-US" dirty="0"/>
+              <a:rPr lang="en-US" b="1" u="sng" dirty="0" smtClean="0"/>
+              <a:t>Training </a:t>
+            </a:r>
+            <a:r>
+              <a:rPr lang="en-US" b="1" u="sng" dirty="0"/>
+              <a:t>accuracy: </a:t>
+            </a:r>
+            <a:r>
+              <a:rPr lang="en-US" b="1" u="sng" dirty="0" smtClean="0"/>
+              <a:t>100% </a:t>
+            </a:r>
+            <a:r>
+              <a:rPr lang="en-US" b="1" u="sng" dirty="0"/>
               <a:t>(H: </a:t>
             </a:r>
             <a:r>
-              <a:rPr lang="en-US" dirty="0" smtClean="0"/>
-              <a:t>16.59% </a:t>
-            </a:r>
-            <a:r>
-              <a:rPr lang="en-US" dirty="0"/>
+              <a:rPr lang="en-US" b="1" u="sng" dirty="0" smtClean="0"/>
+              <a:t>100% </a:t>
+            </a:r>
+            <a:r>
+              <a:rPr lang="en-US" b="1" u="sng" dirty="0"/>
               <a:t>, A: </a:t>
             </a:r>
             <a:r>
-              <a:rPr lang="en-US" dirty="0" smtClean="0"/>
-              <a:t>26.23%)</a:t>
-            </a:r>
-            <a:endParaRPr lang="en-US" dirty="0"/>
+              <a:rPr lang="en-US" b="1" u="sng" dirty="0" smtClean="0"/>
+              <a:t>100%)</a:t>
+            </a:r>
+            <a:endParaRPr lang="en-US" b="1" u="sng" dirty="0"/>
           </a:p>
           <a:p>
             <a:pPr marL="742950" lvl="1" indent="-285750">
@@ -5660,30 +5608,37 @@
               <a:buChar char="►"/>
             </a:pPr>
             <a:r>
-              <a:rPr lang="en-US" dirty="0"/>
-              <a:t>  Test accuracy: </a:t>
-            </a:r>
-            <a:r>
-              <a:rPr lang="en-US" dirty="0" smtClean="0"/>
-              <a:t>20.74% </a:t>
-            </a:r>
-            <a:r>
-              <a:rPr lang="en-US" dirty="0"/>
+              <a:rPr lang="en-US" b="1" u="sng" dirty="0" smtClean="0"/>
+              <a:t>Test </a:t>
+            </a:r>
+            <a:r>
+              <a:rPr lang="en-US" b="1" u="sng" dirty="0"/>
+              <a:t>accuracy: </a:t>
+            </a:r>
+            <a:r>
+              <a:rPr lang="en-US" b="1" u="sng" dirty="0" smtClean="0"/>
+              <a:t>26.49% </a:t>
+            </a:r>
+            <a:r>
+              <a:rPr lang="en-US" b="1" u="sng" dirty="0"/>
               <a:t>(H: </a:t>
             </a:r>
             <a:r>
-              <a:rPr lang="en-US" dirty="0" smtClean="0"/>
-              <a:t>14.06% </a:t>
-            </a:r>
-            <a:r>
-              <a:rPr lang="en-US" dirty="0"/>
+              <a:rPr lang="en-US" b="1" u="sng" dirty="0" smtClean="0"/>
+              <a:t>25.00% </a:t>
+            </a:r>
+            <a:r>
+              <a:rPr lang="en-US" b="1" u="sng" dirty="0"/>
               <a:t>, A: </a:t>
             </a:r>
             <a:r>
-              <a:rPr lang="en-US" dirty="0" smtClean="0"/>
-              <a:t>27.41%)</a:t>
-            </a:r>
-            <a:endParaRPr lang="en-US" b="1" dirty="0" smtClean="0"/>
+              <a:rPr lang="en-US" b="1" u="sng" dirty="0" smtClean="0"/>
+              <a:t>27.98</a:t>
+            </a:r>
+            <a:r>
+              <a:rPr lang="en-US" b="1" u="sng" dirty="0" smtClean="0"/>
+              <a:t>%)</a:t>
+            </a:r>
           </a:p>
           <a:p>
             <a:pPr marL="285750" indent="-285750">
@@ -5697,7 +5652,11 @@
             </a:pPr>
             <a:r>
               <a:rPr lang="en-US" b="1" dirty="0" smtClean="0"/>
-              <a:t>MLP </a:t>
+              <a:t>Random </a:t>
+            </a:r>
+            <a:r>
+              <a:rPr lang="en-US" b="1" dirty="0" smtClean="0"/>
+              <a:t>Forest </a:t>
             </a:r>
             <a:r>
               <a:rPr lang="en-US" b="1" dirty="0" err="1" smtClean="0"/>
@@ -5717,30 +5676,13 @@
               <a:buChar char="►"/>
             </a:pPr>
             <a:r>
+              <a:rPr lang="en-US" dirty="0" smtClean="0"/>
+              <a:t>R2 </a:t>
+            </a:r>
+            <a:r>
               <a:rPr lang="en-US" dirty="0"/>
-              <a:t> Training accuracy: </a:t>
-            </a:r>
-            <a:r>
-              <a:rPr lang="en-US" dirty="0" smtClean="0"/>
-              <a:t>18.01% </a:t>
-            </a:r>
-            <a:r>
-              <a:rPr lang="en-US" dirty="0"/>
-              <a:t>(H: </a:t>
-            </a:r>
-            <a:r>
-              <a:rPr lang="en-US" dirty="0" smtClean="0"/>
-              <a:t>16.26% </a:t>
-            </a:r>
-            <a:r>
-              <a:rPr lang="en-US" dirty="0"/>
-              <a:t>, A: </a:t>
-            </a:r>
-            <a:r>
-              <a:rPr lang="en-US" dirty="0" smtClean="0"/>
-              <a:t>19.77%)</a:t>
-            </a:r>
-            <a:endParaRPr lang="en-US" dirty="0"/>
+              <a:t>Score: 0.09642</a:t>
+            </a:r>
           </a:p>
           <a:p>
             <a:pPr marL="742950" lvl="1" indent="-285750">
@@ -5754,30 +5696,82 @@
               <a:buChar char="►"/>
             </a:pPr>
             <a:r>
-              <a:rPr lang="en-US" dirty="0"/>
-              <a:t>  Test accuracy: </a:t>
-            </a:r>
-            <a:r>
-              <a:rPr lang="en-US" dirty="0" smtClean="0"/>
-              <a:t>18.11% </a:t>
-            </a:r>
-            <a:r>
-              <a:rPr lang="en-US" dirty="0"/>
+              <a:rPr lang="en-US" b="1" i="1" u="sng" dirty="0" smtClean="0"/>
+              <a:t>Training </a:t>
+            </a:r>
+            <a:r>
+              <a:rPr lang="en-US" b="1" i="1" u="sng" dirty="0"/>
+              <a:t>accuracy: </a:t>
+            </a:r>
+            <a:r>
+              <a:rPr lang="en-US" b="1" i="1" u="sng" dirty="0" smtClean="0"/>
+              <a:t>21.39% </a:t>
+            </a:r>
+            <a:r>
+              <a:rPr lang="en-US" b="1" i="1" u="sng" dirty="0"/>
               <a:t>(H: </a:t>
             </a:r>
             <a:r>
-              <a:rPr lang="en-US" dirty="0" smtClean="0"/>
-              <a:t>13.21% </a:t>
-            </a:r>
-            <a:r>
-              <a:rPr lang="en-US" dirty="0"/>
+              <a:rPr lang="en-US" b="1" i="1" u="sng" dirty="0" smtClean="0"/>
+              <a:t>16.59% </a:t>
+            </a:r>
+            <a:r>
+              <a:rPr lang="en-US" b="1" i="1" u="sng" dirty="0"/>
               <a:t>, A: </a:t>
             </a:r>
             <a:r>
-              <a:rPr lang="en-US" dirty="0" smtClean="0"/>
-              <a:t>23.01%)</a:t>
-            </a:r>
-            <a:endParaRPr lang="en-US" b="1" dirty="0" smtClean="0"/>
+              <a:rPr lang="en-US" b="1" i="1" u="sng" dirty="0" smtClean="0"/>
+              <a:t>26.23%)</a:t>
+            </a:r>
+            <a:endParaRPr lang="en-US" b="1" i="1" u="sng" dirty="0"/>
+          </a:p>
+          <a:p>
+            <a:pPr marL="742950" lvl="1" indent="-285750">
+              <a:buClr>
+                <a:schemeClr val="accent1">
+                  <a:lumMod val="60000"/>
+                  <a:lumOff val="40000"/>
+                </a:schemeClr>
+              </a:buClr>
+              <a:buFont typeface="Arial" panose="020B0604020202020204" pitchFamily="34" charset="0"/>
+              <a:buChar char="►"/>
+            </a:pPr>
+            <a:r>
+              <a:rPr lang="en-US" b="1" i="1" u="sng" dirty="0"/>
+              <a:t> </a:t>
+            </a:r>
+            <a:r>
+              <a:rPr lang="en-US" b="1" i="1" u="sng" dirty="0" smtClean="0"/>
+              <a:t>Test </a:t>
+            </a:r>
+            <a:r>
+              <a:rPr lang="en-US" b="1" i="1" u="sng" dirty="0"/>
+              <a:t>accuracy: </a:t>
+            </a:r>
+            <a:r>
+              <a:rPr lang="en-US" b="1" i="1" u="sng" dirty="0" smtClean="0"/>
+              <a:t>20.74% </a:t>
+            </a:r>
+            <a:r>
+              <a:rPr lang="en-US" b="1" i="1" u="sng" dirty="0"/>
+              <a:t>(H: </a:t>
+            </a:r>
+            <a:r>
+              <a:rPr lang="en-US" b="1" i="1" u="sng" dirty="0" smtClean="0"/>
+              <a:t>14.06% </a:t>
+            </a:r>
+            <a:r>
+              <a:rPr lang="en-US" b="1" i="1" u="sng" dirty="0"/>
+              <a:t>, A: </a:t>
+            </a:r>
+            <a:r>
+              <a:rPr lang="en-US" b="1" i="1" u="sng" dirty="0" smtClean="0"/>
+              <a:t>27.41</a:t>
+            </a:r>
+            <a:r>
+              <a:rPr lang="en-US" b="1" i="1" u="sng" dirty="0" smtClean="0"/>
+              <a:t>%)</a:t>
+            </a:r>
           </a:p>
           <a:p>
             <a:pPr marL="285750" indent="-285750">
@@ -5789,8 +5783,88 @@
               <a:buFont typeface="Arial" panose="020B0604020202020204" pitchFamily="34" charset="0"/>
               <a:buChar char="▌"/>
             </a:pPr>
+            <a:r>
+              <a:rPr lang="en-US" b="1" dirty="0" smtClean="0"/>
+              <a:t>MLP </a:t>
+            </a:r>
+            <a:r>
+              <a:rPr lang="en-US" b="1" dirty="0" err="1" smtClean="0"/>
+              <a:t>Regressor</a:t>
+            </a:r>
+            <a:r>
+              <a:rPr lang="en-US" b="1" dirty="0" smtClean="0"/>
+              <a:t>: </a:t>
+            </a:r>
+            <a:r>
+              <a:rPr lang="en-US" dirty="0" smtClean="0"/>
+              <a:t>Solver Adam</a:t>
+            </a:r>
             <a:endParaRPr lang="en-US" dirty="0" smtClean="0"/>
           </a:p>
+          <a:p>
+            <a:pPr marL="742950" lvl="1" indent="-285750">
+              <a:buClr>
+                <a:schemeClr val="accent1">
+                  <a:lumMod val="60000"/>
+                  <a:lumOff val="40000"/>
+                </a:schemeClr>
+              </a:buClr>
+              <a:buFont typeface="Arial" panose="020B0604020202020204" pitchFamily="34" charset="0"/>
+              <a:buChar char="►"/>
+            </a:pPr>
+            <a:r>
+              <a:rPr lang="en-US" dirty="0" smtClean="0"/>
+              <a:t> </a:t>
+            </a:r>
+            <a:r>
+              <a:rPr lang="en-US" dirty="0" smtClean="0"/>
+              <a:t>R2 Score: 0.1320</a:t>
+            </a:r>
+          </a:p>
+          <a:p>
+            <a:pPr marL="742950" lvl="1" indent="-285750">
+              <a:buClr>
+                <a:schemeClr val="accent1">
+                  <a:lumMod val="60000"/>
+                  <a:lumOff val="40000"/>
+                </a:schemeClr>
+              </a:buClr>
+              <a:buFont typeface="Arial" panose="020B0604020202020204" pitchFamily="34" charset="0"/>
+              <a:buChar char="►"/>
+            </a:pPr>
+            <a:r>
+              <a:rPr lang="en-US" dirty="0" smtClean="0"/>
+              <a:t> Training accuracy: 18.01% (H: 16.26% , A: 19.77%)</a:t>
+            </a:r>
+          </a:p>
+          <a:p>
+            <a:pPr marL="742950" lvl="1" indent="-285750">
+              <a:buClr>
+                <a:schemeClr val="accent1">
+                  <a:lumMod val="60000"/>
+                  <a:lumOff val="40000"/>
+                </a:schemeClr>
+              </a:buClr>
+              <a:buFont typeface="Arial" panose="020B0604020202020204" pitchFamily="34" charset="0"/>
+              <a:buChar char="►"/>
+            </a:pPr>
+            <a:r>
+              <a:rPr lang="en-US" dirty="0" smtClean="0"/>
+              <a:t> Test accuracy: 18.11% (H: 13.21% , A: 23.01%)</a:t>
+            </a:r>
+          </a:p>
+          <a:p>
+            <a:pPr marL="457200" lvl="1" indent="0">
+              <a:buClr>
+                <a:schemeClr val="accent1">
+                  <a:lumMod val="60000"/>
+                  <a:lumOff val="40000"/>
+                </a:schemeClr>
+              </a:buClr>
+              <a:buNone/>
+            </a:pPr>
+            <a:endParaRPr lang="en-US" dirty="0" smtClean="0"/>
+          </a:p>
         </p:txBody>
       </p:sp>
       <p:sp>
@@ -5809,6 +5883,114 @@
           <a:lstStyle/>
           <a:p>
             <a:endParaRPr lang="de-DE" dirty="0"/>
+          </a:p>
+        </p:txBody>
+      </p:sp>
+      <p:sp>
+        <p:nvSpPr>
+          <p:cNvPr id="6" name="Rectangle 5"/>
+          <p:cNvSpPr/>
+          <p:nvPr/>
+        </p:nvSpPr>
+        <p:spPr>
+          <a:xfrm>
+            <a:off x="6441440" y="5061584"/>
+            <a:ext cx="6096000" cy="1477328"/>
+          </a:xfrm>
+          <a:prstGeom prst="rect">
+            <a:avLst/>
+          </a:prstGeom>
+        </p:spPr>
+        <p:txBody>
+          <a:bodyPr>
+            <a:spAutoFit/>
+          </a:bodyPr>
+          <a:lstStyle/>
+          <a:p>
+            <a:pPr marL="285750" indent="-285750">
+              <a:buClr>
+                <a:schemeClr val="accent1">
+                  <a:lumMod val="75000"/>
+                </a:schemeClr>
+              </a:buClr>
+              <a:buFont typeface="Arial" panose="020B0604020202020204" pitchFamily="34" charset="0"/>
+              <a:buChar char="▌"/>
+            </a:pPr>
+            <a:r>
+              <a:rPr lang="en-US" b="1" dirty="0"/>
+              <a:t>MLP </a:t>
+            </a:r>
+            <a:r>
+              <a:rPr lang="en-US" b="1" dirty="0" err="1"/>
+              <a:t>Regressor</a:t>
+            </a:r>
+            <a:r>
+              <a:rPr lang="en-US" b="1" dirty="0"/>
+              <a:t>: </a:t>
+            </a:r>
+            <a:r>
+              <a:rPr lang="en-US" dirty="0"/>
+              <a:t>Solver SGD</a:t>
+            </a:r>
+          </a:p>
+          <a:p>
+            <a:pPr marL="742950" lvl="1" indent="-285750">
+              <a:buClr>
+                <a:schemeClr val="accent1">
+                  <a:lumMod val="60000"/>
+                  <a:lumOff val="40000"/>
+                </a:schemeClr>
+              </a:buClr>
+              <a:buFont typeface="Arial" panose="020B0604020202020204" pitchFamily="34" charset="0"/>
+              <a:buChar char="►"/>
+            </a:pPr>
+            <a:r>
+              <a:rPr lang="en-US" dirty="0"/>
+              <a:t> R2 Score: -0.0005</a:t>
+            </a:r>
+          </a:p>
+          <a:p>
+            <a:pPr marL="742950" lvl="1" indent="-285750">
+              <a:buClr>
+                <a:schemeClr val="accent1">
+                  <a:lumMod val="60000"/>
+                  <a:lumOff val="40000"/>
+                </a:schemeClr>
+              </a:buClr>
+              <a:buFont typeface="Arial" panose="020B0604020202020204" pitchFamily="34" charset="0"/>
+              <a:buChar char="►"/>
+            </a:pPr>
+            <a:r>
+              <a:rPr lang="en-US" dirty="0"/>
+              <a:t> Training accuracy: 16.68% (H: 1.34% , A: 32.01%)</a:t>
+            </a:r>
+          </a:p>
+          <a:p>
+            <a:pPr marL="742950" lvl="1" indent="-285750">
+              <a:buClr>
+                <a:schemeClr val="accent1">
+                  <a:lumMod val="60000"/>
+                  <a:lumOff val="40000"/>
+                </a:schemeClr>
+              </a:buClr>
+              <a:buFont typeface="Arial" panose="020B0604020202020204" pitchFamily="34" charset="0"/>
+              <a:buChar char="►"/>
+            </a:pPr>
+            <a:r>
+              <a:rPr lang="en-US" dirty="0"/>
+              <a:t> Test accuracy: 17.33% (H: 0.85% , A: 33.81%)</a:t>
+            </a:r>
+          </a:p>
+          <a:p>
+            <a:pPr lvl="1">
+              <a:buClr>
+                <a:schemeClr val="accent1">
+                  <a:lumMod val="60000"/>
+                  <a:lumOff val="40000"/>
+                </a:schemeClr>
+              </a:buClr>
+            </a:pPr>
+            <a:endParaRPr lang="en-US" dirty="0"/>
           </a:p>
         </p:txBody>
       </p:sp>

--- a/Daily/sprint7/Sprint7_Review.pptx
+++ b/Daily/sprint7/Sprint7_Review.pptx
@@ -5,7 +5,7 @@
     <p:sldMasterId id="2147483648" r:id="rId1"/>
   </p:sldMasterIdLst>
   <p:notesMasterIdLst>
-    <p:notesMasterId r:id="rId8"/>
+    <p:notesMasterId r:id="rId9"/>
   </p:notesMasterIdLst>
   <p:sldIdLst>
     <p:sldId id="256" r:id="rId2"/>
@@ -13,7 +13,8 @@
     <p:sldId id="267" r:id="rId4"/>
     <p:sldId id="268" r:id="rId5"/>
     <p:sldId id="261" r:id="rId6"/>
-    <p:sldId id="262" r:id="rId7"/>
+    <p:sldId id="269" r:id="rId7"/>
+    <p:sldId id="262" r:id="rId8"/>
   </p:sldIdLst>
   <p:sldSz cx="12192000" cy="6858000"/>
   <p:notesSz cx="6858000" cy="9144000"/>
@@ -124,12 +125,12 @@
 <p1510:revInfo xmlns:a="http://schemas.openxmlformats.org/drawingml/2006/main" xmlns:r="http://schemas.openxmlformats.org/officeDocument/2006/relationships" xmlns:p1510="http://schemas.microsoft.com/office/powerpoint/2015/10/main">
   <p1510:revLst>
     <p1510:client id="{20A3EE01-A5DE-4061-8792-411F3BD47289}" v="42" dt="2020-01-19T10:03:37.844"/>
+    <p1510:client id="{C631908C-1A98-4B70-95DA-3D04A3C60BBB}" v="171" dt="2020-01-21T12:32:07.929"/>
     <p1510:client id="{45FD4B75-A3FC-44CB-82E5-76D6F7DD7E3B}" v="375" dt="2020-01-19T13:46:40.518"/>
     <p1510:client id="{5343ECE3-9E46-444C-A3E7-13AED39F1A6F}" v="194" dt="2020-01-19T09:07:38.824"/>
     <p1510:client id="{6F85AB3B-9C26-4979-A8FD-2AB86F961360}" v="566" dt="2020-01-19T11:36:28.921"/>
+    <p1510:client id="{FE7B93E8-EE30-4C20-B6B5-A7FAB8A0E614}" v="635" dt="2020-01-19T13:03:37.165"/>
     <p1510:client id="{88307E76-9AA9-468C-AF85-650B13E9EA55}" v="12" dt="2020-01-19T09:35:01.725"/>
-    <p1510:client id="{C631908C-1A98-4B70-95DA-3D04A3C60BBB}" v="171" dt="2020-01-21T12:32:07.929"/>
-    <p1510:client id="{FE7B93E8-EE30-4C20-B6B5-A7FAB8A0E614}" v="635" dt="2020-01-19T13:03:37.165"/>
   </p1510:revLst>
 </p1510:revInfo>
 </file>
@@ -1004,7 +1005,7 @@
           <a:p>
             <a:fld id="{10D08ABD-147D-43D8-AD0E-C56070E2C69D}" type="slidenum">
               <a:rPr lang="de-DE" smtClean="0"/>
-              <a:t>‹N°›</a:t>
+              <a:t>‹Nr.›</a:t>
             </a:fld>
             <a:endParaRPr lang="de-DE"/>
           </a:p>
@@ -1259,11 +1260,11 @@
           <a:lstStyle/>
           <a:p>
             <a:r>
-              <a:rPr lang="en-US" dirty="0" smtClean="0"/>
+              <a:rPr lang="en-US" dirty="0"/>
               <a:t>0,</a:t>
             </a:r>
             <a:r>
-              <a:rPr lang="en-US" baseline="0" dirty="0" smtClean="0"/>
+              <a:rPr lang="en-US" baseline="0" dirty="0"/>
               <a:t>1 OR 0,2 OR -1,1</a:t>
             </a:r>
             <a:endParaRPr lang="en-US" dirty="0"/>
@@ -1328,7 +1329,7 @@
           <p:cNvPr id="2" name="Titel 1">
             <a:extLst>
               <a:ext uri="{FF2B5EF4-FFF2-40B4-BE49-F238E27FC236}">
-                <a16:creationId xmlns:a16="http://schemas.microsoft.com/office/drawing/2014/main" xmlns="" id="{701EABE2-81DB-4A57-87BD-BAC9B81DA953}"/>
+                <a16:creationId xmlns:a16="http://schemas.microsoft.com/office/drawing/2014/main" id="{701EABE2-81DB-4A57-87BD-BAC9B81DA953}"/>
               </a:ext>
             </a:extLst>
           </p:cNvPr>
@@ -1365,7 +1366,7 @@
           <p:cNvPr id="3" name="Untertitel 2">
             <a:extLst>
               <a:ext uri="{FF2B5EF4-FFF2-40B4-BE49-F238E27FC236}">
-                <a16:creationId xmlns:a16="http://schemas.microsoft.com/office/drawing/2014/main" xmlns="" id="{9E44B19B-9953-4462-B98C-34C559DFD4BA}"/>
+                <a16:creationId xmlns:a16="http://schemas.microsoft.com/office/drawing/2014/main" id="{9E44B19B-9953-4462-B98C-34C559DFD4BA}"/>
               </a:ext>
             </a:extLst>
           </p:cNvPr>
@@ -1435,7 +1436,7 @@
           <p:cNvPr id="4" name="Datumsplatzhalter 3">
             <a:extLst>
               <a:ext uri="{FF2B5EF4-FFF2-40B4-BE49-F238E27FC236}">
-                <a16:creationId xmlns:a16="http://schemas.microsoft.com/office/drawing/2014/main" xmlns="" id="{85282A0B-87AA-4F5C-9252-AB7E74ABF29B}"/>
+                <a16:creationId xmlns:a16="http://schemas.microsoft.com/office/drawing/2014/main" id="{85282A0B-87AA-4F5C-9252-AB7E74ABF29B}"/>
               </a:ext>
             </a:extLst>
           </p:cNvPr>
@@ -1464,7 +1465,7 @@
           <p:cNvPr id="5" name="Fußzeilenplatzhalter 4">
             <a:extLst>
               <a:ext uri="{FF2B5EF4-FFF2-40B4-BE49-F238E27FC236}">
-                <a16:creationId xmlns:a16="http://schemas.microsoft.com/office/drawing/2014/main" xmlns="" id="{CCE46F71-BCF6-41F3-8C17-381DF36140FE}"/>
+                <a16:creationId xmlns:a16="http://schemas.microsoft.com/office/drawing/2014/main" id="{CCE46F71-BCF6-41F3-8C17-381DF36140FE}"/>
               </a:ext>
             </a:extLst>
           </p:cNvPr>
@@ -1489,7 +1490,7 @@
           <p:cNvPr id="6" name="Foliennummernplatzhalter 5">
             <a:extLst>
               <a:ext uri="{FF2B5EF4-FFF2-40B4-BE49-F238E27FC236}">
-                <a16:creationId xmlns:a16="http://schemas.microsoft.com/office/drawing/2014/main" xmlns="" id="{DF41A37E-A33B-4798-9922-3B8B5AE5A27B}"/>
+                <a16:creationId xmlns:a16="http://schemas.microsoft.com/office/drawing/2014/main" id="{DF41A37E-A33B-4798-9922-3B8B5AE5A27B}"/>
               </a:ext>
             </a:extLst>
           </p:cNvPr>
@@ -1515,7 +1516,7 @@
           <a:p>
             <a:fld id="{9A48FC86-4651-46AF-9E4A-D3FC30E17613}" type="slidenum">
               <a:rPr lang="de-DE" smtClean="0"/>
-              <a:t>‹N°›</a:t>
+              <a:t>‹Nr.›</a:t>
             </a:fld>
             <a:endParaRPr lang="de-DE"/>
           </a:p>
@@ -1556,7 +1557,7 @@
           <p:cNvPr id="2" name="Titel 1">
             <a:extLst>
               <a:ext uri="{FF2B5EF4-FFF2-40B4-BE49-F238E27FC236}">
-                <a16:creationId xmlns:a16="http://schemas.microsoft.com/office/drawing/2014/main" xmlns="" id="{FCE4A30D-3A8C-4B77-B82E-724CCF54EFD5}"/>
+                <a16:creationId xmlns:a16="http://schemas.microsoft.com/office/drawing/2014/main" id="{FCE4A30D-3A8C-4B77-B82E-724CCF54EFD5}"/>
               </a:ext>
             </a:extLst>
           </p:cNvPr>
@@ -1584,7 +1585,7 @@
           <p:cNvPr id="3" name="Vertikaler Textplatzhalter 2">
             <a:extLst>
               <a:ext uri="{FF2B5EF4-FFF2-40B4-BE49-F238E27FC236}">
-                <a16:creationId xmlns:a16="http://schemas.microsoft.com/office/drawing/2014/main" xmlns="" id="{D0312C4C-DD67-420D-AE80-FBF20CAD00FE}"/>
+                <a16:creationId xmlns:a16="http://schemas.microsoft.com/office/drawing/2014/main" id="{D0312C4C-DD67-420D-AE80-FBF20CAD00FE}"/>
               </a:ext>
             </a:extLst>
           </p:cNvPr>
@@ -1641,7 +1642,7 @@
           <p:cNvPr id="4" name="Datumsplatzhalter 3">
             <a:extLst>
               <a:ext uri="{FF2B5EF4-FFF2-40B4-BE49-F238E27FC236}">
-                <a16:creationId xmlns:a16="http://schemas.microsoft.com/office/drawing/2014/main" xmlns="" id="{752D94C2-424D-4096-8FAE-F12A3D4A5C7D}"/>
+                <a16:creationId xmlns:a16="http://schemas.microsoft.com/office/drawing/2014/main" id="{752D94C2-424D-4096-8FAE-F12A3D4A5C7D}"/>
               </a:ext>
             </a:extLst>
           </p:cNvPr>
@@ -1670,7 +1671,7 @@
           <p:cNvPr id="5" name="Fußzeilenplatzhalter 4">
             <a:extLst>
               <a:ext uri="{FF2B5EF4-FFF2-40B4-BE49-F238E27FC236}">
-                <a16:creationId xmlns:a16="http://schemas.microsoft.com/office/drawing/2014/main" xmlns="" id="{02BB29D6-C358-4D1F-90A7-5282C5CF3A2B}"/>
+                <a16:creationId xmlns:a16="http://schemas.microsoft.com/office/drawing/2014/main" id="{02BB29D6-C358-4D1F-90A7-5282C5CF3A2B}"/>
               </a:ext>
             </a:extLst>
           </p:cNvPr>
@@ -1695,7 +1696,7 @@
           <p:cNvPr id="6" name="Foliennummernplatzhalter 5">
             <a:extLst>
               <a:ext uri="{FF2B5EF4-FFF2-40B4-BE49-F238E27FC236}">
-                <a16:creationId xmlns:a16="http://schemas.microsoft.com/office/drawing/2014/main" xmlns="" id="{AE9CFC43-FC34-49A0-9C58-C1BA7EAB4CD1}"/>
+                <a16:creationId xmlns:a16="http://schemas.microsoft.com/office/drawing/2014/main" id="{AE9CFC43-FC34-49A0-9C58-C1BA7EAB4CD1}"/>
               </a:ext>
             </a:extLst>
           </p:cNvPr>
@@ -1721,7 +1722,7 @@
           <a:p>
             <a:fld id="{9A48FC86-4651-46AF-9E4A-D3FC30E17613}" type="slidenum">
               <a:rPr lang="de-DE" smtClean="0"/>
-              <a:t>‹N°›</a:t>
+              <a:t>‹Nr.›</a:t>
             </a:fld>
             <a:endParaRPr lang="de-DE"/>
           </a:p>
@@ -1762,7 +1763,7 @@
           <p:cNvPr id="2" name="Vertikaler Titel 1">
             <a:extLst>
               <a:ext uri="{FF2B5EF4-FFF2-40B4-BE49-F238E27FC236}">
-                <a16:creationId xmlns:a16="http://schemas.microsoft.com/office/drawing/2014/main" xmlns="" id="{C6AE7126-CFA4-458D-B5F5-AA476ABB117D}"/>
+                <a16:creationId xmlns:a16="http://schemas.microsoft.com/office/drawing/2014/main" id="{C6AE7126-CFA4-458D-B5F5-AA476ABB117D}"/>
               </a:ext>
             </a:extLst>
           </p:cNvPr>
@@ -1795,7 +1796,7 @@
           <p:cNvPr id="3" name="Vertikaler Textplatzhalter 2">
             <a:extLst>
               <a:ext uri="{FF2B5EF4-FFF2-40B4-BE49-F238E27FC236}">
-                <a16:creationId xmlns:a16="http://schemas.microsoft.com/office/drawing/2014/main" xmlns="" id="{E4719945-B69E-4CB7-AF62-A8E248C097C4}"/>
+                <a16:creationId xmlns:a16="http://schemas.microsoft.com/office/drawing/2014/main" id="{E4719945-B69E-4CB7-AF62-A8E248C097C4}"/>
               </a:ext>
             </a:extLst>
           </p:cNvPr>
@@ -1857,7 +1858,7 @@
           <p:cNvPr id="4" name="Datumsplatzhalter 3">
             <a:extLst>
               <a:ext uri="{FF2B5EF4-FFF2-40B4-BE49-F238E27FC236}">
-                <a16:creationId xmlns:a16="http://schemas.microsoft.com/office/drawing/2014/main" xmlns="" id="{194C9456-1825-45D5-AFC8-7437C4E58D48}"/>
+                <a16:creationId xmlns:a16="http://schemas.microsoft.com/office/drawing/2014/main" id="{194C9456-1825-45D5-AFC8-7437C4E58D48}"/>
               </a:ext>
             </a:extLst>
           </p:cNvPr>
@@ -1886,7 +1887,7 @@
           <p:cNvPr id="5" name="Fußzeilenplatzhalter 4">
             <a:extLst>
               <a:ext uri="{FF2B5EF4-FFF2-40B4-BE49-F238E27FC236}">
-                <a16:creationId xmlns:a16="http://schemas.microsoft.com/office/drawing/2014/main" xmlns="" id="{0B1CC9B3-FE3E-4DC0-B71D-312C93D1814D}"/>
+                <a16:creationId xmlns:a16="http://schemas.microsoft.com/office/drawing/2014/main" id="{0B1CC9B3-FE3E-4DC0-B71D-312C93D1814D}"/>
               </a:ext>
             </a:extLst>
           </p:cNvPr>
@@ -1911,7 +1912,7 @@
           <p:cNvPr id="6" name="Foliennummernplatzhalter 5">
             <a:extLst>
               <a:ext uri="{FF2B5EF4-FFF2-40B4-BE49-F238E27FC236}">
-                <a16:creationId xmlns:a16="http://schemas.microsoft.com/office/drawing/2014/main" xmlns="" id="{41E050D8-C164-4E85-94F4-BA2B19D46D58}"/>
+                <a16:creationId xmlns:a16="http://schemas.microsoft.com/office/drawing/2014/main" id="{41E050D8-C164-4E85-94F4-BA2B19D46D58}"/>
               </a:ext>
             </a:extLst>
           </p:cNvPr>
@@ -1937,7 +1938,7 @@
           <a:p>
             <a:fld id="{9A48FC86-4651-46AF-9E4A-D3FC30E17613}" type="slidenum">
               <a:rPr lang="de-DE" smtClean="0"/>
-              <a:t>‹N°›</a:t>
+              <a:t>‹Nr.›</a:t>
             </a:fld>
             <a:endParaRPr lang="de-DE"/>
           </a:p>
@@ -1978,7 +1979,7 @@
           <p:cNvPr id="2" name="Titel 1">
             <a:extLst>
               <a:ext uri="{FF2B5EF4-FFF2-40B4-BE49-F238E27FC236}">
-                <a16:creationId xmlns:a16="http://schemas.microsoft.com/office/drawing/2014/main" xmlns="" id="{C9100C2D-6625-4AF5-8937-424086BE0285}"/>
+                <a16:creationId xmlns:a16="http://schemas.microsoft.com/office/drawing/2014/main" id="{C9100C2D-6625-4AF5-8937-424086BE0285}"/>
               </a:ext>
             </a:extLst>
           </p:cNvPr>
@@ -2006,7 +2007,7 @@
           <p:cNvPr id="3" name="Inhaltsplatzhalter 2">
             <a:extLst>
               <a:ext uri="{FF2B5EF4-FFF2-40B4-BE49-F238E27FC236}">
-                <a16:creationId xmlns:a16="http://schemas.microsoft.com/office/drawing/2014/main" xmlns="" id="{38D1AAA1-BE3D-4A43-91C4-A2C3C6173375}"/>
+                <a16:creationId xmlns:a16="http://schemas.microsoft.com/office/drawing/2014/main" id="{38D1AAA1-BE3D-4A43-91C4-A2C3C6173375}"/>
               </a:ext>
             </a:extLst>
           </p:cNvPr>
@@ -2063,7 +2064,7 @@
           <p:cNvPr id="4" name="Datumsplatzhalter 3">
             <a:extLst>
               <a:ext uri="{FF2B5EF4-FFF2-40B4-BE49-F238E27FC236}">
-                <a16:creationId xmlns:a16="http://schemas.microsoft.com/office/drawing/2014/main" xmlns="" id="{48884C8B-06F5-44CC-B1D1-2A02463EC226}"/>
+                <a16:creationId xmlns:a16="http://schemas.microsoft.com/office/drawing/2014/main" id="{48884C8B-06F5-44CC-B1D1-2A02463EC226}"/>
               </a:ext>
             </a:extLst>
           </p:cNvPr>
@@ -2092,7 +2093,7 @@
           <p:cNvPr id="5" name="Fußzeilenplatzhalter 4">
             <a:extLst>
               <a:ext uri="{FF2B5EF4-FFF2-40B4-BE49-F238E27FC236}">
-                <a16:creationId xmlns:a16="http://schemas.microsoft.com/office/drawing/2014/main" xmlns="" id="{2EE480CA-0EC1-4AF7-9F30-F143FE83D99B}"/>
+                <a16:creationId xmlns:a16="http://schemas.microsoft.com/office/drawing/2014/main" id="{2EE480CA-0EC1-4AF7-9F30-F143FE83D99B}"/>
               </a:ext>
             </a:extLst>
           </p:cNvPr>
@@ -2117,7 +2118,7 @@
           <p:cNvPr id="6" name="Foliennummernplatzhalter 5">
             <a:extLst>
               <a:ext uri="{FF2B5EF4-FFF2-40B4-BE49-F238E27FC236}">
-                <a16:creationId xmlns:a16="http://schemas.microsoft.com/office/drawing/2014/main" xmlns="" id="{13337EC3-94DD-4B09-A484-F0141C1CB8B0}"/>
+                <a16:creationId xmlns:a16="http://schemas.microsoft.com/office/drawing/2014/main" id="{13337EC3-94DD-4B09-A484-F0141C1CB8B0}"/>
               </a:ext>
             </a:extLst>
           </p:cNvPr>
@@ -2143,7 +2144,7 @@
           <a:p>
             <a:fld id="{9A48FC86-4651-46AF-9E4A-D3FC30E17613}" type="slidenum">
               <a:rPr lang="de-DE" smtClean="0"/>
-              <a:t>‹N°›</a:t>
+              <a:t>‹Nr.›</a:t>
             </a:fld>
             <a:endParaRPr lang="de-DE"/>
           </a:p>
@@ -2184,7 +2185,7 @@
           <p:cNvPr id="2" name="Titel 1">
             <a:extLst>
               <a:ext uri="{FF2B5EF4-FFF2-40B4-BE49-F238E27FC236}">
-                <a16:creationId xmlns:a16="http://schemas.microsoft.com/office/drawing/2014/main" xmlns="" id="{CBDD584A-A976-4556-9716-DA9197EACC6F}"/>
+                <a16:creationId xmlns:a16="http://schemas.microsoft.com/office/drawing/2014/main" id="{CBDD584A-A976-4556-9716-DA9197EACC6F}"/>
               </a:ext>
             </a:extLst>
           </p:cNvPr>
@@ -2221,7 +2222,7 @@
           <p:cNvPr id="3" name="Textplatzhalter 2">
             <a:extLst>
               <a:ext uri="{FF2B5EF4-FFF2-40B4-BE49-F238E27FC236}">
-                <a16:creationId xmlns:a16="http://schemas.microsoft.com/office/drawing/2014/main" xmlns="" id="{C713F004-8C3B-4899-9F30-C6CC20E50B36}"/>
+                <a16:creationId xmlns:a16="http://schemas.microsoft.com/office/drawing/2014/main" id="{C713F004-8C3B-4899-9F30-C6CC20E50B36}"/>
               </a:ext>
             </a:extLst>
           </p:cNvPr>
@@ -2346,7 +2347,7 @@
           <p:cNvPr id="4" name="Datumsplatzhalter 3">
             <a:extLst>
               <a:ext uri="{FF2B5EF4-FFF2-40B4-BE49-F238E27FC236}">
-                <a16:creationId xmlns:a16="http://schemas.microsoft.com/office/drawing/2014/main" xmlns="" id="{B300BECA-2226-430E-B31A-3A70D7FB0DD4}"/>
+                <a16:creationId xmlns:a16="http://schemas.microsoft.com/office/drawing/2014/main" id="{B300BECA-2226-430E-B31A-3A70D7FB0DD4}"/>
               </a:ext>
             </a:extLst>
           </p:cNvPr>
@@ -2375,7 +2376,7 @@
           <p:cNvPr id="5" name="Fußzeilenplatzhalter 4">
             <a:extLst>
               <a:ext uri="{FF2B5EF4-FFF2-40B4-BE49-F238E27FC236}">
-                <a16:creationId xmlns:a16="http://schemas.microsoft.com/office/drawing/2014/main" xmlns="" id="{9D2C0B24-C4C7-4E3E-A30D-AD2B22A8CAC5}"/>
+                <a16:creationId xmlns:a16="http://schemas.microsoft.com/office/drawing/2014/main" id="{9D2C0B24-C4C7-4E3E-A30D-AD2B22A8CAC5}"/>
               </a:ext>
             </a:extLst>
           </p:cNvPr>
@@ -2400,7 +2401,7 @@
           <p:cNvPr id="6" name="Foliennummernplatzhalter 5">
             <a:extLst>
               <a:ext uri="{FF2B5EF4-FFF2-40B4-BE49-F238E27FC236}">
-                <a16:creationId xmlns:a16="http://schemas.microsoft.com/office/drawing/2014/main" xmlns="" id="{15EF3485-89F1-47E8-AB99-914FE8775138}"/>
+                <a16:creationId xmlns:a16="http://schemas.microsoft.com/office/drawing/2014/main" id="{15EF3485-89F1-47E8-AB99-914FE8775138}"/>
               </a:ext>
             </a:extLst>
           </p:cNvPr>
@@ -2426,7 +2427,7 @@
           <a:p>
             <a:fld id="{9A48FC86-4651-46AF-9E4A-D3FC30E17613}" type="slidenum">
               <a:rPr lang="de-DE" smtClean="0"/>
-              <a:t>‹N°›</a:t>
+              <a:t>‹Nr.›</a:t>
             </a:fld>
             <a:endParaRPr lang="de-DE"/>
           </a:p>
@@ -2467,7 +2468,7 @@
           <p:cNvPr id="2" name="Titel 1">
             <a:extLst>
               <a:ext uri="{FF2B5EF4-FFF2-40B4-BE49-F238E27FC236}">
-                <a16:creationId xmlns:a16="http://schemas.microsoft.com/office/drawing/2014/main" xmlns="" id="{6B45D284-4E4F-4976-80EC-400821F99BCF}"/>
+                <a16:creationId xmlns:a16="http://schemas.microsoft.com/office/drawing/2014/main" id="{6B45D284-4E4F-4976-80EC-400821F99BCF}"/>
               </a:ext>
             </a:extLst>
           </p:cNvPr>
@@ -2495,7 +2496,7 @@
           <p:cNvPr id="3" name="Inhaltsplatzhalter 2">
             <a:extLst>
               <a:ext uri="{FF2B5EF4-FFF2-40B4-BE49-F238E27FC236}">
-                <a16:creationId xmlns:a16="http://schemas.microsoft.com/office/drawing/2014/main" xmlns="" id="{61C980E4-B51F-4860-A848-EB6955BA36AF}"/>
+                <a16:creationId xmlns:a16="http://schemas.microsoft.com/office/drawing/2014/main" id="{61C980E4-B51F-4860-A848-EB6955BA36AF}"/>
               </a:ext>
             </a:extLst>
           </p:cNvPr>
@@ -2557,7 +2558,7 @@
           <p:cNvPr id="4" name="Inhaltsplatzhalter 3">
             <a:extLst>
               <a:ext uri="{FF2B5EF4-FFF2-40B4-BE49-F238E27FC236}">
-                <a16:creationId xmlns:a16="http://schemas.microsoft.com/office/drawing/2014/main" xmlns="" id="{8D7C296F-6044-4CF6-BBE5-CEA4560EEEB9}"/>
+                <a16:creationId xmlns:a16="http://schemas.microsoft.com/office/drawing/2014/main" id="{8D7C296F-6044-4CF6-BBE5-CEA4560EEEB9}"/>
               </a:ext>
             </a:extLst>
           </p:cNvPr>
@@ -2619,7 +2620,7 @@
           <p:cNvPr id="5" name="Datumsplatzhalter 4">
             <a:extLst>
               <a:ext uri="{FF2B5EF4-FFF2-40B4-BE49-F238E27FC236}">
-                <a16:creationId xmlns:a16="http://schemas.microsoft.com/office/drawing/2014/main" xmlns="" id="{F87A09FB-245D-407E-94D1-C81BBB221DC2}"/>
+                <a16:creationId xmlns:a16="http://schemas.microsoft.com/office/drawing/2014/main" id="{F87A09FB-245D-407E-94D1-C81BBB221DC2}"/>
               </a:ext>
             </a:extLst>
           </p:cNvPr>
@@ -2648,7 +2649,7 @@
           <p:cNvPr id="6" name="Fußzeilenplatzhalter 5">
             <a:extLst>
               <a:ext uri="{FF2B5EF4-FFF2-40B4-BE49-F238E27FC236}">
-                <a16:creationId xmlns:a16="http://schemas.microsoft.com/office/drawing/2014/main" xmlns="" id="{7713AD3F-FB16-4761-97DD-7D2895FBAF79}"/>
+                <a16:creationId xmlns:a16="http://schemas.microsoft.com/office/drawing/2014/main" id="{7713AD3F-FB16-4761-97DD-7D2895FBAF79}"/>
               </a:ext>
             </a:extLst>
           </p:cNvPr>
@@ -2673,7 +2674,7 @@
           <p:cNvPr id="7" name="Foliennummernplatzhalter 6">
             <a:extLst>
               <a:ext uri="{FF2B5EF4-FFF2-40B4-BE49-F238E27FC236}">
-                <a16:creationId xmlns:a16="http://schemas.microsoft.com/office/drawing/2014/main" xmlns="" id="{E08B0646-8FC5-4829-A454-55B654DBA3C4}"/>
+                <a16:creationId xmlns:a16="http://schemas.microsoft.com/office/drawing/2014/main" id="{E08B0646-8FC5-4829-A454-55B654DBA3C4}"/>
               </a:ext>
             </a:extLst>
           </p:cNvPr>
@@ -2699,7 +2700,7 @@
           <a:p>
             <a:fld id="{9A48FC86-4651-46AF-9E4A-D3FC30E17613}" type="slidenum">
               <a:rPr lang="de-DE" smtClean="0"/>
-              <a:t>‹N°›</a:t>
+              <a:t>‹Nr.›</a:t>
             </a:fld>
             <a:endParaRPr lang="de-DE"/>
           </a:p>
@@ -2740,7 +2741,7 @@
           <p:cNvPr id="2" name="Titel 1">
             <a:extLst>
               <a:ext uri="{FF2B5EF4-FFF2-40B4-BE49-F238E27FC236}">
-                <a16:creationId xmlns:a16="http://schemas.microsoft.com/office/drawing/2014/main" xmlns="" id="{87FFCFA6-D29A-4DD6-8A93-5742D6DB0521}"/>
+                <a16:creationId xmlns:a16="http://schemas.microsoft.com/office/drawing/2014/main" id="{87FFCFA6-D29A-4DD6-8A93-5742D6DB0521}"/>
               </a:ext>
             </a:extLst>
           </p:cNvPr>
@@ -2773,7 +2774,7 @@
           <p:cNvPr id="3" name="Textplatzhalter 2">
             <a:extLst>
               <a:ext uri="{FF2B5EF4-FFF2-40B4-BE49-F238E27FC236}">
-                <a16:creationId xmlns:a16="http://schemas.microsoft.com/office/drawing/2014/main" xmlns="" id="{52A062D5-F9A3-40F3-940E-784410DB79B5}"/>
+                <a16:creationId xmlns:a16="http://schemas.microsoft.com/office/drawing/2014/main" id="{52A062D5-F9A3-40F3-940E-784410DB79B5}"/>
               </a:ext>
             </a:extLst>
           </p:cNvPr>
@@ -2844,7 +2845,7 @@
           <p:cNvPr id="4" name="Inhaltsplatzhalter 3">
             <a:extLst>
               <a:ext uri="{FF2B5EF4-FFF2-40B4-BE49-F238E27FC236}">
-                <a16:creationId xmlns:a16="http://schemas.microsoft.com/office/drawing/2014/main" xmlns="" id="{0F2C725F-CDA6-419C-9990-237B92011EB3}"/>
+                <a16:creationId xmlns:a16="http://schemas.microsoft.com/office/drawing/2014/main" id="{0F2C725F-CDA6-419C-9990-237B92011EB3}"/>
               </a:ext>
             </a:extLst>
           </p:cNvPr>
@@ -2906,7 +2907,7 @@
           <p:cNvPr id="5" name="Textplatzhalter 4">
             <a:extLst>
               <a:ext uri="{FF2B5EF4-FFF2-40B4-BE49-F238E27FC236}">
-                <a16:creationId xmlns:a16="http://schemas.microsoft.com/office/drawing/2014/main" xmlns="" id="{57D0AB86-7ACC-4F81-BA1E-EABC81375E4C}"/>
+                <a16:creationId xmlns:a16="http://schemas.microsoft.com/office/drawing/2014/main" id="{57D0AB86-7ACC-4F81-BA1E-EABC81375E4C}"/>
               </a:ext>
             </a:extLst>
           </p:cNvPr>
@@ -2977,7 +2978,7 @@
           <p:cNvPr id="6" name="Inhaltsplatzhalter 5">
             <a:extLst>
               <a:ext uri="{FF2B5EF4-FFF2-40B4-BE49-F238E27FC236}">
-                <a16:creationId xmlns:a16="http://schemas.microsoft.com/office/drawing/2014/main" xmlns="" id="{1A5FCBEC-2F64-4023-881F-8C2D77F12391}"/>
+                <a16:creationId xmlns:a16="http://schemas.microsoft.com/office/drawing/2014/main" id="{1A5FCBEC-2F64-4023-881F-8C2D77F12391}"/>
               </a:ext>
             </a:extLst>
           </p:cNvPr>
@@ -3039,7 +3040,7 @@
           <p:cNvPr id="7" name="Datumsplatzhalter 6">
             <a:extLst>
               <a:ext uri="{FF2B5EF4-FFF2-40B4-BE49-F238E27FC236}">
-                <a16:creationId xmlns:a16="http://schemas.microsoft.com/office/drawing/2014/main" xmlns="" id="{1B579458-8146-4585-8116-8815B1984C10}"/>
+                <a16:creationId xmlns:a16="http://schemas.microsoft.com/office/drawing/2014/main" id="{1B579458-8146-4585-8116-8815B1984C10}"/>
               </a:ext>
             </a:extLst>
           </p:cNvPr>
@@ -3068,7 +3069,7 @@
           <p:cNvPr id="8" name="Fußzeilenplatzhalter 7">
             <a:extLst>
               <a:ext uri="{FF2B5EF4-FFF2-40B4-BE49-F238E27FC236}">
-                <a16:creationId xmlns:a16="http://schemas.microsoft.com/office/drawing/2014/main" xmlns="" id="{B8FE971A-3252-4BEE-AE2A-ED9DD64D786C}"/>
+                <a16:creationId xmlns:a16="http://schemas.microsoft.com/office/drawing/2014/main" id="{B8FE971A-3252-4BEE-AE2A-ED9DD64D786C}"/>
               </a:ext>
             </a:extLst>
           </p:cNvPr>
@@ -3093,7 +3094,7 @@
           <p:cNvPr id="9" name="Foliennummernplatzhalter 8">
             <a:extLst>
               <a:ext uri="{FF2B5EF4-FFF2-40B4-BE49-F238E27FC236}">
-                <a16:creationId xmlns:a16="http://schemas.microsoft.com/office/drawing/2014/main" xmlns="" id="{224F811E-098E-42CD-BF79-561DBDB14DE9}"/>
+                <a16:creationId xmlns:a16="http://schemas.microsoft.com/office/drawing/2014/main" id="{224F811E-098E-42CD-BF79-561DBDB14DE9}"/>
               </a:ext>
             </a:extLst>
           </p:cNvPr>
@@ -3119,7 +3120,7 @@
           <a:p>
             <a:fld id="{9A48FC86-4651-46AF-9E4A-D3FC30E17613}" type="slidenum">
               <a:rPr lang="de-DE" smtClean="0"/>
-              <a:t>‹N°›</a:t>
+              <a:t>‹Nr.›</a:t>
             </a:fld>
             <a:endParaRPr lang="de-DE"/>
           </a:p>
@@ -3160,7 +3161,7 @@
           <p:cNvPr id="2" name="Titel 1">
             <a:extLst>
               <a:ext uri="{FF2B5EF4-FFF2-40B4-BE49-F238E27FC236}">
-                <a16:creationId xmlns:a16="http://schemas.microsoft.com/office/drawing/2014/main" xmlns="" id="{466DE76C-FB01-463F-B2AD-A897695D3F41}"/>
+                <a16:creationId xmlns:a16="http://schemas.microsoft.com/office/drawing/2014/main" id="{466DE76C-FB01-463F-B2AD-A897695D3F41}"/>
               </a:ext>
             </a:extLst>
           </p:cNvPr>
@@ -3188,7 +3189,7 @@
           <p:cNvPr id="3" name="Datumsplatzhalter 2">
             <a:extLst>
               <a:ext uri="{FF2B5EF4-FFF2-40B4-BE49-F238E27FC236}">
-                <a16:creationId xmlns:a16="http://schemas.microsoft.com/office/drawing/2014/main" xmlns="" id="{6F7936C0-FCFE-4A57-9E63-31F514892227}"/>
+                <a16:creationId xmlns:a16="http://schemas.microsoft.com/office/drawing/2014/main" id="{6F7936C0-FCFE-4A57-9E63-31F514892227}"/>
               </a:ext>
             </a:extLst>
           </p:cNvPr>
@@ -3217,7 +3218,7 @@
           <p:cNvPr id="4" name="Fußzeilenplatzhalter 3">
             <a:extLst>
               <a:ext uri="{FF2B5EF4-FFF2-40B4-BE49-F238E27FC236}">
-                <a16:creationId xmlns:a16="http://schemas.microsoft.com/office/drawing/2014/main" xmlns="" id="{BF4C0BEA-1F74-43B8-B16A-0B93A98AF74A}"/>
+                <a16:creationId xmlns:a16="http://schemas.microsoft.com/office/drawing/2014/main" id="{BF4C0BEA-1F74-43B8-B16A-0B93A98AF74A}"/>
               </a:ext>
             </a:extLst>
           </p:cNvPr>
@@ -3242,7 +3243,7 @@
           <p:cNvPr id="5" name="Foliennummernplatzhalter 4">
             <a:extLst>
               <a:ext uri="{FF2B5EF4-FFF2-40B4-BE49-F238E27FC236}">
-                <a16:creationId xmlns:a16="http://schemas.microsoft.com/office/drawing/2014/main" xmlns="" id="{FDC612F2-A418-4792-A4B4-C0ABBAAB10A0}"/>
+                <a16:creationId xmlns:a16="http://schemas.microsoft.com/office/drawing/2014/main" id="{FDC612F2-A418-4792-A4B4-C0ABBAAB10A0}"/>
               </a:ext>
             </a:extLst>
           </p:cNvPr>
@@ -3268,7 +3269,7 @@
           <a:p>
             <a:fld id="{9A48FC86-4651-46AF-9E4A-D3FC30E17613}" type="slidenum">
               <a:rPr lang="de-DE" smtClean="0"/>
-              <a:t>‹N°›</a:t>
+              <a:t>‹Nr.›</a:t>
             </a:fld>
             <a:endParaRPr lang="de-DE"/>
           </a:p>
@@ -3309,7 +3310,7 @@
           <p:cNvPr id="2" name="Datumsplatzhalter 1">
             <a:extLst>
               <a:ext uri="{FF2B5EF4-FFF2-40B4-BE49-F238E27FC236}">
-                <a16:creationId xmlns:a16="http://schemas.microsoft.com/office/drawing/2014/main" xmlns="" id="{F1A16BA6-C843-4946-87C4-F009F9659E53}"/>
+                <a16:creationId xmlns:a16="http://schemas.microsoft.com/office/drawing/2014/main" id="{F1A16BA6-C843-4946-87C4-F009F9659E53}"/>
               </a:ext>
             </a:extLst>
           </p:cNvPr>
@@ -3338,7 +3339,7 @@
           <p:cNvPr id="3" name="Fußzeilenplatzhalter 2">
             <a:extLst>
               <a:ext uri="{FF2B5EF4-FFF2-40B4-BE49-F238E27FC236}">
-                <a16:creationId xmlns:a16="http://schemas.microsoft.com/office/drawing/2014/main" xmlns="" id="{74AD0BED-584B-4312-BC56-F22A5A97A8EA}"/>
+                <a16:creationId xmlns:a16="http://schemas.microsoft.com/office/drawing/2014/main" id="{74AD0BED-584B-4312-BC56-F22A5A97A8EA}"/>
               </a:ext>
             </a:extLst>
           </p:cNvPr>
@@ -3363,7 +3364,7 @@
           <p:cNvPr id="4" name="Foliennummernplatzhalter 3">
             <a:extLst>
               <a:ext uri="{FF2B5EF4-FFF2-40B4-BE49-F238E27FC236}">
-                <a16:creationId xmlns:a16="http://schemas.microsoft.com/office/drawing/2014/main" xmlns="" id="{ECAC19A7-F328-409E-92C0-6618959AF8AB}"/>
+                <a16:creationId xmlns:a16="http://schemas.microsoft.com/office/drawing/2014/main" id="{ECAC19A7-F328-409E-92C0-6618959AF8AB}"/>
               </a:ext>
             </a:extLst>
           </p:cNvPr>
@@ -3389,7 +3390,7 @@
           <a:p>
             <a:fld id="{9A48FC86-4651-46AF-9E4A-D3FC30E17613}" type="slidenum">
               <a:rPr lang="de-DE" smtClean="0"/>
-              <a:t>‹N°›</a:t>
+              <a:t>‹Nr.›</a:t>
             </a:fld>
             <a:endParaRPr lang="de-DE"/>
           </a:p>
@@ -3430,7 +3431,7 @@
           <p:cNvPr id="2" name="Titel 1">
             <a:extLst>
               <a:ext uri="{FF2B5EF4-FFF2-40B4-BE49-F238E27FC236}">
-                <a16:creationId xmlns:a16="http://schemas.microsoft.com/office/drawing/2014/main" xmlns="" id="{36B5D893-6A5A-4F5D-9559-23E40882374B}"/>
+                <a16:creationId xmlns:a16="http://schemas.microsoft.com/office/drawing/2014/main" id="{36B5D893-6A5A-4F5D-9559-23E40882374B}"/>
               </a:ext>
             </a:extLst>
           </p:cNvPr>
@@ -3467,7 +3468,7 @@
           <p:cNvPr id="3" name="Inhaltsplatzhalter 2">
             <a:extLst>
               <a:ext uri="{FF2B5EF4-FFF2-40B4-BE49-F238E27FC236}">
-                <a16:creationId xmlns:a16="http://schemas.microsoft.com/office/drawing/2014/main" xmlns="" id="{46211E4B-EF89-4D03-A97A-6EB546C0498D}"/>
+                <a16:creationId xmlns:a16="http://schemas.microsoft.com/office/drawing/2014/main" id="{46211E4B-EF89-4D03-A97A-6EB546C0498D}"/>
               </a:ext>
             </a:extLst>
           </p:cNvPr>
@@ -3557,7 +3558,7 @@
           <p:cNvPr id="4" name="Textplatzhalter 3">
             <a:extLst>
               <a:ext uri="{FF2B5EF4-FFF2-40B4-BE49-F238E27FC236}">
-                <a16:creationId xmlns:a16="http://schemas.microsoft.com/office/drawing/2014/main" xmlns="" id="{D4BEF54F-E067-4073-A803-29399235D78F}"/>
+                <a16:creationId xmlns:a16="http://schemas.microsoft.com/office/drawing/2014/main" id="{D4BEF54F-E067-4073-A803-29399235D78F}"/>
               </a:ext>
             </a:extLst>
           </p:cNvPr>
@@ -3628,7 +3629,7 @@
           <p:cNvPr id="5" name="Datumsplatzhalter 4">
             <a:extLst>
               <a:ext uri="{FF2B5EF4-FFF2-40B4-BE49-F238E27FC236}">
-                <a16:creationId xmlns:a16="http://schemas.microsoft.com/office/drawing/2014/main" xmlns="" id="{FF25F891-DBFE-4A5B-99B6-66F48C54174B}"/>
+                <a16:creationId xmlns:a16="http://schemas.microsoft.com/office/drawing/2014/main" id="{FF25F891-DBFE-4A5B-99B6-66F48C54174B}"/>
               </a:ext>
             </a:extLst>
           </p:cNvPr>
@@ -3657,7 +3658,7 @@
           <p:cNvPr id="6" name="Fußzeilenplatzhalter 5">
             <a:extLst>
               <a:ext uri="{FF2B5EF4-FFF2-40B4-BE49-F238E27FC236}">
-                <a16:creationId xmlns:a16="http://schemas.microsoft.com/office/drawing/2014/main" xmlns="" id="{C508CE39-F26E-4C31-84CD-D89EC83686D4}"/>
+                <a16:creationId xmlns:a16="http://schemas.microsoft.com/office/drawing/2014/main" id="{C508CE39-F26E-4C31-84CD-D89EC83686D4}"/>
               </a:ext>
             </a:extLst>
           </p:cNvPr>
@@ -3682,7 +3683,7 @@
           <p:cNvPr id="7" name="Foliennummernplatzhalter 6">
             <a:extLst>
               <a:ext uri="{FF2B5EF4-FFF2-40B4-BE49-F238E27FC236}">
-                <a16:creationId xmlns:a16="http://schemas.microsoft.com/office/drawing/2014/main" xmlns="" id="{5E1B48FE-614D-4BF1-8C39-73558F055C10}"/>
+                <a16:creationId xmlns:a16="http://schemas.microsoft.com/office/drawing/2014/main" id="{5E1B48FE-614D-4BF1-8C39-73558F055C10}"/>
               </a:ext>
             </a:extLst>
           </p:cNvPr>
@@ -3708,7 +3709,7 @@
           <a:p>
             <a:fld id="{9A48FC86-4651-46AF-9E4A-D3FC30E17613}" type="slidenum">
               <a:rPr lang="de-DE" smtClean="0"/>
-              <a:t>‹N°›</a:t>
+              <a:t>‹Nr.›</a:t>
             </a:fld>
             <a:endParaRPr lang="de-DE"/>
           </a:p>
@@ -3749,7 +3750,7 @@
           <p:cNvPr id="2" name="Titel 1">
             <a:extLst>
               <a:ext uri="{FF2B5EF4-FFF2-40B4-BE49-F238E27FC236}">
-                <a16:creationId xmlns:a16="http://schemas.microsoft.com/office/drawing/2014/main" xmlns="" id="{F9563009-E30B-45AC-BDD7-44EA72F78222}"/>
+                <a16:creationId xmlns:a16="http://schemas.microsoft.com/office/drawing/2014/main" id="{F9563009-E30B-45AC-BDD7-44EA72F78222}"/>
               </a:ext>
             </a:extLst>
           </p:cNvPr>
@@ -3786,7 +3787,7 @@
           <p:cNvPr id="3" name="Bildplatzhalter 2">
             <a:extLst>
               <a:ext uri="{FF2B5EF4-FFF2-40B4-BE49-F238E27FC236}">
-                <a16:creationId xmlns:a16="http://schemas.microsoft.com/office/drawing/2014/main" xmlns="" id="{11F2FF9F-8E72-4929-BF76-ED1330B5F674}"/>
+                <a16:creationId xmlns:a16="http://schemas.microsoft.com/office/drawing/2014/main" id="{11F2FF9F-8E72-4929-BF76-ED1330B5F674}"/>
               </a:ext>
             </a:extLst>
           </p:cNvPr>
@@ -3853,7 +3854,7 @@
           <p:cNvPr id="4" name="Textplatzhalter 3">
             <a:extLst>
               <a:ext uri="{FF2B5EF4-FFF2-40B4-BE49-F238E27FC236}">
-                <a16:creationId xmlns:a16="http://schemas.microsoft.com/office/drawing/2014/main" xmlns="" id="{4A21AA90-B6A3-4F03-A71E-8D4EFEBB4E8A}"/>
+                <a16:creationId xmlns:a16="http://schemas.microsoft.com/office/drawing/2014/main" id="{4A21AA90-B6A3-4F03-A71E-8D4EFEBB4E8A}"/>
               </a:ext>
             </a:extLst>
           </p:cNvPr>
@@ -3924,7 +3925,7 @@
           <p:cNvPr id="5" name="Datumsplatzhalter 4">
             <a:extLst>
               <a:ext uri="{FF2B5EF4-FFF2-40B4-BE49-F238E27FC236}">
-                <a16:creationId xmlns:a16="http://schemas.microsoft.com/office/drawing/2014/main" xmlns="" id="{B9A970BA-F10E-430D-9B5F-218F0B6AAD68}"/>
+                <a16:creationId xmlns:a16="http://schemas.microsoft.com/office/drawing/2014/main" id="{B9A970BA-F10E-430D-9B5F-218F0B6AAD68}"/>
               </a:ext>
             </a:extLst>
           </p:cNvPr>
@@ -3953,7 +3954,7 @@
           <p:cNvPr id="6" name="Fußzeilenplatzhalter 5">
             <a:extLst>
               <a:ext uri="{FF2B5EF4-FFF2-40B4-BE49-F238E27FC236}">
-                <a16:creationId xmlns:a16="http://schemas.microsoft.com/office/drawing/2014/main" xmlns="" id="{A141BF1C-61CE-44FF-8ABE-F08D6373AD97}"/>
+                <a16:creationId xmlns:a16="http://schemas.microsoft.com/office/drawing/2014/main" id="{A141BF1C-61CE-44FF-8ABE-F08D6373AD97}"/>
               </a:ext>
             </a:extLst>
           </p:cNvPr>
@@ -3978,7 +3979,7 @@
           <p:cNvPr id="7" name="Foliennummernplatzhalter 6">
             <a:extLst>
               <a:ext uri="{FF2B5EF4-FFF2-40B4-BE49-F238E27FC236}">
-                <a16:creationId xmlns:a16="http://schemas.microsoft.com/office/drawing/2014/main" xmlns="" id="{E76983E8-6FBA-42E6-85DE-B77806E23CA0}"/>
+                <a16:creationId xmlns:a16="http://schemas.microsoft.com/office/drawing/2014/main" id="{E76983E8-6FBA-42E6-85DE-B77806E23CA0}"/>
               </a:ext>
             </a:extLst>
           </p:cNvPr>
@@ -4004,7 +4005,7 @@
           <a:p>
             <a:fld id="{9A48FC86-4651-46AF-9E4A-D3FC30E17613}" type="slidenum">
               <a:rPr lang="de-DE" smtClean="0"/>
-              <a:t>‹N°›</a:t>
+              <a:t>‹Nr.›</a:t>
             </a:fld>
             <a:endParaRPr lang="de-DE"/>
           </a:p>
@@ -4050,7 +4051,7 @@
           <p:cNvPr id="2" name="Titelplatzhalter 1">
             <a:extLst>
               <a:ext uri="{FF2B5EF4-FFF2-40B4-BE49-F238E27FC236}">
-                <a16:creationId xmlns:a16="http://schemas.microsoft.com/office/drawing/2014/main" xmlns="" id="{F1B54F3D-85D6-4E2A-A184-2AD8788616C7}"/>
+                <a16:creationId xmlns:a16="http://schemas.microsoft.com/office/drawing/2014/main" id="{F1B54F3D-85D6-4E2A-A184-2AD8788616C7}"/>
               </a:ext>
             </a:extLst>
           </p:cNvPr>
@@ -4088,7 +4089,7 @@
           <p:cNvPr id="3" name="Textplatzhalter 2">
             <a:extLst>
               <a:ext uri="{FF2B5EF4-FFF2-40B4-BE49-F238E27FC236}">
-                <a16:creationId xmlns:a16="http://schemas.microsoft.com/office/drawing/2014/main" xmlns="" id="{62C62B55-DAE8-4571-9836-D8A9517A6717}"/>
+                <a16:creationId xmlns:a16="http://schemas.microsoft.com/office/drawing/2014/main" id="{62C62B55-DAE8-4571-9836-D8A9517A6717}"/>
               </a:ext>
             </a:extLst>
           </p:cNvPr>
@@ -4155,7 +4156,7 @@
           <p:cNvPr id="4" name="Datumsplatzhalter 3">
             <a:extLst>
               <a:ext uri="{FF2B5EF4-FFF2-40B4-BE49-F238E27FC236}">
-                <a16:creationId xmlns:a16="http://schemas.microsoft.com/office/drawing/2014/main" xmlns="" id="{202396F9-D19B-4197-A727-060829339B6B}"/>
+                <a16:creationId xmlns:a16="http://schemas.microsoft.com/office/drawing/2014/main" id="{202396F9-D19B-4197-A727-060829339B6B}"/>
               </a:ext>
             </a:extLst>
           </p:cNvPr>
@@ -4202,7 +4203,7 @@
           <p:cNvPr id="5" name="Fußzeilenplatzhalter 4">
             <a:extLst>
               <a:ext uri="{FF2B5EF4-FFF2-40B4-BE49-F238E27FC236}">
-                <a16:creationId xmlns:a16="http://schemas.microsoft.com/office/drawing/2014/main" xmlns="" id="{B1EA6A1B-5C13-45F1-9B85-4169FD91138A}"/>
+                <a16:creationId xmlns:a16="http://schemas.microsoft.com/office/drawing/2014/main" id="{B1EA6A1B-5C13-45F1-9B85-4169FD91138A}"/>
               </a:ext>
             </a:extLst>
           </p:cNvPr>
@@ -4245,7 +4246,7 @@
           <p:cNvPr id="7" name="Grafik 6">
             <a:extLst>
               <a:ext uri="{FF2B5EF4-FFF2-40B4-BE49-F238E27FC236}">
-                <a16:creationId xmlns:a16="http://schemas.microsoft.com/office/drawing/2014/main" xmlns="" id="{C59B35B2-0CE6-4FF9-984D-F5719598069C}"/>
+                <a16:creationId xmlns:a16="http://schemas.microsoft.com/office/drawing/2014/main" id="{C59B35B2-0CE6-4FF9-984D-F5719598069C}"/>
               </a:ext>
             </a:extLst>
           </p:cNvPr>
@@ -4281,7 +4282,7 @@
           <p:cNvPr id="8" name="Foliennummernplatzhalter 7">
             <a:extLst>
               <a:ext uri="{FF2B5EF4-FFF2-40B4-BE49-F238E27FC236}">
-                <a16:creationId xmlns:a16="http://schemas.microsoft.com/office/drawing/2014/main" xmlns="" id="{8B9E18AC-CAF1-4471-BF04-547435D80DDB}"/>
+                <a16:creationId xmlns:a16="http://schemas.microsoft.com/office/drawing/2014/main" id="{8B9E18AC-CAF1-4471-BF04-547435D80DDB}"/>
               </a:ext>
             </a:extLst>
           </p:cNvPr>
@@ -4317,7 +4318,7 @@
           <a:p>
             <a:fld id="{5999A4A4-2D96-49E3-B364-04D265390CD4}" type="slidenum">
               <a:rPr lang="de-DE" smtClean="0"/>
-              <a:t>‹N°›</a:t>
+              <a:t>‹Nr.›</a:t>
             </a:fld>
             <a:endParaRPr lang="de-DE"/>
           </a:p>
@@ -4650,7 +4651,7 @@
           <p:cNvPr id="2" name="Titel 1">
             <a:extLst>
               <a:ext uri="{FF2B5EF4-FFF2-40B4-BE49-F238E27FC236}">
-                <a16:creationId xmlns:a16="http://schemas.microsoft.com/office/drawing/2014/main" xmlns="" id="{19B6AC69-F81D-4459-ACD2-8110FA9FCE24}"/>
+                <a16:creationId xmlns:a16="http://schemas.microsoft.com/office/drawing/2014/main" id="{19B6AC69-F81D-4459-ACD2-8110FA9FCE24}"/>
               </a:ext>
             </a:extLst>
           </p:cNvPr>
@@ -4678,7 +4679,7 @@
           <p:cNvPr id="3" name="Untertitel 2">
             <a:extLst>
               <a:ext uri="{FF2B5EF4-FFF2-40B4-BE49-F238E27FC236}">
-                <a16:creationId xmlns:a16="http://schemas.microsoft.com/office/drawing/2014/main" xmlns="" id="{13737FBA-E6BC-4517-8A74-4336C01F7072}"/>
+                <a16:creationId xmlns:a16="http://schemas.microsoft.com/office/drawing/2014/main" id="{13737FBA-E6BC-4517-8A74-4336C01F7072}"/>
               </a:ext>
             </a:extLst>
           </p:cNvPr>
@@ -4737,24 +4738,19 @@
               <a:t> </a:t>
             </a:r>
             <a:r>
-              <a:rPr lang="de-DE" dirty="0" err="1" smtClean="0"/>
+              <a:rPr lang="de-DE" dirty="0" err="1"/>
               <a:t>games</a:t>
             </a:r>
-            <a:endParaRPr lang="de-DE" dirty="0" smtClean="0"/>
-          </a:p>
-          <a:p>
             <a:endParaRPr lang="de-DE" dirty="0"/>
           </a:p>
           <a:p>
+            <a:endParaRPr lang="de-DE" dirty="0"/>
+          </a:p>
+          <a:p>
             <a:r>
               <a:rPr lang="en-US" dirty="0"/>
-              <a:t>Sprint </a:t>
-            </a:r>
-            <a:r>
-              <a:rPr lang="en-US" dirty="0" smtClean="0"/>
-              <a:t>Review </a:t>
-            </a:r>
-            <a:endParaRPr lang="en-US" dirty="0"/>
+              <a:t>Sprint Review </a:t>
+            </a:r>
           </a:p>
         </p:txBody>
       </p:sp>
@@ -4768,13 +4764,6 @@
   <p:clrMapOvr>
     <a:masterClrMapping/>
   </p:clrMapOvr>
-  <p:timing>
-    <p:tnLst>
-      <p:par>
-        <p:cTn id="1" dur="indefinite" restart="never" nodeType="tmRoot"/>
-      </p:par>
-    </p:tnLst>
-  </p:timing>
 </p:sld>
 </file>
 
@@ -4811,10 +4800,9 @@
           <a:lstStyle/>
           <a:p>
             <a:r>
-              <a:rPr lang="en-US" b="1" dirty="0" smtClean="0"/>
+              <a:rPr lang="en-US" b="1" dirty="0"/>
               <a:t>This Sprint</a:t>
             </a:r>
-            <a:endParaRPr lang="en-US" b="1" dirty="0"/>
           </a:p>
         </p:txBody>
       </p:sp>
@@ -4843,16 +4831,8 @@
               <a:buChar char="▌"/>
             </a:pPr>
             <a:r>
-              <a:rPr lang="en-US" dirty="0" smtClean="0"/>
-              <a:t>Data </a:t>
-            </a:r>
-            <a:r>
               <a:rPr lang="en-US" dirty="0"/>
-              <a:t>Preprocessing: Create the sliding windows for 5 </a:t>
-            </a:r>
-            <a:r>
-              <a:rPr lang="en-US" dirty="0" smtClean="0"/>
-              <a:t>options</a:t>
+              <a:t>Data Preprocessing: Create the sliding windows for 5 options</a:t>
             </a:r>
           </a:p>
           <a:p>
@@ -4866,16 +4846,8 @@
               <a:buChar char="▌"/>
             </a:pPr>
             <a:r>
-              <a:rPr lang="en-US" dirty="0" smtClean="0"/>
-              <a:t>Normalization </a:t>
-            </a:r>
-            <a:r>
               <a:rPr lang="en-US" dirty="0"/>
-              <a:t>and data preparation for </a:t>
-            </a:r>
-            <a:r>
-              <a:rPr lang="en-US" dirty="0" smtClean="0"/>
-              <a:t>regression</a:t>
+              <a:t>Normalization and data preparation for regression</a:t>
             </a:r>
           </a:p>
           <a:p>
@@ -4890,27 +4862,15 @@
             </a:pPr>
             <a:r>
               <a:rPr lang="en-US" dirty="0"/>
-              <a:t>Test </a:t>
-            </a:r>
-            <a:r>
-              <a:rPr lang="en-US" dirty="0" smtClean="0"/>
-              <a:t>Multi </a:t>
+              <a:t>Test Multi Target </a:t>
+            </a:r>
+            <a:r>
+              <a:rPr lang="en-US" dirty="0" err="1"/>
+              <a:t>Regressors</a:t>
             </a:r>
             <a:r>
               <a:rPr lang="en-US" dirty="0"/>
-              <a:t>Target </a:t>
-            </a:r>
-            <a:r>
-              <a:rPr lang="en-US" dirty="0" err="1" smtClean="0"/>
-              <a:t>Regressors</a:t>
-            </a:r>
-            <a:r>
-              <a:rPr lang="en-US" dirty="0" smtClean="0"/>
-              <a:t> </a:t>
-            </a:r>
-            <a:r>
-              <a:rPr lang="en-US" dirty="0"/>
-              <a:t>(Scored Goals)</a:t>
+              <a:t> (Scored Goals)</a:t>
             </a:r>
           </a:p>
           <a:p>
@@ -4926,7 +4886,7 @@
             <a:endParaRPr lang="en-US" dirty="0"/>
           </a:p>
           <a:p>
-            <a:endParaRPr lang="en-US" dirty="0" smtClean="0"/>
+            <a:endParaRPr lang="en-US" dirty="0"/>
           </a:p>
         </p:txBody>
       </p:sp>
@@ -4959,13 +4919,6 @@
   <p:clrMapOvr>
     <a:masterClrMapping/>
   </p:clrMapOvr>
-  <p:timing>
-    <p:tnLst>
-      <p:par>
-        <p:cTn id="1" dur="indefinite" restart="never" nodeType="tmRoot"/>
-      </p:par>
-    </p:tnLst>
-  </p:timing>
 </p:sld>
 </file>
 
@@ -5002,12 +4955,8 @@
           <a:lstStyle/>
           <a:p>
             <a:r>
-              <a:rPr lang="en-US" b="1" dirty="0" smtClean="0"/>
-              <a:t>Data </a:t>
-            </a:r>
-            <a:r>
               <a:rPr lang="en-US" b="1" dirty="0"/>
-              <a:t>Preprocessing</a:t>
+              <a:t>Data Preprocessing</a:t>
             </a:r>
           </a:p>
         </p:txBody>
@@ -5062,7 +5011,7 @@
               <a:buChar char="▌"/>
             </a:pPr>
             <a:r>
-              <a:rPr lang="en-US" sz="2000" b="1" dirty="0" smtClean="0">
+              <a:rPr lang="en-US" sz="2000" b="1" dirty="0">
                 <a:solidFill>
                   <a:srgbClr val="000000"/>
                 </a:solidFill>
@@ -5151,19 +5100,15 @@
           </a:bodyPr>
           <a:lstStyle/>
           <a:p>
-            <a:r>
-              <a:rPr lang="en-US" b="1" dirty="0" smtClean="0"/>
-              <a:t/>
-            </a:r>
             <a:br>
-              <a:rPr lang="en-US" b="1" dirty="0" smtClean="0"/>
+              <a:rPr lang="en-US" b="1" dirty="0"/>
             </a:br>
             <a:r>
-              <a:rPr lang="en-US" b="1" dirty="0" smtClean="0"/>
+              <a:rPr lang="en-US" b="1" dirty="0"/>
               <a:t>Data Preparation For Regression</a:t>
             </a:r>
             <a:br>
-              <a:rPr lang="en-US" b="1" dirty="0" smtClean="0"/>
+              <a:rPr lang="en-US" b="1" dirty="0"/>
             </a:br>
             <a:endParaRPr lang="en-US" b="1" dirty="0"/>
           </a:p>
@@ -5201,7 +5146,7 @@
               <a:buChar char="▌"/>
             </a:pPr>
             <a:r>
-              <a:rPr lang="en-US" sz="2000" b="1" dirty="0" smtClean="0">
+              <a:rPr lang="en-US" sz="2000" b="1" dirty="0">
                 <a:solidFill>
                   <a:srgbClr val="000000"/>
                 </a:solidFill>
@@ -5350,32 +5295,23 @@
           <a:p>
             <a:r>
               <a:rPr lang="en-US" b="1" dirty="0"/>
-              <a:t>Test </a:t>
-            </a:r>
-            <a:r>
-              <a:rPr lang="en-US" b="1" dirty="0" smtClean="0"/>
-              <a:t>Multi </a:t>
+              <a:t>Test Multi Target </a:t>
+            </a:r>
+            <a:r>
+              <a:rPr lang="en-US" b="1" dirty="0" err="1"/>
+              <a:t>Regressors</a:t>
             </a:r>
             <a:r>
               <a:rPr lang="en-US" b="1" dirty="0"/>
-              <a:t>Target </a:t>
-            </a:r>
-            <a:r>
-              <a:rPr lang="en-US" b="1" dirty="0" err="1" smtClean="0"/>
-              <a:t>Regressors</a:t>
-            </a:r>
-            <a:r>
-              <a:rPr lang="en-US" b="1" dirty="0" smtClean="0"/>
               <a:t> </a:t>
             </a:r>
             <a:br>
-              <a:rPr lang="en-US" b="1" dirty="0" smtClean="0"/>
+              <a:rPr lang="en-US" b="1" dirty="0"/>
             </a:br>
             <a:r>
-              <a:rPr lang="en-US" b="1" dirty="0" smtClean="0"/>
+              <a:rPr lang="en-US" b="1" dirty="0"/>
               <a:t>(Scored Goals)</a:t>
             </a:r>
-            <a:endParaRPr lang="en-US" b="1" dirty="0"/>
           </a:p>
         </p:txBody>
       </p:sp>
@@ -5406,15 +5342,15 @@
               <a:buChar char="▌"/>
             </a:pPr>
             <a:r>
-              <a:rPr lang="en-US" b="1" dirty="0" smtClean="0"/>
+              <a:rPr lang="en-US" b="1" dirty="0"/>
               <a:t>Multi-Output </a:t>
             </a:r>
             <a:r>
-              <a:rPr lang="en-US" b="1" dirty="0" err="1" smtClean="0"/>
+              <a:rPr lang="en-US" b="1" dirty="0" err="1"/>
               <a:t>Regressor</a:t>
             </a:r>
             <a:r>
-              <a:rPr lang="en-US" b="1" dirty="0" smtClean="0"/>
+              <a:rPr lang="en-US" b="1" dirty="0"/>
               <a:t>: </a:t>
             </a:r>
             <a:r>
@@ -5439,12 +5375,8 @@
               <a:buChar char="►"/>
             </a:pPr>
             <a:r>
-              <a:rPr lang="en-US" dirty="0" smtClean="0"/>
-              <a:t> </a:t>
-            </a:r>
-            <a:r>
               <a:rPr lang="en-US" dirty="0"/>
-              <a:t>R2 Score: 0.16117</a:t>
+              <a:t> R2 Score: 0.16117</a:t>
             </a:r>
           </a:p>
           <a:p>
@@ -5459,28 +5391,8 @@
               <a:buChar char="►"/>
             </a:pPr>
             <a:r>
-              <a:rPr lang="en-US" dirty="0" smtClean="0"/>
-              <a:t> Training </a:t>
-            </a:r>
-            <a:r>
-              <a:rPr lang="en-US" dirty="0" smtClean="0"/>
-              <a:t>accuracy: 20.59% </a:t>
-            </a:r>
-            <a:r>
               <a:rPr lang="en-US" dirty="0"/>
-              <a:t>(H: </a:t>
-            </a:r>
-            <a:r>
-              <a:rPr lang="en-US" dirty="0" smtClean="0"/>
-              <a:t>17.10% </a:t>
-            </a:r>
-            <a:r>
-              <a:rPr lang="en-US" dirty="0"/>
-              <a:t>, A: </a:t>
-            </a:r>
-            <a:r>
-              <a:rPr lang="en-US" dirty="0" smtClean="0"/>
-              <a:t>24.08%)</a:t>
+              <a:t> Training accuracy: 20.59% (H: 17.10% , A: 24.08%)</a:t>
             </a:r>
           </a:p>
           <a:p>
@@ -5496,19 +5408,7 @@
             </a:pPr>
             <a:r>
               <a:rPr lang="en-US" dirty="0"/>
-              <a:t> </a:t>
-            </a:r>
-            <a:r>
-              <a:rPr lang="en-US" dirty="0" smtClean="0"/>
-              <a:t>Test </a:t>
-            </a:r>
-            <a:r>
-              <a:rPr lang="en-US" dirty="0" smtClean="0"/>
-              <a:t>accuracy: 18.89% (H: 12.93% , A: 24.86</a:t>
-            </a:r>
-            <a:r>
-              <a:rPr lang="en-US" dirty="0" smtClean="0"/>
-              <a:t>%)</a:t>
+              <a:t> Test accuracy: 18.89% (H: 12.93% , A: 24.86%)</a:t>
             </a:r>
           </a:p>
           <a:p>
@@ -5522,18 +5422,14 @@
               <a:buChar char="▌"/>
             </a:pPr>
             <a:r>
-              <a:rPr lang="en-US" b="1" dirty="0" smtClean="0"/>
-              <a:t>Decision </a:t>
-            </a:r>
-            <a:r>
-              <a:rPr lang="en-US" b="1" dirty="0" smtClean="0"/>
-              <a:t>Tree </a:t>
-            </a:r>
-            <a:r>
-              <a:rPr lang="en-US" b="1" dirty="0" err="1" smtClean="0"/>
+              <a:rPr lang="en-US" b="1" dirty="0"/>
+              <a:t>Decision Tree </a:t>
+            </a:r>
+            <a:r>
+              <a:rPr lang="en-US" b="1" dirty="0" err="1"/>
               <a:t>Regressor</a:t>
             </a:r>
-            <a:endParaRPr lang="en-US" b="1" dirty="0" smtClean="0"/>
+            <a:endParaRPr lang="en-US" b="1" dirty="0"/>
           </a:p>
           <a:p>
             <a:pPr marL="742950" lvl="1" indent="-285750">
@@ -5547,12 +5443,8 @@
               <a:buChar char="►"/>
             </a:pPr>
             <a:r>
-              <a:rPr lang="en-US" dirty="0" smtClean="0"/>
-              <a:t>R2 </a:t>
-            </a:r>
-            <a:r>
               <a:rPr lang="en-US" dirty="0"/>
-              <a:t>Score: 0.0819</a:t>
+              <a:t>R2 Score: 0.0819</a:t>
             </a:r>
           </a:p>
           <a:p>
@@ -5567,34 +5459,9 @@
               <a:buChar char="►"/>
             </a:pPr>
             <a:r>
-              <a:rPr lang="en-US" b="1" u="sng" dirty="0" smtClean="0"/>
-              <a:t>Training </a:t>
-            </a:r>
-            <a:r>
               <a:rPr lang="en-US" b="1" u="sng" dirty="0"/>
-              <a:t>accuracy: </a:t>
-            </a:r>
-            <a:r>
-              <a:rPr lang="en-US" b="1" u="sng" dirty="0" smtClean="0"/>
-              <a:t>100% </a:t>
-            </a:r>
-            <a:r>
-              <a:rPr lang="en-US" b="1" u="sng" dirty="0"/>
-              <a:t>(H: </a:t>
-            </a:r>
-            <a:r>
-              <a:rPr lang="en-US" b="1" u="sng" dirty="0" smtClean="0"/>
-              <a:t>100% </a:t>
-            </a:r>
-            <a:r>
-              <a:rPr lang="en-US" b="1" u="sng" dirty="0"/>
-              <a:t>, A: </a:t>
-            </a:r>
-            <a:r>
-              <a:rPr lang="en-US" b="1" u="sng" dirty="0" smtClean="0"/>
-              <a:t>100%)</a:t>
-            </a:r>
-            <a:endParaRPr lang="en-US" b="1" u="sng" dirty="0"/>
+              <a:t>Training accuracy: 100% (H: 100% , A: 100%)</a:t>
+            </a:r>
           </a:p>
           <a:p>
             <a:pPr marL="742950" lvl="1" indent="-285750">
@@ -5608,36 +5475,8 @@
               <a:buChar char="►"/>
             </a:pPr>
             <a:r>
-              <a:rPr lang="en-US" b="1" u="sng" dirty="0" smtClean="0"/>
-              <a:t>Test </a:t>
-            </a:r>
-            <a:r>
               <a:rPr lang="en-US" b="1" u="sng" dirty="0"/>
-              <a:t>accuracy: </a:t>
-            </a:r>
-            <a:r>
-              <a:rPr lang="en-US" b="1" u="sng" dirty="0" smtClean="0"/>
-              <a:t>26.49% </a:t>
-            </a:r>
-            <a:r>
-              <a:rPr lang="en-US" b="1" u="sng" dirty="0"/>
-              <a:t>(H: </a:t>
-            </a:r>
-            <a:r>
-              <a:rPr lang="en-US" b="1" u="sng" dirty="0" smtClean="0"/>
-              <a:t>25.00% </a:t>
-            </a:r>
-            <a:r>
-              <a:rPr lang="en-US" b="1" u="sng" dirty="0"/>
-              <a:t>, A: </a:t>
-            </a:r>
-            <a:r>
-              <a:rPr lang="en-US" b="1" u="sng" dirty="0" smtClean="0"/>
-              <a:t>27.98</a:t>
-            </a:r>
-            <a:r>
-              <a:rPr lang="en-US" b="1" u="sng" dirty="0" smtClean="0"/>
-              <a:t>%)</a:t>
+              <a:t>Test accuracy: 26.49% (H: 25.00% , A: 27.98%)</a:t>
             </a:r>
           </a:p>
           <a:p>
@@ -5651,18 +5490,14 @@
               <a:buChar char="▌"/>
             </a:pPr>
             <a:r>
-              <a:rPr lang="en-US" b="1" dirty="0" smtClean="0"/>
-              <a:t>Random </a:t>
-            </a:r>
-            <a:r>
-              <a:rPr lang="en-US" b="1" dirty="0" smtClean="0"/>
-              <a:t>Forest </a:t>
-            </a:r>
-            <a:r>
-              <a:rPr lang="en-US" b="1" dirty="0" err="1" smtClean="0"/>
+              <a:rPr lang="en-US" b="1" dirty="0"/>
+              <a:t>Random Forest </a:t>
+            </a:r>
+            <a:r>
+              <a:rPr lang="en-US" b="1" dirty="0" err="1"/>
               <a:t>Regressor</a:t>
             </a:r>
-            <a:endParaRPr lang="en-US" b="1" dirty="0" smtClean="0"/>
+            <a:endParaRPr lang="en-US" b="1" dirty="0"/>
           </a:p>
           <a:p>
             <a:pPr marL="742950" lvl="1" indent="-285750">
@@ -5676,12 +5511,8 @@
               <a:buChar char="►"/>
             </a:pPr>
             <a:r>
-              <a:rPr lang="en-US" dirty="0" smtClean="0"/>
-              <a:t>R2 </a:t>
-            </a:r>
-            <a:r>
               <a:rPr lang="en-US" dirty="0"/>
-              <a:t>Score: 0.09642</a:t>
+              <a:t>R2 Score: 0.09642</a:t>
             </a:r>
           </a:p>
           <a:p>
@@ -5696,34 +5527,9 @@
               <a:buChar char="►"/>
             </a:pPr>
             <a:r>
-              <a:rPr lang="en-US" b="1" i="1" u="sng" dirty="0" smtClean="0"/>
-              <a:t>Training </a:t>
-            </a:r>
-            <a:r>
               <a:rPr lang="en-US" b="1" i="1" u="sng" dirty="0"/>
-              <a:t>accuracy: </a:t>
-            </a:r>
-            <a:r>
-              <a:rPr lang="en-US" b="1" i="1" u="sng" dirty="0" smtClean="0"/>
-              <a:t>21.39% </a:t>
-            </a:r>
-            <a:r>
-              <a:rPr lang="en-US" b="1" i="1" u="sng" dirty="0"/>
-              <a:t>(H: </a:t>
-            </a:r>
-            <a:r>
-              <a:rPr lang="en-US" b="1" i="1" u="sng" dirty="0" smtClean="0"/>
-              <a:t>16.59% </a:t>
-            </a:r>
-            <a:r>
-              <a:rPr lang="en-US" b="1" i="1" u="sng" dirty="0"/>
-              <a:t>, A: </a:t>
-            </a:r>
-            <a:r>
-              <a:rPr lang="en-US" b="1" i="1" u="sng" dirty="0" smtClean="0"/>
-              <a:t>26.23%)</a:t>
-            </a:r>
-            <a:endParaRPr lang="en-US" b="1" i="1" u="sng" dirty="0"/>
+              <a:t>Training accuracy: 21.39% (H: 16.59% , A: 26.23%)</a:t>
+            </a:r>
           </a:p>
           <a:p>
             <a:pPr marL="742950" lvl="1" indent="-285750">
@@ -5738,39 +5544,7 @@
             </a:pPr>
             <a:r>
               <a:rPr lang="en-US" b="1" i="1" u="sng" dirty="0"/>
-              <a:t> </a:t>
-            </a:r>
-            <a:r>
-              <a:rPr lang="en-US" b="1" i="1" u="sng" dirty="0" smtClean="0"/>
-              <a:t>Test </a:t>
-            </a:r>
-            <a:r>
-              <a:rPr lang="en-US" b="1" i="1" u="sng" dirty="0"/>
-              <a:t>accuracy: </a:t>
-            </a:r>
-            <a:r>
-              <a:rPr lang="en-US" b="1" i="1" u="sng" dirty="0" smtClean="0"/>
-              <a:t>20.74% </a:t>
-            </a:r>
-            <a:r>
-              <a:rPr lang="en-US" b="1" i="1" u="sng" dirty="0"/>
-              <a:t>(H: </a:t>
-            </a:r>
-            <a:r>
-              <a:rPr lang="en-US" b="1" i="1" u="sng" dirty="0" smtClean="0"/>
-              <a:t>14.06% </a:t>
-            </a:r>
-            <a:r>
-              <a:rPr lang="en-US" b="1" i="1" u="sng" dirty="0"/>
-              <a:t>, A: </a:t>
-            </a:r>
-            <a:r>
-              <a:rPr lang="en-US" b="1" i="1" u="sng" dirty="0" smtClean="0"/>
-              <a:t>27.41</a:t>
-            </a:r>
-            <a:r>
-              <a:rPr lang="en-US" b="1" i="1" u="sng" dirty="0" smtClean="0"/>
-              <a:t>%)</a:t>
+              <a:t> Test accuracy: 20.74% (H: 14.06% , A: 27.41%)</a:t>
             </a:r>
           </a:p>
           <a:p>
@@ -5784,22 +5558,21 @@
               <a:buChar char="▌"/>
             </a:pPr>
             <a:r>
-              <a:rPr lang="en-US" b="1" dirty="0" smtClean="0"/>
+              <a:rPr lang="en-US" b="1" dirty="0"/>
               <a:t>MLP </a:t>
             </a:r>
             <a:r>
-              <a:rPr lang="en-US" b="1" dirty="0" err="1" smtClean="0"/>
+              <a:rPr lang="en-US" b="1" dirty="0" err="1"/>
               <a:t>Regressor</a:t>
             </a:r>
             <a:r>
-              <a:rPr lang="en-US" b="1" dirty="0" smtClean="0"/>
+              <a:rPr lang="en-US" b="1" dirty="0"/>
               <a:t>: </a:t>
             </a:r>
             <a:r>
-              <a:rPr lang="en-US" dirty="0" smtClean="0"/>
+              <a:rPr lang="en-US" dirty="0"/>
               <a:t>Solver Adam</a:t>
             </a:r>
-            <a:endParaRPr lang="en-US" dirty="0" smtClean="0"/>
           </a:p>
           <a:p>
             <a:pPr marL="742950" lvl="1" indent="-285750">
@@ -5813,12 +5586,8 @@
               <a:buChar char="►"/>
             </a:pPr>
             <a:r>
-              <a:rPr lang="en-US" dirty="0" smtClean="0"/>
-              <a:t> </a:t>
-            </a:r>
-            <a:r>
-              <a:rPr lang="en-US" dirty="0" smtClean="0"/>
-              <a:t>R2 Score: 0.1320</a:t>
+              <a:rPr lang="en-US" dirty="0"/>
+              <a:t> R2 Score: 0.1320</a:t>
             </a:r>
           </a:p>
           <a:p>
@@ -5833,7 +5602,7 @@
               <a:buChar char="►"/>
             </a:pPr>
             <a:r>
-              <a:rPr lang="en-US" dirty="0" smtClean="0"/>
+              <a:rPr lang="en-US" dirty="0"/>
               <a:t> Training accuracy: 18.01% (H: 16.26% , A: 19.77%)</a:t>
             </a:r>
           </a:p>
@@ -5849,7 +5618,7 @@
               <a:buChar char="►"/>
             </a:pPr>
             <a:r>
-              <a:rPr lang="en-US" dirty="0" smtClean="0"/>
+              <a:rPr lang="en-US" dirty="0"/>
               <a:t> Test accuracy: 18.11% (H: 13.21% , A: 23.01%)</a:t>
             </a:r>
           </a:p>
@@ -5863,7 +5632,7 @@
               </a:buClr>
               <a:buNone/>
             </a:pPr>
-            <a:endParaRPr lang="en-US" dirty="0" smtClean="0"/>
+            <a:endParaRPr lang="en-US" dirty="0"/>
           </a:p>
         </p:txBody>
       </p:sp>
@@ -6004,13 +5773,6 @@
   <p:clrMapOvr>
     <a:masterClrMapping/>
   </p:clrMapOvr>
-  <p:timing>
-    <p:tnLst>
-      <p:par>
-        <p:cTn id="1" dur="indefinite" restart="never" nodeType="tmRoot"/>
-      </p:par>
-    </p:tnLst>
-  </p:timing>
 </p:sld>
 </file>
 
@@ -6033,6 +5795,179 @@
       </p:grpSpPr>
       <p:sp>
         <p:nvSpPr>
+          <p:cNvPr id="2" name="Titel 1">
+            <a:extLst>
+              <a:ext uri="{FF2B5EF4-FFF2-40B4-BE49-F238E27FC236}">
+                <a16:creationId xmlns:a16="http://schemas.microsoft.com/office/drawing/2014/main" id="{4D30450D-4F91-4306-9055-F294953889D8}"/>
+              </a:ext>
+            </a:extLst>
+          </p:cNvPr>
+          <p:cNvSpPr>
+            <a:spLocks noGrp="1"/>
+          </p:cNvSpPr>
+          <p:nvPr>
+            <p:ph type="title"/>
+          </p:nvPr>
+        </p:nvSpPr>
+        <p:spPr/>
+        <p:txBody>
+          <a:bodyPr/>
+          <a:lstStyle/>
+          <a:p>
+            <a:r>
+              <a:rPr lang="de-DE" b="1" dirty="0"/>
+              <a:t>10 Class Classification</a:t>
+            </a:r>
+          </a:p>
+        </p:txBody>
+      </p:sp>
+      <p:sp>
+        <p:nvSpPr>
+          <p:cNvPr id="4" name="Fußzeilenplatzhalter 3">
+            <a:extLst>
+              <a:ext uri="{FF2B5EF4-FFF2-40B4-BE49-F238E27FC236}">
+                <a16:creationId xmlns:a16="http://schemas.microsoft.com/office/drawing/2014/main" id="{5CCB2D38-5657-4CC5-B56D-29C200C1F9D3}"/>
+              </a:ext>
+            </a:extLst>
+          </p:cNvPr>
+          <p:cNvSpPr>
+            <a:spLocks noGrp="1"/>
+          </p:cNvSpPr>
+          <p:nvPr>
+            <p:ph type="ftr" sz="quarter" idx="11"/>
+          </p:nvPr>
+        </p:nvSpPr>
+        <p:spPr/>
+        <p:txBody>
+          <a:bodyPr/>
+          <a:lstStyle/>
+          <a:p>
+            <a:endParaRPr lang="de-DE" dirty="0"/>
+          </a:p>
+        </p:txBody>
+      </p:sp>
+      <p:pic>
+        <p:nvPicPr>
+          <p:cNvPr id="5" name="Grafik 4">
+            <a:extLst>
+              <a:ext uri="{FF2B5EF4-FFF2-40B4-BE49-F238E27FC236}">
+                <a16:creationId xmlns:a16="http://schemas.microsoft.com/office/drawing/2014/main" id="{55D6D72A-19B0-4D64-A961-3F50197D7758}"/>
+              </a:ext>
+            </a:extLst>
+          </p:cNvPr>
+          <p:cNvPicPr>
+            <a:picLocks noChangeAspect="1"/>
+          </p:cNvPicPr>
+          <p:nvPr/>
+        </p:nvPicPr>
+        <p:blipFill>
+          <a:blip r:embed="rId2"/>
+          <a:stretch>
+            <a:fillRect/>
+          </a:stretch>
+        </p:blipFill>
+        <p:spPr>
+          <a:xfrm>
+            <a:off x="838200" y="1418599"/>
+            <a:ext cx="3417171" cy="4853151"/>
+          </a:xfrm>
+          <a:prstGeom prst="rect">
+            <a:avLst/>
+          </a:prstGeom>
+        </p:spPr>
+      </p:pic>
+      <p:sp>
+        <p:nvSpPr>
+          <p:cNvPr id="6" name="Textfeld 5">
+            <a:extLst>
+              <a:ext uri="{FF2B5EF4-FFF2-40B4-BE49-F238E27FC236}">
+                <a16:creationId xmlns:a16="http://schemas.microsoft.com/office/drawing/2014/main" id="{741FB024-4DA2-4F96-B9C3-608520AE7CC8}"/>
+              </a:ext>
+            </a:extLst>
+          </p:cNvPr>
+          <p:cNvSpPr txBox="1"/>
+          <p:nvPr/>
+        </p:nvSpPr>
+        <p:spPr>
+          <a:xfrm>
+            <a:off x="4798142" y="1690688"/>
+            <a:ext cx="6243484" cy="369332"/>
+          </a:xfrm>
+          <a:prstGeom prst="rect">
+            <a:avLst/>
+          </a:prstGeom>
+          <a:noFill/>
+        </p:spPr>
+        <p:txBody>
+          <a:bodyPr wrap="square" rtlCol="0">
+            <a:spAutoFit/>
+          </a:bodyPr>
+          <a:lstStyle/>
+          <a:p>
+            <a:r>
+              <a:rPr lang="de-DE" dirty="0" err="1"/>
+              <a:t>Accuracy</a:t>
+            </a:r>
+            <a:r>
+              <a:rPr lang="de-DE" dirty="0"/>
+              <a:t> </a:t>
+            </a:r>
+            <a:r>
+              <a:rPr lang="de-DE" dirty="0" err="1"/>
+              <a:t>of</a:t>
+            </a:r>
+            <a:r>
+              <a:rPr lang="de-DE" dirty="0"/>
+              <a:t> </a:t>
+            </a:r>
+            <a:r>
+              <a:rPr lang="de-DE" dirty="0" err="1"/>
+              <a:t>about</a:t>
+            </a:r>
+            <a:r>
+              <a:rPr lang="de-DE" dirty="0"/>
+              <a:t> </a:t>
+            </a:r>
+            <a:r>
+              <a:rPr lang="de-DE"/>
+              <a:t>34%</a:t>
+            </a:r>
+            <a:endParaRPr lang="de-DE" dirty="0"/>
+          </a:p>
+        </p:txBody>
+      </p:sp>
+    </p:spTree>
+    <p:extLst>
+      <p:ext uri="{BB962C8B-B14F-4D97-AF65-F5344CB8AC3E}">
+        <p14:creationId xmlns:p14="http://schemas.microsoft.com/office/powerpoint/2010/main" val="2058883163"/>
+      </p:ext>
+    </p:extLst>
+  </p:cSld>
+  <p:clrMapOvr>
+    <a:masterClrMapping/>
+  </p:clrMapOvr>
+</p:sld>
+</file>
+
+<file path=ppt/slides/slide7.xml><?xml version="1.0" encoding="utf-8"?>
+<p:sld xmlns:a="http://schemas.openxmlformats.org/drawingml/2006/main" xmlns:r="http://schemas.openxmlformats.org/officeDocument/2006/relationships" xmlns:p="http://schemas.openxmlformats.org/presentationml/2006/main">
+  <p:cSld>
+    <p:spTree>
+      <p:nvGrpSpPr>
+        <p:cNvPr id="1" name=""/>
+        <p:cNvGrpSpPr/>
+        <p:nvPr/>
+      </p:nvGrpSpPr>
+      <p:grpSpPr>
+        <a:xfrm>
+          <a:off x="0" y="0"/>
+          <a:ext cx="0" cy="0"/>
+          <a:chOff x="0" y="0"/>
+          <a:chExt cx="0" cy="0"/>
+        </a:xfrm>
+      </p:grpSpPr>
+      <p:sp>
+        <p:nvSpPr>
           <p:cNvPr id="2" name="Titre 1"/>
           <p:cNvSpPr>
             <a:spLocks noGrp="1"/>
@@ -6047,10 +5982,9 @@
           <a:lstStyle/>
           <a:p>
             <a:r>
-              <a:rPr lang="en-US" b="1" dirty="0" smtClean="0"/>
+              <a:rPr lang="en-US" b="1" dirty="0"/>
               <a:t>Next Sprint</a:t>
             </a:r>
-            <a:endParaRPr lang="en-US" b="1" dirty="0"/>
           </a:p>
         </p:txBody>
       </p:sp>
@@ -6079,16 +6013,8 @@
               <a:buChar char="▌"/>
             </a:pPr>
             <a:r>
-              <a:rPr lang="en-US" dirty="0" smtClean="0"/>
-              <a:t>Regression</a:t>
-            </a:r>
-            <a:r>
               <a:rPr lang="en-US" dirty="0"/>
-              <a:t>: Improve </a:t>
-            </a:r>
-            <a:r>
-              <a:rPr lang="en-US" dirty="0" smtClean="0"/>
-              <a:t>models</a:t>
+              <a:t>Regression: Improve models</a:t>
             </a:r>
           </a:p>
           <a:p>
@@ -6102,10 +6028,9 @@
               <a:buChar char="▌"/>
             </a:pPr>
             <a:r>
-              <a:rPr lang="en-US" dirty="0" smtClean="0"/>
+              <a:rPr lang="en-US" dirty="0"/>
               <a:t>Backend</a:t>
             </a:r>
-            <a:endParaRPr lang="en-US" dirty="0"/>
           </a:p>
           <a:p>
             <a:endParaRPr lang="en-US" dirty="0"/>
@@ -6141,13 +6066,6 @@
   <p:clrMapOvr>
     <a:masterClrMapping/>
   </p:clrMapOvr>
-  <p:timing>
-    <p:tnLst>
-      <p:par>
-        <p:cTn id="1" dur="indefinite" restart="never" nodeType="tmRoot"/>
-      </p:par>
-    </p:tnLst>
-  </p:timing>
 </p:sld>
 </file>
 

--- a/Daily/sprint7/Sprint7_Review.pptx
+++ b/Daily/sprint7/Sprint7_Review.pptx
@@ -5,7 +5,7 @@
     <p:sldMasterId id="2147483648" r:id="rId1"/>
   </p:sldMasterIdLst>
   <p:notesMasterIdLst>
-    <p:notesMasterId r:id="rId9"/>
+    <p:notesMasterId r:id="rId10"/>
   </p:notesMasterIdLst>
   <p:sldIdLst>
     <p:sldId id="256" r:id="rId2"/>
@@ -14,7 +14,8 @@
     <p:sldId id="268" r:id="rId5"/>
     <p:sldId id="261" r:id="rId6"/>
     <p:sldId id="269" r:id="rId7"/>
-    <p:sldId id="262" r:id="rId8"/>
+    <p:sldId id="270" r:id="rId8"/>
+    <p:sldId id="262" r:id="rId9"/>
   </p:sldIdLst>
   <p:sldSz cx="12192000" cy="6858000"/>
   <p:notesSz cx="6858000" cy="9144000"/>
@@ -125,12 +126,12 @@
 <p1510:revInfo xmlns:a="http://schemas.openxmlformats.org/drawingml/2006/main" xmlns:r="http://schemas.openxmlformats.org/officeDocument/2006/relationships" xmlns:p1510="http://schemas.microsoft.com/office/powerpoint/2015/10/main">
   <p1510:revLst>
     <p1510:client id="{20A3EE01-A5DE-4061-8792-411F3BD47289}" v="42" dt="2020-01-19T10:03:37.844"/>
-    <p1510:client id="{C631908C-1A98-4B70-95DA-3D04A3C60BBB}" v="171" dt="2020-01-21T12:32:07.929"/>
     <p1510:client id="{45FD4B75-A3FC-44CB-82E5-76D6F7DD7E3B}" v="375" dt="2020-01-19T13:46:40.518"/>
     <p1510:client id="{5343ECE3-9E46-444C-A3E7-13AED39F1A6F}" v="194" dt="2020-01-19T09:07:38.824"/>
     <p1510:client id="{6F85AB3B-9C26-4979-A8FD-2AB86F961360}" v="566" dt="2020-01-19T11:36:28.921"/>
+    <p1510:client id="{88307E76-9AA9-468C-AF85-650B13E9EA55}" v="12" dt="2020-01-19T09:35:01.725"/>
+    <p1510:client id="{C631908C-1A98-4B70-95DA-3D04A3C60BBB}" v="171" dt="2020-01-21T12:32:07.929"/>
     <p1510:client id="{FE7B93E8-EE30-4C20-B6B5-A7FAB8A0E614}" v="635" dt="2020-01-19T13:03:37.165"/>
-    <p1510:client id="{88307E76-9AA9-468C-AF85-650B13E9EA55}" v="12" dt="2020-01-19T09:35:01.725"/>
   </p1510:revLst>
 </p1510:revInfo>
 </file>
@@ -1005,7 +1006,7 @@
           <a:p>
             <a:fld id="{10D08ABD-147D-43D8-AD0E-C56070E2C69D}" type="slidenum">
               <a:rPr lang="de-DE" smtClean="0"/>
-              <a:t>‹Nr.›</a:t>
+              <a:t>‹#›</a:t>
             </a:fld>
             <a:endParaRPr lang="de-DE"/>
           </a:p>
@@ -1516,7 +1517,7 @@
           <a:p>
             <a:fld id="{9A48FC86-4651-46AF-9E4A-D3FC30E17613}" type="slidenum">
               <a:rPr lang="de-DE" smtClean="0"/>
-              <a:t>‹Nr.›</a:t>
+              <a:t>‹#›</a:t>
             </a:fld>
             <a:endParaRPr lang="de-DE"/>
           </a:p>
@@ -1722,7 +1723,7 @@
           <a:p>
             <a:fld id="{9A48FC86-4651-46AF-9E4A-D3FC30E17613}" type="slidenum">
               <a:rPr lang="de-DE" smtClean="0"/>
-              <a:t>‹Nr.›</a:t>
+              <a:t>‹#›</a:t>
             </a:fld>
             <a:endParaRPr lang="de-DE"/>
           </a:p>
@@ -1938,7 +1939,7 @@
           <a:p>
             <a:fld id="{9A48FC86-4651-46AF-9E4A-D3FC30E17613}" type="slidenum">
               <a:rPr lang="de-DE" smtClean="0"/>
-              <a:t>‹Nr.›</a:t>
+              <a:t>‹#›</a:t>
             </a:fld>
             <a:endParaRPr lang="de-DE"/>
           </a:p>
@@ -2144,7 +2145,7 @@
           <a:p>
             <a:fld id="{9A48FC86-4651-46AF-9E4A-D3FC30E17613}" type="slidenum">
               <a:rPr lang="de-DE" smtClean="0"/>
-              <a:t>‹Nr.›</a:t>
+              <a:t>‹#›</a:t>
             </a:fld>
             <a:endParaRPr lang="de-DE"/>
           </a:p>
@@ -2427,7 +2428,7 @@
           <a:p>
             <a:fld id="{9A48FC86-4651-46AF-9E4A-D3FC30E17613}" type="slidenum">
               <a:rPr lang="de-DE" smtClean="0"/>
-              <a:t>‹Nr.›</a:t>
+              <a:t>‹#›</a:t>
             </a:fld>
             <a:endParaRPr lang="de-DE"/>
           </a:p>
@@ -2700,7 +2701,7 @@
           <a:p>
             <a:fld id="{9A48FC86-4651-46AF-9E4A-D3FC30E17613}" type="slidenum">
               <a:rPr lang="de-DE" smtClean="0"/>
-              <a:t>‹Nr.›</a:t>
+              <a:t>‹#›</a:t>
             </a:fld>
             <a:endParaRPr lang="de-DE"/>
           </a:p>
@@ -3120,7 +3121,7 @@
           <a:p>
             <a:fld id="{9A48FC86-4651-46AF-9E4A-D3FC30E17613}" type="slidenum">
               <a:rPr lang="de-DE" smtClean="0"/>
-              <a:t>‹Nr.›</a:t>
+              <a:t>‹#›</a:t>
             </a:fld>
             <a:endParaRPr lang="de-DE"/>
           </a:p>
@@ -3269,7 +3270,7 @@
           <a:p>
             <a:fld id="{9A48FC86-4651-46AF-9E4A-D3FC30E17613}" type="slidenum">
               <a:rPr lang="de-DE" smtClean="0"/>
-              <a:t>‹Nr.›</a:t>
+              <a:t>‹#›</a:t>
             </a:fld>
             <a:endParaRPr lang="de-DE"/>
           </a:p>
@@ -3390,7 +3391,7 @@
           <a:p>
             <a:fld id="{9A48FC86-4651-46AF-9E4A-D3FC30E17613}" type="slidenum">
               <a:rPr lang="de-DE" smtClean="0"/>
-              <a:t>‹Nr.›</a:t>
+              <a:t>‹#›</a:t>
             </a:fld>
             <a:endParaRPr lang="de-DE"/>
           </a:p>
@@ -3709,7 +3710,7 @@
           <a:p>
             <a:fld id="{9A48FC86-4651-46AF-9E4A-D3FC30E17613}" type="slidenum">
               <a:rPr lang="de-DE" smtClean="0"/>
-              <a:t>‹Nr.›</a:t>
+              <a:t>‹#›</a:t>
             </a:fld>
             <a:endParaRPr lang="de-DE"/>
           </a:p>
@@ -4005,7 +4006,7 @@
           <a:p>
             <a:fld id="{9A48FC86-4651-46AF-9E4A-D3FC30E17613}" type="slidenum">
               <a:rPr lang="de-DE" smtClean="0"/>
-              <a:t>‹Nr.›</a:t>
+              <a:t>‹#›</a:t>
             </a:fld>
             <a:endParaRPr lang="de-DE"/>
           </a:p>
@@ -4318,7 +4319,7 @@
           <a:p>
             <a:fld id="{5999A4A4-2D96-49E3-B364-04D265390CD4}" type="slidenum">
               <a:rPr lang="de-DE" smtClean="0"/>
-              <a:t>‹Nr.›</a:t>
+              <a:t>‹#›</a:t>
             </a:fld>
             <a:endParaRPr lang="de-DE"/>
           </a:p>
@@ -4862,15 +4863,37 @@
             </a:pPr>
             <a:r>
               <a:rPr lang="en-US" dirty="0"/>
-              <a:t>Test Multi Target </a:t>
-            </a:r>
-            <a:r>
-              <a:rPr lang="en-US" dirty="0" err="1"/>
-              <a:t>Regressors</a:t>
-            </a:r>
+              <a:t>Test Multi Target Regressors (Scored Goals)</a:t>
+            </a:r>
+          </a:p>
+          <a:p>
+            <a:pPr marL="285750" indent="-285750">
+              <a:buClr>
+                <a:schemeClr val="accent1">
+                  <a:lumMod val="75000"/>
+                </a:schemeClr>
+              </a:buClr>
+              <a:buFont typeface="Arial" panose="020B0604020202020204" pitchFamily="34" charset="0"/>
+              <a:buChar char="▌"/>
+            </a:pPr>
             <a:r>
               <a:rPr lang="en-US" dirty="0"/>
-              <a:t> (Scored Goals)</a:t>
+              <a:t>10 Class Classification</a:t>
+            </a:r>
+          </a:p>
+          <a:p>
+            <a:pPr marL="285750" indent="-285750">
+              <a:buClr>
+                <a:schemeClr val="accent1">
+                  <a:lumMod val="75000"/>
+                </a:schemeClr>
+              </a:buClr>
+              <a:buFont typeface="Arial" panose="020B0604020202020204" pitchFamily="34" charset="0"/>
+              <a:buChar char="▌"/>
+            </a:pPr>
+            <a:r>
+              <a:rPr lang="en-US" dirty="0"/>
+              <a:t>Backend</a:t>
             </a:r>
           </a:p>
           <a:p>
@@ -5968,7 +5991,13 @@
       </p:grpSpPr>
       <p:sp>
         <p:nvSpPr>
-          <p:cNvPr id="2" name="Titre 1"/>
+          <p:cNvPr id="2" name="Title 1">
+            <a:extLst>
+              <a:ext uri="{FF2B5EF4-FFF2-40B4-BE49-F238E27FC236}">
+                <a16:creationId xmlns:a16="http://schemas.microsoft.com/office/drawing/2014/main" id="{78FF315A-47E9-457D-A1D3-F6FD5400691F}"/>
+              </a:ext>
+            </a:extLst>
+          </p:cNvPr>
           <p:cNvSpPr>
             <a:spLocks noGrp="1"/>
           </p:cNvSpPr>
@@ -5983,14 +6012,21 @@
           <a:p>
             <a:r>
               <a:rPr lang="en-US" b="1" dirty="0"/>
-              <a:t>Next Sprint</a:t>
-            </a:r>
-          </a:p>
-        </p:txBody>
-      </p:sp>
-      <p:sp>
-        <p:nvSpPr>
-          <p:cNvPr id="3" name="Espace réservé du contenu 2"/>
+              <a:t>Backend</a:t>
+            </a:r>
+            <a:endParaRPr lang="en-DE" b="1" dirty="0"/>
+          </a:p>
+        </p:txBody>
+      </p:sp>
+      <p:sp>
+        <p:nvSpPr>
+          <p:cNvPr id="3" name="Content Placeholder 2">
+            <a:extLst>
+              <a:ext uri="{FF2B5EF4-FFF2-40B4-BE49-F238E27FC236}">
+                <a16:creationId xmlns:a16="http://schemas.microsoft.com/office/drawing/2014/main" id="{B865C100-3E5D-487D-9B0F-CE8617A262B1}"/>
+              </a:ext>
+            </a:extLst>
+          </p:cNvPr>
           <p:cNvSpPr>
             <a:spLocks noGrp="1"/>
           </p:cNvSpPr>
@@ -6014,7 +6050,7 @@
             </a:pPr>
             <a:r>
               <a:rPr lang="en-US" dirty="0"/>
-              <a:t>Regression: Improve models</a:t>
+              <a:t>Model integration finished</a:t>
             </a:r>
           </a:p>
           <a:p>
@@ -6029,7 +6065,158 @@
             </a:pPr>
             <a:r>
               <a:rPr lang="en-US" dirty="0"/>
-              <a:t>Backend</a:t>
+              <a:t>Database research, for </a:t>
+            </a:r>
+            <a:r>
+              <a:rPr lang="en-US" dirty="0" err="1"/>
+              <a:t>realtime</a:t>
+            </a:r>
+            <a:r>
+              <a:rPr lang="en-US" dirty="0"/>
+              <a:t> predictions</a:t>
+            </a:r>
+          </a:p>
+          <a:p>
+            <a:pPr marL="285750" indent="-285750">
+              <a:buClr>
+                <a:schemeClr val="accent1">
+                  <a:lumMod val="75000"/>
+                </a:schemeClr>
+              </a:buClr>
+              <a:buFont typeface="Arial" panose="020B0604020202020204" pitchFamily="34" charset="0"/>
+              <a:buChar char="▌"/>
+            </a:pPr>
+            <a:endParaRPr lang="en-US" dirty="0"/>
+          </a:p>
+        </p:txBody>
+      </p:sp>
+      <p:sp>
+        <p:nvSpPr>
+          <p:cNvPr id="4" name="Footer Placeholder 3">
+            <a:extLst>
+              <a:ext uri="{FF2B5EF4-FFF2-40B4-BE49-F238E27FC236}">
+                <a16:creationId xmlns:a16="http://schemas.microsoft.com/office/drawing/2014/main" id="{8654EC66-7C5F-455B-A0AF-EA98B28DA34D}"/>
+              </a:ext>
+            </a:extLst>
+          </p:cNvPr>
+          <p:cNvSpPr>
+            <a:spLocks noGrp="1"/>
+          </p:cNvSpPr>
+          <p:nvPr>
+            <p:ph type="ftr" sz="quarter" idx="11"/>
+          </p:nvPr>
+        </p:nvSpPr>
+        <p:spPr/>
+        <p:txBody>
+          <a:bodyPr/>
+          <a:lstStyle/>
+          <a:p>
+            <a:endParaRPr lang="de-DE" dirty="0"/>
+          </a:p>
+        </p:txBody>
+      </p:sp>
+    </p:spTree>
+    <p:extLst>
+      <p:ext uri="{BB962C8B-B14F-4D97-AF65-F5344CB8AC3E}">
+        <p14:creationId xmlns:p14="http://schemas.microsoft.com/office/powerpoint/2010/main" val="1342361698"/>
+      </p:ext>
+    </p:extLst>
+  </p:cSld>
+  <p:clrMapOvr>
+    <a:masterClrMapping/>
+  </p:clrMapOvr>
+</p:sld>
+</file>
+
+<file path=ppt/slides/slide8.xml><?xml version="1.0" encoding="utf-8"?>
+<p:sld xmlns:a="http://schemas.openxmlformats.org/drawingml/2006/main" xmlns:r="http://schemas.openxmlformats.org/officeDocument/2006/relationships" xmlns:p="http://schemas.openxmlformats.org/presentationml/2006/main">
+  <p:cSld>
+    <p:spTree>
+      <p:nvGrpSpPr>
+        <p:cNvPr id="1" name=""/>
+        <p:cNvGrpSpPr/>
+        <p:nvPr/>
+      </p:nvGrpSpPr>
+      <p:grpSpPr>
+        <a:xfrm>
+          <a:off x="0" y="0"/>
+          <a:ext cx="0" cy="0"/>
+          <a:chOff x="0" y="0"/>
+          <a:chExt cx="0" cy="0"/>
+        </a:xfrm>
+      </p:grpSpPr>
+      <p:sp>
+        <p:nvSpPr>
+          <p:cNvPr id="2" name="Titre 1"/>
+          <p:cNvSpPr>
+            <a:spLocks noGrp="1"/>
+          </p:cNvSpPr>
+          <p:nvPr>
+            <p:ph type="title"/>
+          </p:nvPr>
+        </p:nvSpPr>
+        <p:spPr/>
+        <p:txBody>
+          <a:bodyPr/>
+          <a:lstStyle/>
+          <a:p>
+            <a:r>
+              <a:rPr lang="en-US" b="1" dirty="0"/>
+              <a:t>Next Sprint</a:t>
+            </a:r>
+          </a:p>
+        </p:txBody>
+      </p:sp>
+      <p:sp>
+        <p:nvSpPr>
+          <p:cNvPr id="3" name="Espace réservé du contenu 2"/>
+          <p:cNvSpPr>
+            <a:spLocks noGrp="1"/>
+          </p:cNvSpPr>
+          <p:nvPr>
+            <p:ph idx="1"/>
+          </p:nvPr>
+        </p:nvSpPr>
+        <p:spPr/>
+        <p:txBody>
+          <a:bodyPr/>
+          <a:lstStyle/>
+          <a:p>
+            <a:pPr marL="285750" indent="-285750">
+              <a:buClr>
+                <a:schemeClr val="accent1">
+                  <a:lumMod val="75000"/>
+                </a:schemeClr>
+              </a:buClr>
+              <a:buFont typeface="Arial" panose="020B0604020202020204" pitchFamily="34" charset="0"/>
+              <a:buChar char="▌"/>
+            </a:pPr>
+            <a:r>
+              <a:rPr lang="en-US" dirty="0"/>
+              <a:t>Regression: Improve models</a:t>
+            </a:r>
+          </a:p>
+          <a:p>
+            <a:pPr marL="285750" indent="-285750">
+              <a:buClr>
+                <a:schemeClr val="accent1">
+                  <a:lumMod val="75000"/>
+                </a:schemeClr>
+              </a:buClr>
+              <a:buFont typeface="Arial" panose="020B0604020202020204" pitchFamily="34" charset="0"/>
+              <a:buChar char="▌"/>
+            </a:pPr>
+            <a:r>
+              <a:rPr lang="en-US" dirty="0"/>
+              <a:t>Backend: Database integration, fetch </a:t>
+            </a:r>
+            <a:r>
+              <a:rPr lang="en-US" dirty="0" err="1"/>
+              <a:t>realtime</a:t>
+            </a:r>
+            <a:r>
+              <a:rPr lang="en-US" dirty="0"/>
+              <a:t> data</a:t>
             </a:r>
           </a:p>
           <a:p>

--- a/Daily/sprint7/Sprint7_Review.pptx
+++ b/Daily/sprint7/Sprint7_Review.pptx
@@ -1006,7 +1006,7 @@
           <a:p>
             <a:fld id="{10D08ABD-147D-43D8-AD0E-C56070E2C69D}" type="slidenum">
               <a:rPr lang="de-DE" smtClean="0"/>
-              <a:t>‹#›</a:t>
+              <a:t>‹N°›</a:t>
             </a:fld>
             <a:endParaRPr lang="de-DE"/>
           </a:p>
@@ -1330,7 +1330,7 @@
           <p:cNvPr id="2" name="Titel 1">
             <a:extLst>
               <a:ext uri="{FF2B5EF4-FFF2-40B4-BE49-F238E27FC236}">
-                <a16:creationId xmlns:a16="http://schemas.microsoft.com/office/drawing/2014/main" id="{701EABE2-81DB-4A57-87BD-BAC9B81DA953}"/>
+                <a16:creationId xmlns:a16="http://schemas.microsoft.com/office/drawing/2014/main" xmlns="" id="{701EABE2-81DB-4A57-87BD-BAC9B81DA953}"/>
               </a:ext>
             </a:extLst>
           </p:cNvPr>
@@ -1367,7 +1367,7 @@
           <p:cNvPr id="3" name="Untertitel 2">
             <a:extLst>
               <a:ext uri="{FF2B5EF4-FFF2-40B4-BE49-F238E27FC236}">
-                <a16:creationId xmlns:a16="http://schemas.microsoft.com/office/drawing/2014/main" id="{9E44B19B-9953-4462-B98C-34C559DFD4BA}"/>
+                <a16:creationId xmlns:a16="http://schemas.microsoft.com/office/drawing/2014/main" xmlns="" id="{9E44B19B-9953-4462-B98C-34C559DFD4BA}"/>
               </a:ext>
             </a:extLst>
           </p:cNvPr>
@@ -1437,7 +1437,7 @@
           <p:cNvPr id="4" name="Datumsplatzhalter 3">
             <a:extLst>
               <a:ext uri="{FF2B5EF4-FFF2-40B4-BE49-F238E27FC236}">
-                <a16:creationId xmlns:a16="http://schemas.microsoft.com/office/drawing/2014/main" id="{85282A0B-87AA-4F5C-9252-AB7E74ABF29B}"/>
+                <a16:creationId xmlns:a16="http://schemas.microsoft.com/office/drawing/2014/main" xmlns="" id="{85282A0B-87AA-4F5C-9252-AB7E74ABF29B}"/>
               </a:ext>
             </a:extLst>
           </p:cNvPr>
@@ -1466,7 +1466,7 @@
           <p:cNvPr id="5" name="Fußzeilenplatzhalter 4">
             <a:extLst>
               <a:ext uri="{FF2B5EF4-FFF2-40B4-BE49-F238E27FC236}">
-                <a16:creationId xmlns:a16="http://schemas.microsoft.com/office/drawing/2014/main" id="{CCE46F71-BCF6-41F3-8C17-381DF36140FE}"/>
+                <a16:creationId xmlns:a16="http://schemas.microsoft.com/office/drawing/2014/main" xmlns="" id="{CCE46F71-BCF6-41F3-8C17-381DF36140FE}"/>
               </a:ext>
             </a:extLst>
           </p:cNvPr>
@@ -1491,7 +1491,7 @@
           <p:cNvPr id="6" name="Foliennummernplatzhalter 5">
             <a:extLst>
               <a:ext uri="{FF2B5EF4-FFF2-40B4-BE49-F238E27FC236}">
-                <a16:creationId xmlns:a16="http://schemas.microsoft.com/office/drawing/2014/main" id="{DF41A37E-A33B-4798-9922-3B8B5AE5A27B}"/>
+                <a16:creationId xmlns:a16="http://schemas.microsoft.com/office/drawing/2014/main" xmlns="" id="{DF41A37E-A33B-4798-9922-3B8B5AE5A27B}"/>
               </a:ext>
             </a:extLst>
           </p:cNvPr>
@@ -1517,7 +1517,7 @@
           <a:p>
             <a:fld id="{9A48FC86-4651-46AF-9E4A-D3FC30E17613}" type="slidenum">
               <a:rPr lang="de-DE" smtClean="0"/>
-              <a:t>‹#›</a:t>
+              <a:t>‹N°›</a:t>
             </a:fld>
             <a:endParaRPr lang="de-DE"/>
           </a:p>
@@ -1558,7 +1558,7 @@
           <p:cNvPr id="2" name="Titel 1">
             <a:extLst>
               <a:ext uri="{FF2B5EF4-FFF2-40B4-BE49-F238E27FC236}">
-                <a16:creationId xmlns:a16="http://schemas.microsoft.com/office/drawing/2014/main" id="{FCE4A30D-3A8C-4B77-B82E-724CCF54EFD5}"/>
+                <a16:creationId xmlns:a16="http://schemas.microsoft.com/office/drawing/2014/main" xmlns="" id="{FCE4A30D-3A8C-4B77-B82E-724CCF54EFD5}"/>
               </a:ext>
             </a:extLst>
           </p:cNvPr>
@@ -1586,7 +1586,7 @@
           <p:cNvPr id="3" name="Vertikaler Textplatzhalter 2">
             <a:extLst>
               <a:ext uri="{FF2B5EF4-FFF2-40B4-BE49-F238E27FC236}">
-                <a16:creationId xmlns:a16="http://schemas.microsoft.com/office/drawing/2014/main" id="{D0312C4C-DD67-420D-AE80-FBF20CAD00FE}"/>
+                <a16:creationId xmlns:a16="http://schemas.microsoft.com/office/drawing/2014/main" xmlns="" id="{D0312C4C-DD67-420D-AE80-FBF20CAD00FE}"/>
               </a:ext>
             </a:extLst>
           </p:cNvPr>
@@ -1643,7 +1643,7 @@
           <p:cNvPr id="4" name="Datumsplatzhalter 3">
             <a:extLst>
               <a:ext uri="{FF2B5EF4-FFF2-40B4-BE49-F238E27FC236}">
-                <a16:creationId xmlns:a16="http://schemas.microsoft.com/office/drawing/2014/main" id="{752D94C2-424D-4096-8FAE-F12A3D4A5C7D}"/>
+                <a16:creationId xmlns:a16="http://schemas.microsoft.com/office/drawing/2014/main" xmlns="" id="{752D94C2-424D-4096-8FAE-F12A3D4A5C7D}"/>
               </a:ext>
             </a:extLst>
           </p:cNvPr>
@@ -1672,7 +1672,7 @@
           <p:cNvPr id="5" name="Fußzeilenplatzhalter 4">
             <a:extLst>
               <a:ext uri="{FF2B5EF4-FFF2-40B4-BE49-F238E27FC236}">
-                <a16:creationId xmlns:a16="http://schemas.microsoft.com/office/drawing/2014/main" id="{02BB29D6-C358-4D1F-90A7-5282C5CF3A2B}"/>
+                <a16:creationId xmlns:a16="http://schemas.microsoft.com/office/drawing/2014/main" xmlns="" id="{02BB29D6-C358-4D1F-90A7-5282C5CF3A2B}"/>
               </a:ext>
             </a:extLst>
           </p:cNvPr>
@@ -1697,7 +1697,7 @@
           <p:cNvPr id="6" name="Foliennummernplatzhalter 5">
             <a:extLst>
               <a:ext uri="{FF2B5EF4-FFF2-40B4-BE49-F238E27FC236}">
-                <a16:creationId xmlns:a16="http://schemas.microsoft.com/office/drawing/2014/main" id="{AE9CFC43-FC34-49A0-9C58-C1BA7EAB4CD1}"/>
+                <a16:creationId xmlns:a16="http://schemas.microsoft.com/office/drawing/2014/main" xmlns="" id="{AE9CFC43-FC34-49A0-9C58-C1BA7EAB4CD1}"/>
               </a:ext>
             </a:extLst>
           </p:cNvPr>
@@ -1723,7 +1723,7 @@
           <a:p>
             <a:fld id="{9A48FC86-4651-46AF-9E4A-D3FC30E17613}" type="slidenum">
               <a:rPr lang="de-DE" smtClean="0"/>
-              <a:t>‹#›</a:t>
+              <a:t>‹N°›</a:t>
             </a:fld>
             <a:endParaRPr lang="de-DE"/>
           </a:p>
@@ -1764,7 +1764,7 @@
           <p:cNvPr id="2" name="Vertikaler Titel 1">
             <a:extLst>
               <a:ext uri="{FF2B5EF4-FFF2-40B4-BE49-F238E27FC236}">
-                <a16:creationId xmlns:a16="http://schemas.microsoft.com/office/drawing/2014/main" id="{C6AE7126-CFA4-458D-B5F5-AA476ABB117D}"/>
+                <a16:creationId xmlns:a16="http://schemas.microsoft.com/office/drawing/2014/main" xmlns="" id="{C6AE7126-CFA4-458D-B5F5-AA476ABB117D}"/>
               </a:ext>
             </a:extLst>
           </p:cNvPr>
@@ -1797,7 +1797,7 @@
           <p:cNvPr id="3" name="Vertikaler Textplatzhalter 2">
             <a:extLst>
               <a:ext uri="{FF2B5EF4-FFF2-40B4-BE49-F238E27FC236}">
-                <a16:creationId xmlns:a16="http://schemas.microsoft.com/office/drawing/2014/main" id="{E4719945-B69E-4CB7-AF62-A8E248C097C4}"/>
+                <a16:creationId xmlns:a16="http://schemas.microsoft.com/office/drawing/2014/main" xmlns="" id="{E4719945-B69E-4CB7-AF62-A8E248C097C4}"/>
               </a:ext>
             </a:extLst>
           </p:cNvPr>
@@ -1859,7 +1859,7 @@
           <p:cNvPr id="4" name="Datumsplatzhalter 3">
             <a:extLst>
               <a:ext uri="{FF2B5EF4-FFF2-40B4-BE49-F238E27FC236}">
-                <a16:creationId xmlns:a16="http://schemas.microsoft.com/office/drawing/2014/main" id="{194C9456-1825-45D5-AFC8-7437C4E58D48}"/>
+                <a16:creationId xmlns:a16="http://schemas.microsoft.com/office/drawing/2014/main" xmlns="" id="{194C9456-1825-45D5-AFC8-7437C4E58D48}"/>
               </a:ext>
             </a:extLst>
           </p:cNvPr>
@@ -1888,7 +1888,7 @@
           <p:cNvPr id="5" name="Fußzeilenplatzhalter 4">
             <a:extLst>
               <a:ext uri="{FF2B5EF4-FFF2-40B4-BE49-F238E27FC236}">
-                <a16:creationId xmlns:a16="http://schemas.microsoft.com/office/drawing/2014/main" id="{0B1CC9B3-FE3E-4DC0-B71D-312C93D1814D}"/>
+                <a16:creationId xmlns:a16="http://schemas.microsoft.com/office/drawing/2014/main" xmlns="" id="{0B1CC9B3-FE3E-4DC0-B71D-312C93D1814D}"/>
               </a:ext>
             </a:extLst>
           </p:cNvPr>
@@ -1913,7 +1913,7 @@
           <p:cNvPr id="6" name="Foliennummernplatzhalter 5">
             <a:extLst>
               <a:ext uri="{FF2B5EF4-FFF2-40B4-BE49-F238E27FC236}">
-                <a16:creationId xmlns:a16="http://schemas.microsoft.com/office/drawing/2014/main" id="{41E050D8-C164-4E85-94F4-BA2B19D46D58}"/>
+                <a16:creationId xmlns:a16="http://schemas.microsoft.com/office/drawing/2014/main" xmlns="" id="{41E050D8-C164-4E85-94F4-BA2B19D46D58}"/>
               </a:ext>
             </a:extLst>
           </p:cNvPr>
@@ -1939,7 +1939,7 @@
           <a:p>
             <a:fld id="{9A48FC86-4651-46AF-9E4A-D3FC30E17613}" type="slidenum">
               <a:rPr lang="de-DE" smtClean="0"/>
-              <a:t>‹#›</a:t>
+              <a:t>‹N°›</a:t>
             </a:fld>
             <a:endParaRPr lang="de-DE"/>
           </a:p>
@@ -1980,7 +1980,7 @@
           <p:cNvPr id="2" name="Titel 1">
             <a:extLst>
               <a:ext uri="{FF2B5EF4-FFF2-40B4-BE49-F238E27FC236}">
-                <a16:creationId xmlns:a16="http://schemas.microsoft.com/office/drawing/2014/main" id="{C9100C2D-6625-4AF5-8937-424086BE0285}"/>
+                <a16:creationId xmlns:a16="http://schemas.microsoft.com/office/drawing/2014/main" xmlns="" id="{C9100C2D-6625-4AF5-8937-424086BE0285}"/>
               </a:ext>
             </a:extLst>
           </p:cNvPr>
@@ -2008,7 +2008,7 @@
           <p:cNvPr id="3" name="Inhaltsplatzhalter 2">
             <a:extLst>
               <a:ext uri="{FF2B5EF4-FFF2-40B4-BE49-F238E27FC236}">
-                <a16:creationId xmlns:a16="http://schemas.microsoft.com/office/drawing/2014/main" id="{38D1AAA1-BE3D-4A43-91C4-A2C3C6173375}"/>
+                <a16:creationId xmlns:a16="http://schemas.microsoft.com/office/drawing/2014/main" xmlns="" id="{38D1AAA1-BE3D-4A43-91C4-A2C3C6173375}"/>
               </a:ext>
             </a:extLst>
           </p:cNvPr>
@@ -2065,7 +2065,7 @@
           <p:cNvPr id="4" name="Datumsplatzhalter 3">
             <a:extLst>
               <a:ext uri="{FF2B5EF4-FFF2-40B4-BE49-F238E27FC236}">
-                <a16:creationId xmlns:a16="http://schemas.microsoft.com/office/drawing/2014/main" id="{48884C8B-06F5-44CC-B1D1-2A02463EC226}"/>
+                <a16:creationId xmlns:a16="http://schemas.microsoft.com/office/drawing/2014/main" xmlns="" id="{48884C8B-06F5-44CC-B1D1-2A02463EC226}"/>
               </a:ext>
             </a:extLst>
           </p:cNvPr>
@@ -2094,7 +2094,7 @@
           <p:cNvPr id="5" name="Fußzeilenplatzhalter 4">
             <a:extLst>
               <a:ext uri="{FF2B5EF4-FFF2-40B4-BE49-F238E27FC236}">
-                <a16:creationId xmlns:a16="http://schemas.microsoft.com/office/drawing/2014/main" id="{2EE480CA-0EC1-4AF7-9F30-F143FE83D99B}"/>
+                <a16:creationId xmlns:a16="http://schemas.microsoft.com/office/drawing/2014/main" xmlns="" id="{2EE480CA-0EC1-4AF7-9F30-F143FE83D99B}"/>
               </a:ext>
             </a:extLst>
           </p:cNvPr>
@@ -2119,7 +2119,7 @@
           <p:cNvPr id="6" name="Foliennummernplatzhalter 5">
             <a:extLst>
               <a:ext uri="{FF2B5EF4-FFF2-40B4-BE49-F238E27FC236}">
-                <a16:creationId xmlns:a16="http://schemas.microsoft.com/office/drawing/2014/main" id="{13337EC3-94DD-4B09-A484-F0141C1CB8B0}"/>
+                <a16:creationId xmlns:a16="http://schemas.microsoft.com/office/drawing/2014/main" xmlns="" id="{13337EC3-94DD-4B09-A484-F0141C1CB8B0}"/>
               </a:ext>
             </a:extLst>
           </p:cNvPr>
@@ -2145,7 +2145,7 @@
           <a:p>
             <a:fld id="{9A48FC86-4651-46AF-9E4A-D3FC30E17613}" type="slidenum">
               <a:rPr lang="de-DE" smtClean="0"/>
-              <a:t>‹#›</a:t>
+              <a:t>‹N°›</a:t>
             </a:fld>
             <a:endParaRPr lang="de-DE"/>
           </a:p>
@@ -2186,7 +2186,7 @@
           <p:cNvPr id="2" name="Titel 1">
             <a:extLst>
               <a:ext uri="{FF2B5EF4-FFF2-40B4-BE49-F238E27FC236}">
-                <a16:creationId xmlns:a16="http://schemas.microsoft.com/office/drawing/2014/main" id="{CBDD584A-A976-4556-9716-DA9197EACC6F}"/>
+                <a16:creationId xmlns:a16="http://schemas.microsoft.com/office/drawing/2014/main" xmlns="" id="{CBDD584A-A976-4556-9716-DA9197EACC6F}"/>
               </a:ext>
             </a:extLst>
           </p:cNvPr>
@@ -2223,7 +2223,7 @@
           <p:cNvPr id="3" name="Textplatzhalter 2">
             <a:extLst>
               <a:ext uri="{FF2B5EF4-FFF2-40B4-BE49-F238E27FC236}">
-                <a16:creationId xmlns:a16="http://schemas.microsoft.com/office/drawing/2014/main" id="{C713F004-8C3B-4899-9F30-C6CC20E50B36}"/>
+                <a16:creationId xmlns:a16="http://schemas.microsoft.com/office/drawing/2014/main" xmlns="" id="{C713F004-8C3B-4899-9F30-C6CC20E50B36}"/>
               </a:ext>
             </a:extLst>
           </p:cNvPr>
@@ -2348,7 +2348,7 @@
           <p:cNvPr id="4" name="Datumsplatzhalter 3">
             <a:extLst>
               <a:ext uri="{FF2B5EF4-FFF2-40B4-BE49-F238E27FC236}">
-                <a16:creationId xmlns:a16="http://schemas.microsoft.com/office/drawing/2014/main" id="{B300BECA-2226-430E-B31A-3A70D7FB0DD4}"/>
+                <a16:creationId xmlns:a16="http://schemas.microsoft.com/office/drawing/2014/main" xmlns="" id="{B300BECA-2226-430E-B31A-3A70D7FB0DD4}"/>
               </a:ext>
             </a:extLst>
           </p:cNvPr>
@@ -2377,7 +2377,7 @@
           <p:cNvPr id="5" name="Fußzeilenplatzhalter 4">
             <a:extLst>
               <a:ext uri="{FF2B5EF4-FFF2-40B4-BE49-F238E27FC236}">
-                <a16:creationId xmlns:a16="http://schemas.microsoft.com/office/drawing/2014/main" id="{9D2C0B24-C4C7-4E3E-A30D-AD2B22A8CAC5}"/>
+                <a16:creationId xmlns:a16="http://schemas.microsoft.com/office/drawing/2014/main" xmlns="" id="{9D2C0B24-C4C7-4E3E-A30D-AD2B22A8CAC5}"/>
               </a:ext>
             </a:extLst>
           </p:cNvPr>
@@ -2402,7 +2402,7 @@
           <p:cNvPr id="6" name="Foliennummernplatzhalter 5">
             <a:extLst>
               <a:ext uri="{FF2B5EF4-FFF2-40B4-BE49-F238E27FC236}">
-                <a16:creationId xmlns:a16="http://schemas.microsoft.com/office/drawing/2014/main" id="{15EF3485-89F1-47E8-AB99-914FE8775138}"/>
+                <a16:creationId xmlns:a16="http://schemas.microsoft.com/office/drawing/2014/main" xmlns="" id="{15EF3485-89F1-47E8-AB99-914FE8775138}"/>
               </a:ext>
             </a:extLst>
           </p:cNvPr>
@@ -2428,7 +2428,7 @@
           <a:p>
             <a:fld id="{9A48FC86-4651-46AF-9E4A-D3FC30E17613}" type="slidenum">
               <a:rPr lang="de-DE" smtClean="0"/>
-              <a:t>‹#›</a:t>
+              <a:t>‹N°›</a:t>
             </a:fld>
             <a:endParaRPr lang="de-DE"/>
           </a:p>
@@ -2469,7 +2469,7 @@
           <p:cNvPr id="2" name="Titel 1">
             <a:extLst>
               <a:ext uri="{FF2B5EF4-FFF2-40B4-BE49-F238E27FC236}">
-                <a16:creationId xmlns:a16="http://schemas.microsoft.com/office/drawing/2014/main" id="{6B45D284-4E4F-4976-80EC-400821F99BCF}"/>
+                <a16:creationId xmlns:a16="http://schemas.microsoft.com/office/drawing/2014/main" xmlns="" id="{6B45D284-4E4F-4976-80EC-400821F99BCF}"/>
               </a:ext>
             </a:extLst>
           </p:cNvPr>
@@ -2497,7 +2497,7 @@
           <p:cNvPr id="3" name="Inhaltsplatzhalter 2">
             <a:extLst>
               <a:ext uri="{FF2B5EF4-FFF2-40B4-BE49-F238E27FC236}">
-                <a16:creationId xmlns:a16="http://schemas.microsoft.com/office/drawing/2014/main" id="{61C980E4-B51F-4860-A848-EB6955BA36AF}"/>
+                <a16:creationId xmlns:a16="http://schemas.microsoft.com/office/drawing/2014/main" xmlns="" id="{61C980E4-B51F-4860-A848-EB6955BA36AF}"/>
               </a:ext>
             </a:extLst>
           </p:cNvPr>
@@ -2559,7 +2559,7 @@
           <p:cNvPr id="4" name="Inhaltsplatzhalter 3">
             <a:extLst>
               <a:ext uri="{FF2B5EF4-FFF2-40B4-BE49-F238E27FC236}">
-                <a16:creationId xmlns:a16="http://schemas.microsoft.com/office/drawing/2014/main" id="{8D7C296F-6044-4CF6-BBE5-CEA4560EEEB9}"/>
+                <a16:creationId xmlns:a16="http://schemas.microsoft.com/office/drawing/2014/main" xmlns="" id="{8D7C296F-6044-4CF6-BBE5-CEA4560EEEB9}"/>
               </a:ext>
             </a:extLst>
           </p:cNvPr>
@@ -2621,7 +2621,7 @@
           <p:cNvPr id="5" name="Datumsplatzhalter 4">
             <a:extLst>
               <a:ext uri="{FF2B5EF4-FFF2-40B4-BE49-F238E27FC236}">
-                <a16:creationId xmlns:a16="http://schemas.microsoft.com/office/drawing/2014/main" id="{F87A09FB-245D-407E-94D1-C81BBB221DC2}"/>
+                <a16:creationId xmlns:a16="http://schemas.microsoft.com/office/drawing/2014/main" xmlns="" id="{F87A09FB-245D-407E-94D1-C81BBB221DC2}"/>
               </a:ext>
             </a:extLst>
           </p:cNvPr>
@@ -2650,7 +2650,7 @@
           <p:cNvPr id="6" name="Fußzeilenplatzhalter 5">
             <a:extLst>
               <a:ext uri="{FF2B5EF4-FFF2-40B4-BE49-F238E27FC236}">
-                <a16:creationId xmlns:a16="http://schemas.microsoft.com/office/drawing/2014/main" id="{7713AD3F-FB16-4761-97DD-7D2895FBAF79}"/>
+                <a16:creationId xmlns:a16="http://schemas.microsoft.com/office/drawing/2014/main" xmlns="" id="{7713AD3F-FB16-4761-97DD-7D2895FBAF79}"/>
               </a:ext>
             </a:extLst>
           </p:cNvPr>
@@ -2675,7 +2675,7 @@
           <p:cNvPr id="7" name="Foliennummernplatzhalter 6">
             <a:extLst>
               <a:ext uri="{FF2B5EF4-FFF2-40B4-BE49-F238E27FC236}">
-                <a16:creationId xmlns:a16="http://schemas.microsoft.com/office/drawing/2014/main" id="{E08B0646-8FC5-4829-A454-55B654DBA3C4}"/>
+                <a16:creationId xmlns:a16="http://schemas.microsoft.com/office/drawing/2014/main" xmlns="" id="{E08B0646-8FC5-4829-A454-55B654DBA3C4}"/>
               </a:ext>
             </a:extLst>
           </p:cNvPr>
@@ -2701,7 +2701,7 @@
           <a:p>
             <a:fld id="{9A48FC86-4651-46AF-9E4A-D3FC30E17613}" type="slidenum">
               <a:rPr lang="de-DE" smtClean="0"/>
-              <a:t>‹#›</a:t>
+              <a:t>‹N°›</a:t>
             </a:fld>
             <a:endParaRPr lang="de-DE"/>
           </a:p>
@@ -2742,7 +2742,7 @@
           <p:cNvPr id="2" name="Titel 1">
             <a:extLst>
               <a:ext uri="{FF2B5EF4-FFF2-40B4-BE49-F238E27FC236}">
-                <a16:creationId xmlns:a16="http://schemas.microsoft.com/office/drawing/2014/main" id="{87FFCFA6-D29A-4DD6-8A93-5742D6DB0521}"/>
+                <a16:creationId xmlns:a16="http://schemas.microsoft.com/office/drawing/2014/main" xmlns="" id="{87FFCFA6-D29A-4DD6-8A93-5742D6DB0521}"/>
               </a:ext>
             </a:extLst>
           </p:cNvPr>
@@ -2775,7 +2775,7 @@
           <p:cNvPr id="3" name="Textplatzhalter 2">
             <a:extLst>
               <a:ext uri="{FF2B5EF4-FFF2-40B4-BE49-F238E27FC236}">
-                <a16:creationId xmlns:a16="http://schemas.microsoft.com/office/drawing/2014/main" id="{52A062D5-F9A3-40F3-940E-784410DB79B5}"/>
+                <a16:creationId xmlns:a16="http://schemas.microsoft.com/office/drawing/2014/main" xmlns="" id="{52A062D5-F9A3-40F3-940E-784410DB79B5}"/>
               </a:ext>
             </a:extLst>
           </p:cNvPr>
@@ -2846,7 +2846,7 @@
           <p:cNvPr id="4" name="Inhaltsplatzhalter 3">
             <a:extLst>
               <a:ext uri="{FF2B5EF4-FFF2-40B4-BE49-F238E27FC236}">
-                <a16:creationId xmlns:a16="http://schemas.microsoft.com/office/drawing/2014/main" id="{0F2C725F-CDA6-419C-9990-237B92011EB3}"/>
+                <a16:creationId xmlns:a16="http://schemas.microsoft.com/office/drawing/2014/main" xmlns="" id="{0F2C725F-CDA6-419C-9990-237B92011EB3}"/>
               </a:ext>
             </a:extLst>
           </p:cNvPr>
@@ -2908,7 +2908,7 @@
           <p:cNvPr id="5" name="Textplatzhalter 4">
             <a:extLst>
               <a:ext uri="{FF2B5EF4-FFF2-40B4-BE49-F238E27FC236}">
-                <a16:creationId xmlns:a16="http://schemas.microsoft.com/office/drawing/2014/main" id="{57D0AB86-7ACC-4F81-BA1E-EABC81375E4C}"/>
+                <a16:creationId xmlns:a16="http://schemas.microsoft.com/office/drawing/2014/main" xmlns="" id="{57D0AB86-7ACC-4F81-BA1E-EABC81375E4C}"/>
               </a:ext>
             </a:extLst>
           </p:cNvPr>
@@ -2979,7 +2979,7 @@
           <p:cNvPr id="6" name="Inhaltsplatzhalter 5">
             <a:extLst>
               <a:ext uri="{FF2B5EF4-FFF2-40B4-BE49-F238E27FC236}">
-                <a16:creationId xmlns:a16="http://schemas.microsoft.com/office/drawing/2014/main" id="{1A5FCBEC-2F64-4023-881F-8C2D77F12391}"/>
+                <a16:creationId xmlns:a16="http://schemas.microsoft.com/office/drawing/2014/main" xmlns="" id="{1A5FCBEC-2F64-4023-881F-8C2D77F12391}"/>
               </a:ext>
             </a:extLst>
           </p:cNvPr>
@@ -3041,7 +3041,7 @@
           <p:cNvPr id="7" name="Datumsplatzhalter 6">
             <a:extLst>
               <a:ext uri="{FF2B5EF4-FFF2-40B4-BE49-F238E27FC236}">
-                <a16:creationId xmlns:a16="http://schemas.microsoft.com/office/drawing/2014/main" id="{1B579458-8146-4585-8116-8815B1984C10}"/>
+                <a16:creationId xmlns:a16="http://schemas.microsoft.com/office/drawing/2014/main" xmlns="" id="{1B579458-8146-4585-8116-8815B1984C10}"/>
               </a:ext>
             </a:extLst>
           </p:cNvPr>
@@ -3070,7 +3070,7 @@
           <p:cNvPr id="8" name="Fußzeilenplatzhalter 7">
             <a:extLst>
               <a:ext uri="{FF2B5EF4-FFF2-40B4-BE49-F238E27FC236}">
-                <a16:creationId xmlns:a16="http://schemas.microsoft.com/office/drawing/2014/main" id="{B8FE971A-3252-4BEE-AE2A-ED9DD64D786C}"/>
+                <a16:creationId xmlns:a16="http://schemas.microsoft.com/office/drawing/2014/main" xmlns="" id="{B8FE971A-3252-4BEE-AE2A-ED9DD64D786C}"/>
               </a:ext>
             </a:extLst>
           </p:cNvPr>
@@ -3095,7 +3095,7 @@
           <p:cNvPr id="9" name="Foliennummernplatzhalter 8">
             <a:extLst>
               <a:ext uri="{FF2B5EF4-FFF2-40B4-BE49-F238E27FC236}">
-                <a16:creationId xmlns:a16="http://schemas.microsoft.com/office/drawing/2014/main" id="{224F811E-098E-42CD-BF79-561DBDB14DE9}"/>
+                <a16:creationId xmlns:a16="http://schemas.microsoft.com/office/drawing/2014/main" xmlns="" id="{224F811E-098E-42CD-BF79-561DBDB14DE9}"/>
               </a:ext>
             </a:extLst>
           </p:cNvPr>
@@ -3121,7 +3121,7 @@
           <a:p>
             <a:fld id="{9A48FC86-4651-46AF-9E4A-D3FC30E17613}" type="slidenum">
               <a:rPr lang="de-DE" smtClean="0"/>
-              <a:t>‹#›</a:t>
+              <a:t>‹N°›</a:t>
             </a:fld>
             <a:endParaRPr lang="de-DE"/>
           </a:p>
@@ -3162,7 +3162,7 @@
           <p:cNvPr id="2" name="Titel 1">
             <a:extLst>
               <a:ext uri="{FF2B5EF4-FFF2-40B4-BE49-F238E27FC236}">
-                <a16:creationId xmlns:a16="http://schemas.microsoft.com/office/drawing/2014/main" id="{466DE76C-FB01-463F-B2AD-A897695D3F41}"/>
+                <a16:creationId xmlns:a16="http://schemas.microsoft.com/office/drawing/2014/main" xmlns="" id="{466DE76C-FB01-463F-B2AD-A897695D3F41}"/>
               </a:ext>
             </a:extLst>
           </p:cNvPr>
@@ -3190,7 +3190,7 @@
           <p:cNvPr id="3" name="Datumsplatzhalter 2">
             <a:extLst>
               <a:ext uri="{FF2B5EF4-FFF2-40B4-BE49-F238E27FC236}">
-                <a16:creationId xmlns:a16="http://schemas.microsoft.com/office/drawing/2014/main" id="{6F7936C0-FCFE-4A57-9E63-31F514892227}"/>
+                <a16:creationId xmlns:a16="http://schemas.microsoft.com/office/drawing/2014/main" xmlns="" id="{6F7936C0-FCFE-4A57-9E63-31F514892227}"/>
               </a:ext>
             </a:extLst>
           </p:cNvPr>
@@ -3219,7 +3219,7 @@
           <p:cNvPr id="4" name="Fußzeilenplatzhalter 3">
             <a:extLst>
               <a:ext uri="{FF2B5EF4-FFF2-40B4-BE49-F238E27FC236}">
-                <a16:creationId xmlns:a16="http://schemas.microsoft.com/office/drawing/2014/main" id="{BF4C0BEA-1F74-43B8-B16A-0B93A98AF74A}"/>
+                <a16:creationId xmlns:a16="http://schemas.microsoft.com/office/drawing/2014/main" xmlns="" id="{BF4C0BEA-1F74-43B8-B16A-0B93A98AF74A}"/>
               </a:ext>
             </a:extLst>
           </p:cNvPr>
@@ -3244,7 +3244,7 @@
           <p:cNvPr id="5" name="Foliennummernplatzhalter 4">
             <a:extLst>
               <a:ext uri="{FF2B5EF4-FFF2-40B4-BE49-F238E27FC236}">
-                <a16:creationId xmlns:a16="http://schemas.microsoft.com/office/drawing/2014/main" id="{FDC612F2-A418-4792-A4B4-C0ABBAAB10A0}"/>
+                <a16:creationId xmlns:a16="http://schemas.microsoft.com/office/drawing/2014/main" xmlns="" id="{FDC612F2-A418-4792-A4B4-C0ABBAAB10A0}"/>
               </a:ext>
             </a:extLst>
           </p:cNvPr>
@@ -3270,7 +3270,7 @@
           <a:p>
             <a:fld id="{9A48FC86-4651-46AF-9E4A-D3FC30E17613}" type="slidenum">
               <a:rPr lang="de-DE" smtClean="0"/>
-              <a:t>‹#›</a:t>
+              <a:t>‹N°›</a:t>
             </a:fld>
             <a:endParaRPr lang="de-DE"/>
           </a:p>
@@ -3311,7 +3311,7 @@
           <p:cNvPr id="2" name="Datumsplatzhalter 1">
             <a:extLst>
               <a:ext uri="{FF2B5EF4-FFF2-40B4-BE49-F238E27FC236}">
-                <a16:creationId xmlns:a16="http://schemas.microsoft.com/office/drawing/2014/main" id="{F1A16BA6-C843-4946-87C4-F009F9659E53}"/>
+                <a16:creationId xmlns:a16="http://schemas.microsoft.com/office/drawing/2014/main" xmlns="" id="{F1A16BA6-C843-4946-87C4-F009F9659E53}"/>
               </a:ext>
             </a:extLst>
           </p:cNvPr>
@@ -3340,7 +3340,7 @@
           <p:cNvPr id="3" name="Fußzeilenplatzhalter 2">
             <a:extLst>
               <a:ext uri="{FF2B5EF4-FFF2-40B4-BE49-F238E27FC236}">
-                <a16:creationId xmlns:a16="http://schemas.microsoft.com/office/drawing/2014/main" id="{74AD0BED-584B-4312-BC56-F22A5A97A8EA}"/>
+                <a16:creationId xmlns:a16="http://schemas.microsoft.com/office/drawing/2014/main" xmlns="" id="{74AD0BED-584B-4312-BC56-F22A5A97A8EA}"/>
               </a:ext>
             </a:extLst>
           </p:cNvPr>
@@ -3365,7 +3365,7 @@
           <p:cNvPr id="4" name="Foliennummernplatzhalter 3">
             <a:extLst>
               <a:ext uri="{FF2B5EF4-FFF2-40B4-BE49-F238E27FC236}">
-                <a16:creationId xmlns:a16="http://schemas.microsoft.com/office/drawing/2014/main" id="{ECAC19A7-F328-409E-92C0-6618959AF8AB}"/>
+                <a16:creationId xmlns:a16="http://schemas.microsoft.com/office/drawing/2014/main" xmlns="" id="{ECAC19A7-F328-409E-92C0-6618959AF8AB}"/>
               </a:ext>
             </a:extLst>
           </p:cNvPr>
@@ -3391,7 +3391,7 @@
           <a:p>
             <a:fld id="{9A48FC86-4651-46AF-9E4A-D3FC30E17613}" type="slidenum">
               <a:rPr lang="de-DE" smtClean="0"/>
-              <a:t>‹#›</a:t>
+              <a:t>‹N°›</a:t>
             </a:fld>
             <a:endParaRPr lang="de-DE"/>
           </a:p>
@@ -3432,7 +3432,7 @@
           <p:cNvPr id="2" name="Titel 1">
             <a:extLst>
               <a:ext uri="{FF2B5EF4-FFF2-40B4-BE49-F238E27FC236}">
-                <a16:creationId xmlns:a16="http://schemas.microsoft.com/office/drawing/2014/main" id="{36B5D893-6A5A-4F5D-9559-23E40882374B}"/>
+                <a16:creationId xmlns:a16="http://schemas.microsoft.com/office/drawing/2014/main" xmlns="" id="{36B5D893-6A5A-4F5D-9559-23E40882374B}"/>
               </a:ext>
             </a:extLst>
           </p:cNvPr>
@@ -3469,7 +3469,7 @@
           <p:cNvPr id="3" name="Inhaltsplatzhalter 2">
             <a:extLst>
               <a:ext uri="{FF2B5EF4-FFF2-40B4-BE49-F238E27FC236}">
-                <a16:creationId xmlns:a16="http://schemas.microsoft.com/office/drawing/2014/main" id="{46211E4B-EF89-4D03-A97A-6EB546C0498D}"/>
+                <a16:creationId xmlns:a16="http://schemas.microsoft.com/office/drawing/2014/main" xmlns="" id="{46211E4B-EF89-4D03-A97A-6EB546C0498D}"/>
               </a:ext>
             </a:extLst>
           </p:cNvPr>
@@ -3559,7 +3559,7 @@
           <p:cNvPr id="4" name="Textplatzhalter 3">
             <a:extLst>
               <a:ext uri="{FF2B5EF4-FFF2-40B4-BE49-F238E27FC236}">
-                <a16:creationId xmlns:a16="http://schemas.microsoft.com/office/drawing/2014/main" id="{D4BEF54F-E067-4073-A803-29399235D78F}"/>
+                <a16:creationId xmlns:a16="http://schemas.microsoft.com/office/drawing/2014/main" xmlns="" id="{D4BEF54F-E067-4073-A803-29399235D78F}"/>
               </a:ext>
             </a:extLst>
           </p:cNvPr>
@@ -3630,7 +3630,7 @@
           <p:cNvPr id="5" name="Datumsplatzhalter 4">
             <a:extLst>
               <a:ext uri="{FF2B5EF4-FFF2-40B4-BE49-F238E27FC236}">
-                <a16:creationId xmlns:a16="http://schemas.microsoft.com/office/drawing/2014/main" id="{FF25F891-DBFE-4A5B-99B6-66F48C54174B}"/>
+                <a16:creationId xmlns:a16="http://schemas.microsoft.com/office/drawing/2014/main" xmlns="" id="{FF25F891-DBFE-4A5B-99B6-66F48C54174B}"/>
               </a:ext>
             </a:extLst>
           </p:cNvPr>
@@ -3659,7 +3659,7 @@
           <p:cNvPr id="6" name="Fußzeilenplatzhalter 5">
             <a:extLst>
               <a:ext uri="{FF2B5EF4-FFF2-40B4-BE49-F238E27FC236}">
-                <a16:creationId xmlns:a16="http://schemas.microsoft.com/office/drawing/2014/main" id="{C508CE39-F26E-4C31-84CD-D89EC83686D4}"/>
+                <a16:creationId xmlns:a16="http://schemas.microsoft.com/office/drawing/2014/main" xmlns="" id="{C508CE39-F26E-4C31-84CD-D89EC83686D4}"/>
               </a:ext>
             </a:extLst>
           </p:cNvPr>
@@ -3684,7 +3684,7 @@
           <p:cNvPr id="7" name="Foliennummernplatzhalter 6">
             <a:extLst>
               <a:ext uri="{FF2B5EF4-FFF2-40B4-BE49-F238E27FC236}">
-                <a16:creationId xmlns:a16="http://schemas.microsoft.com/office/drawing/2014/main" id="{5E1B48FE-614D-4BF1-8C39-73558F055C10}"/>
+                <a16:creationId xmlns:a16="http://schemas.microsoft.com/office/drawing/2014/main" xmlns="" id="{5E1B48FE-614D-4BF1-8C39-73558F055C10}"/>
               </a:ext>
             </a:extLst>
           </p:cNvPr>
@@ -3710,7 +3710,7 @@
           <a:p>
             <a:fld id="{9A48FC86-4651-46AF-9E4A-D3FC30E17613}" type="slidenum">
               <a:rPr lang="de-DE" smtClean="0"/>
-              <a:t>‹#›</a:t>
+              <a:t>‹N°›</a:t>
             </a:fld>
             <a:endParaRPr lang="de-DE"/>
           </a:p>
@@ -3751,7 +3751,7 @@
           <p:cNvPr id="2" name="Titel 1">
             <a:extLst>
               <a:ext uri="{FF2B5EF4-FFF2-40B4-BE49-F238E27FC236}">
-                <a16:creationId xmlns:a16="http://schemas.microsoft.com/office/drawing/2014/main" id="{F9563009-E30B-45AC-BDD7-44EA72F78222}"/>
+                <a16:creationId xmlns:a16="http://schemas.microsoft.com/office/drawing/2014/main" xmlns="" id="{F9563009-E30B-45AC-BDD7-44EA72F78222}"/>
               </a:ext>
             </a:extLst>
           </p:cNvPr>
@@ -3788,7 +3788,7 @@
           <p:cNvPr id="3" name="Bildplatzhalter 2">
             <a:extLst>
               <a:ext uri="{FF2B5EF4-FFF2-40B4-BE49-F238E27FC236}">
-                <a16:creationId xmlns:a16="http://schemas.microsoft.com/office/drawing/2014/main" id="{11F2FF9F-8E72-4929-BF76-ED1330B5F674}"/>
+                <a16:creationId xmlns:a16="http://schemas.microsoft.com/office/drawing/2014/main" xmlns="" id="{11F2FF9F-8E72-4929-BF76-ED1330B5F674}"/>
               </a:ext>
             </a:extLst>
           </p:cNvPr>
@@ -3855,7 +3855,7 @@
           <p:cNvPr id="4" name="Textplatzhalter 3">
             <a:extLst>
               <a:ext uri="{FF2B5EF4-FFF2-40B4-BE49-F238E27FC236}">
-                <a16:creationId xmlns:a16="http://schemas.microsoft.com/office/drawing/2014/main" id="{4A21AA90-B6A3-4F03-A71E-8D4EFEBB4E8A}"/>
+                <a16:creationId xmlns:a16="http://schemas.microsoft.com/office/drawing/2014/main" xmlns="" id="{4A21AA90-B6A3-4F03-A71E-8D4EFEBB4E8A}"/>
               </a:ext>
             </a:extLst>
           </p:cNvPr>
@@ -3926,7 +3926,7 @@
           <p:cNvPr id="5" name="Datumsplatzhalter 4">
             <a:extLst>
               <a:ext uri="{FF2B5EF4-FFF2-40B4-BE49-F238E27FC236}">
-                <a16:creationId xmlns:a16="http://schemas.microsoft.com/office/drawing/2014/main" id="{B9A970BA-F10E-430D-9B5F-218F0B6AAD68}"/>
+                <a16:creationId xmlns:a16="http://schemas.microsoft.com/office/drawing/2014/main" xmlns="" id="{B9A970BA-F10E-430D-9B5F-218F0B6AAD68}"/>
               </a:ext>
             </a:extLst>
           </p:cNvPr>
@@ -3955,7 +3955,7 @@
           <p:cNvPr id="6" name="Fußzeilenplatzhalter 5">
             <a:extLst>
               <a:ext uri="{FF2B5EF4-FFF2-40B4-BE49-F238E27FC236}">
-                <a16:creationId xmlns:a16="http://schemas.microsoft.com/office/drawing/2014/main" id="{A141BF1C-61CE-44FF-8ABE-F08D6373AD97}"/>
+                <a16:creationId xmlns:a16="http://schemas.microsoft.com/office/drawing/2014/main" xmlns="" id="{A141BF1C-61CE-44FF-8ABE-F08D6373AD97}"/>
               </a:ext>
             </a:extLst>
           </p:cNvPr>
@@ -3980,7 +3980,7 @@
           <p:cNvPr id="7" name="Foliennummernplatzhalter 6">
             <a:extLst>
               <a:ext uri="{FF2B5EF4-FFF2-40B4-BE49-F238E27FC236}">
-                <a16:creationId xmlns:a16="http://schemas.microsoft.com/office/drawing/2014/main" id="{E76983E8-6FBA-42E6-85DE-B77806E23CA0}"/>
+                <a16:creationId xmlns:a16="http://schemas.microsoft.com/office/drawing/2014/main" xmlns="" id="{E76983E8-6FBA-42E6-85DE-B77806E23CA0}"/>
               </a:ext>
             </a:extLst>
           </p:cNvPr>
@@ -4006,7 +4006,7 @@
           <a:p>
             <a:fld id="{9A48FC86-4651-46AF-9E4A-D3FC30E17613}" type="slidenum">
               <a:rPr lang="de-DE" smtClean="0"/>
-              <a:t>‹#›</a:t>
+              <a:t>‹N°›</a:t>
             </a:fld>
             <a:endParaRPr lang="de-DE"/>
           </a:p>
@@ -4052,7 +4052,7 @@
           <p:cNvPr id="2" name="Titelplatzhalter 1">
             <a:extLst>
               <a:ext uri="{FF2B5EF4-FFF2-40B4-BE49-F238E27FC236}">
-                <a16:creationId xmlns:a16="http://schemas.microsoft.com/office/drawing/2014/main" id="{F1B54F3D-85D6-4E2A-A184-2AD8788616C7}"/>
+                <a16:creationId xmlns:a16="http://schemas.microsoft.com/office/drawing/2014/main" xmlns="" id="{F1B54F3D-85D6-4E2A-A184-2AD8788616C7}"/>
               </a:ext>
             </a:extLst>
           </p:cNvPr>
@@ -4090,7 +4090,7 @@
           <p:cNvPr id="3" name="Textplatzhalter 2">
             <a:extLst>
               <a:ext uri="{FF2B5EF4-FFF2-40B4-BE49-F238E27FC236}">
-                <a16:creationId xmlns:a16="http://schemas.microsoft.com/office/drawing/2014/main" id="{62C62B55-DAE8-4571-9836-D8A9517A6717}"/>
+                <a16:creationId xmlns:a16="http://schemas.microsoft.com/office/drawing/2014/main" xmlns="" id="{62C62B55-DAE8-4571-9836-D8A9517A6717}"/>
               </a:ext>
             </a:extLst>
           </p:cNvPr>
@@ -4157,7 +4157,7 @@
           <p:cNvPr id="4" name="Datumsplatzhalter 3">
             <a:extLst>
               <a:ext uri="{FF2B5EF4-FFF2-40B4-BE49-F238E27FC236}">
-                <a16:creationId xmlns:a16="http://schemas.microsoft.com/office/drawing/2014/main" id="{202396F9-D19B-4197-A727-060829339B6B}"/>
+                <a16:creationId xmlns:a16="http://schemas.microsoft.com/office/drawing/2014/main" xmlns="" id="{202396F9-D19B-4197-A727-060829339B6B}"/>
               </a:ext>
             </a:extLst>
           </p:cNvPr>
@@ -4204,7 +4204,7 @@
           <p:cNvPr id="5" name="Fußzeilenplatzhalter 4">
             <a:extLst>
               <a:ext uri="{FF2B5EF4-FFF2-40B4-BE49-F238E27FC236}">
-                <a16:creationId xmlns:a16="http://schemas.microsoft.com/office/drawing/2014/main" id="{B1EA6A1B-5C13-45F1-9B85-4169FD91138A}"/>
+                <a16:creationId xmlns:a16="http://schemas.microsoft.com/office/drawing/2014/main" xmlns="" id="{B1EA6A1B-5C13-45F1-9B85-4169FD91138A}"/>
               </a:ext>
             </a:extLst>
           </p:cNvPr>
@@ -4247,7 +4247,7 @@
           <p:cNvPr id="7" name="Grafik 6">
             <a:extLst>
               <a:ext uri="{FF2B5EF4-FFF2-40B4-BE49-F238E27FC236}">
-                <a16:creationId xmlns:a16="http://schemas.microsoft.com/office/drawing/2014/main" id="{C59B35B2-0CE6-4FF9-984D-F5719598069C}"/>
+                <a16:creationId xmlns:a16="http://schemas.microsoft.com/office/drawing/2014/main" xmlns="" id="{C59B35B2-0CE6-4FF9-984D-F5719598069C}"/>
               </a:ext>
             </a:extLst>
           </p:cNvPr>
@@ -4283,7 +4283,7 @@
           <p:cNvPr id="8" name="Foliennummernplatzhalter 7">
             <a:extLst>
               <a:ext uri="{FF2B5EF4-FFF2-40B4-BE49-F238E27FC236}">
-                <a16:creationId xmlns:a16="http://schemas.microsoft.com/office/drawing/2014/main" id="{8B9E18AC-CAF1-4471-BF04-547435D80DDB}"/>
+                <a16:creationId xmlns:a16="http://schemas.microsoft.com/office/drawing/2014/main" xmlns="" id="{8B9E18AC-CAF1-4471-BF04-547435D80DDB}"/>
               </a:ext>
             </a:extLst>
           </p:cNvPr>
@@ -4319,7 +4319,7 @@
           <a:p>
             <a:fld id="{5999A4A4-2D96-49E3-B364-04D265390CD4}" type="slidenum">
               <a:rPr lang="de-DE" smtClean="0"/>
-              <a:t>‹#›</a:t>
+              <a:t>‹N°›</a:t>
             </a:fld>
             <a:endParaRPr lang="de-DE"/>
           </a:p>
@@ -4652,7 +4652,7 @@
           <p:cNvPr id="2" name="Titel 1">
             <a:extLst>
               <a:ext uri="{FF2B5EF4-FFF2-40B4-BE49-F238E27FC236}">
-                <a16:creationId xmlns:a16="http://schemas.microsoft.com/office/drawing/2014/main" id="{19B6AC69-F81D-4459-ACD2-8110FA9FCE24}"/>
+                <a16:creationId xmlns:a16="http://schemas.microsoft.com/office/drawing/2014/main" xmlns="" id="{19B6AC69-F81D-4459-ACD2-8110FA9FCE24}"/>
               </a:ext>
             </a:extLst>
           </p:cNvPr>
@@ -4680,7 +4680,7 @@
           <p:cNvPr id="3" name="Untertitel 2">
             <a:extLst>
               <a:ext uri="{FF2B5EF4-FFF2-40B4-BE49-F238E27FC236}">
-                <a16:creationId xmlns:a16="http://schemas.microsoft.com/office/drawing/2014/main" id="{13737FBA-E6BC-4517-8A74-4336C01F7072}"/>
+                <a16:creationId xmlns:a16="http://schemas.microsoft.com/office/drawing/2014/main" xmlns="" id="{13737FBA-E6BC-4517-8A74-4336C01F7072}"/>
               </a:ext>
             </a:extLst>
           </p:cNvPr>
@@ -5123,6 +5123,10 @@
           </a:bodyPr>
           <a:lstStyle/>
           <a:p>
+            <a:r>
+              <a:rPr lang="en-US" b="1" dirty="0"/>
+              <a:t/>
+            </a:r>
             <a:br>
               <a:rPr lang="en-US" b="1" dirty="0"/>
             </a:br>
@@ -5399,7 +5403,19 @@
             </a:pPr>
             <a:r>
               <a:rPr lang="en-US" dirty="0"/>
-              <a:t> R2 Score: 0.16117</a:t>
+              <a:t> </a:t>
+            </a:r>
+            <a:r>
+              <a:rPr lang="en-US" dirty="0"/>
+              <a:t>R²</a:t>
+            </a:r>
+            <a:r>
+              <a:rPr lang="en-US" dirty="0" smtClean="0"/>
+              <a:t> </a:t>
+            </a:r>
+            <a:r>
+              <a:rPr lang="en-US" dirty="0"/>
+              <a:t>Score: 0.16117</a:t>
             </a:r>
           </a:p>
           <a:p>
@@ -5467,7 +5483,15 @@
             </a:pPr>
             <a:r>
               <a:rPr lang="en-US" dirty="0"/>
-              <a:t>R2 Score: 0.0819</a:t>
+              <a:t>R²</a:t>
+            </a:r>
+            <a:r>
+              <a:rPr lang="en-US" dirty="0" smtClean="0"/>
+              <a:t> </a:t>
+            </a:r>
+            <a:r>
+              <a:rPr lang="en-US" dirty="0"/>
+              <a:t>Score: 0.0819</a:t>
             </a:r>
           </a:p>
           <a:p>
@@ -5535,7 +5559,15 @@
             </a:pPr>
             <a:r>
               <a:rPr lang="en-US" dirty="0"/>
-              <a:t>R2 Score: 0.09642</a:t>
+              <a:t>R²</a:t>
+            </a:r>
+            <a:r>
+              <a:rPr lang="en-US" dirty="0" smtClean="0"/>
+              <a:t> </a:t>
+            </a:r>
+            <a:r>
+              <a:rPr lang="en-US" dirty="0"/>
+              <a:t>Score: 0.09642</a:t>
             </a:r>
           </a:p>
           <a:p>
@@ -5610,7 +5642,19 @@
             </a:pPr>
             <a:r>
               <a:rPr lang="en-US" dirty="0"/>
-              <a:t> R2 Score: 0.1320</a:t>
+              <a:t> </a:t>
+            </a:r>
+            <a:r>
+              <a:rPr lang="en-US" dirty="0"/>
+              <a:t>R²</a:t>
+            </a:r>
+            <a:r>
+              <a:rPr lang="en-US" dirty="0" smtClean="0"/>
+              <a:t> </a:t>
+            </a:r>
+            <a:r>
+              <a:rPr lang="en-US" dirty="0"/>
+              <a:t>Score: 0.1320</a:t>
             </a:r>
           </a:p>
           <a:p>
@@ -5738,7 +5782,19 @@
             </a:pPr>
             <a:r>
               <a:rPr lang="en-US" dirty="0"/>
-              <a:t> R2 Score: -0.0005</a:t>
+              <a:t> </a:t>
+            </a:r>
+            <a:r>
+              <a:rPr lang="en-US" dirty="0"/>
+              <a:t>R²</a:t>
+            </a:r>
+            <a:r>
+              <a:rPr lang="en-US" dirty="0" smtClean="0"/>
+              <a:t> </a:t>
+            </a:r>
+            <a:r>
+              <a:rPr lang="en-US" dirty="0"/>
+              <a:t>Score: -0.0005</a:t>
             </a:r>
           </a:p>
           <a:p>
@@ -5821,7 +5877,7 @@
           <p:cNvPr id="2" name="Titel 1">
             <a:extLst>
               <a:ext uri="{FF2B5EF4-FFF2-40B4-BE49-F238E27FC236}">
-                <a16:creationId xmlns:a16="http://schemas.microsoft.com/office/drawing/2014/main" id="{4D30450D-4F91-4306-9055-F294953889D8}"/>
+                <a16:creationId xmlns:a16="http://schemas.microsoft.com/office/drawing/2014/main" xmlns="" id="{4D30450D-4F91-4306-9055-F294953889D8}"/>
               </a:ext>
             </a:extLst>
           </p:cNvPr>
@@ -5849,7 +5905,7 @@
           <p:cNvPr id="4" name="Fußzeilenplatzhalter 3">
             <a:extLst>
               <a:ext uri="{FF2B5EF4-FFF2-40B4-BE49-F238E27FC236}">
-                <a16:creationId xmlns:a16="http://schemas.microsoft.com/office/drawing/2014/main" id="{5CCB2D38-5657-4CC5-B56D-29C200C1F9D3}"/>
+                <a16:creationId xmlns:a16="http://schemas.microsoft.com/office/drawing/2014/main" xmlns="" id="{5CCB2D38-5657-4CC5-B56D-29C200C1F9D3}"/>
               </a:ext>
             </a:extLst>
           </p:cNvPr>
@@ -5874,7 +5930,7 @@
           <p:cNvPr id="5" name="Grafik 4">
             <a:extLst>
               <a:ext uri="{FF2B5EF4-FFF2-40B4-BE49-F238E27FC236}">
-                <a16:creationId xmlns:a16="http://schemas.microsoft.com/office/drawing/2014/main" id="{55D6D72A-19B0-4D64-A961-3F50197D7758}"/>
+                <a16:creationId xmlns:a16="http://schemas.microsoft.com/office/drawing/2014/main" xmlns="" id="{55D6D72A-19B0-4D64-A961-3F50197D7758}"/>
               </a:ext>
             </a:extLst>
           </p:cNvPr>
@@ -5904,7 +5960,7 @@
           <p:cNvPr id="6" name="Textfeld 5">
             <a:extLst>
               <a:ext uri="{FF2B5EF4-FFF2-40B4-BE49-F238E27FC236}">
-                <a16:creationId xmlns:a16="http://schemas.microsoft.com/office/drawing/2014/main" id="{741FB024-4DA2-4F96-B9C3-608520AE7CC8}"/>
+                <a16:creationId xmlns:a16="http://schemas.microsoft.com/office/drawing/2014/main" xmlns="" id="{741FB024-4DA2-4F96-B9C3-608520AE7CC8}"/>
               </a:ext>
             </a:extLst>
           </p:cNvPr>
@@ -5994,7 +6050,7 @@
           <p:cNvPr id="2" name="Title 1">
             <a:extLst>
               <a:ext uri="{FF2B5EF4-FFF2-40B4-BE49-F238E27FC236}">
-                <a16:creationId xmlns:a16="http://schemas.microsoft.com/office/drawing/2014/main" id="{78FF315A-47E9-457D-A1D3-F6FD5400691F}"/>
+                <a16:creationId xmlns:a16="http://schemas.microsoft.com/office/drawing/2014/main" xmlns="" id="{78FF315A-47E9-457D-A1D3-F6FD5400691F}"/>
               </a:ext>
             </a:extLst>
           </p:cNvPr>
@@ -6014,7 +6070,7 @@
               <a:rPr lang="en-US" b="1" dirty="0"/>
               <a:t>Backend</a:t>
             </a:r>
-            <a:endParaRPr lang="en-DE" b="1" dirty="0"/>
+            <a:endParaRPr lang="aa-ET" b="1" dirty="0"/>
           </a:p>
         </p:txBody>
       </p:sp>
@@ -6023,7 +6079,7 @@
           <p:cNvPr id="3" name="Content Placeholder 2">
             <a:extLst>
               <a:ext uri="{FF2B5EF4-FFF2-40B4-BE49-F238E27FC236}">
-                <a16:creationId xmlns:a16="http://schemas.microsoft.com/office/drawing/2014/main" id="{B865C100-3E5D-487D-9B0F-CE8617A262B1}"/>
+                <a16:creationId xmlns:a16="http://schemas.microsoft.com/office/drawing/2014/main" xmlns="" id="{B865C100-3E5D-487D-9B0F-CE8617A262B1}"/>
               </a:ext>
             </a:extLst>
           </p:cNvPr>
@@ -6095,7 +6151,7 @@
           <p:cNvPr id="4" name="Footer Placeholder 3">
             <a:extLst>
               <a:ext uri="{FF2B5EF4-FFF2-40B4-BE49-F238E27FC236}">
-                <a16:creationId xmlns:a16="http://schemas.microsoft.com/office/drawing/2014/main" id="{8654EC66-7C5F-455B-A0AF-EA98B28DA34D}"/>
+                <a16:creationId xmlns:a16="http://schemas.microsoft.com/office/drawing/2014/main" xmlns="" id="{8654EC66-7C5F-455B-A0AF-EA98B28DA34D}"/>
               </a:ext>
             </a:extLst>
           </p:cNvPr>

--- a/Daily/sprint7/Sprint7_Review.pptx
+++ b/Daily/sprint7/Sprint7_Review.pptx
@@ -1308,6 +1308,112 @@
 </p:notes>
 </file>
 
+<file path=ppt/notesSlides/notesSlide3.xml><?xml version="1.0" encoding="utf-8"?>
+<p:notes xmlns:a="http://schemas.openxmlformats.org/drawingml/2006/main" xmlns:r="http://schemas.openxmlformats.org/officeDocument/2006/relationships" xmlns:p="http://schemas.openxmlformats.org/presentationml/2006/main">
+  <p:cSld>
+    <p:spTree>
+      <p:nvGrpSpPr>
+        <p:cNvPr id="1" name=""/>
+        <p:cNvGrpSpPr/>
+        <p:nvPr/>
+      </p:nvGrpSpPr>
+      <p:grpSpPr>
+        <a:xfrm>
+          <a:off x="0" y="0"/>
+          <a:ext cx="0" cy="0"/>
+          <a:chOff x="0" y="0"/>
+          <a:chExt cx="0" cy="0"/>
+        </a:xfrm>
+      </p:grpSpPr>
+      <p:sp>
+        <p:nvSpPr>
+          <p:cNvPr id="2" name="Espace réservé de l'image des diapositives 1"/>
+          <p:cNvSpPr>
+            <a:spLocks noGrp="1" noRot="1" noChangeAspect="1"/>
+          </p:cNvSpPr>
+          <p:nvPr>
+            <p:ph type="sldImg"/>
+          </p:nvPr>
+        </p:nvSpPr>
+        <p:spPr/>
+      </p:sp>
+      <p:sp>
+        <p:nvSpPr>
+          <p:cNvPr id="3" name="Espace réservé des commentaires 2"/>
+          <p:cNvSpPr>
+            <a:spLocks noGrp="1"/>
+          </p:cNvSpPr>
+          <p:nvPr>
+            <p:ph type="body" idx="1"/>
+          </p:nvPr>
+        </p:nvSpPr>
+        <p:spPr/>
+        <p:txBody>
+          <a:bodyPr/>
+          <a:lstStyle/>
+          <a:p>
+            <a:r>
+              <a:rPr lang="en-US" dirty="0" smtClean="0"/>
+              <a:t>R^2 (coefficient of determination) regression score function.</a:t>
+            </a:r>
+          </a:p>
+          <a:p>
+            <a:r>
+              <a:rPr lang="en-US" dirty="0" smtClean="0"/>
+              <a:t>Best possible score is 1.0 and it can be negative (because the model can be arbitrarily worse). A constant model that always predicts the expected value of y, disregarding the input features, would get a R^2 score of 0.0.</a:t>
+            </a:r>
+          </a:p>
+          <a:p>
+            <a:r>
+              <a:rPr lang="en-US" dirty="0" smtClean="0"/>
+              <a:t>https://scikit-learn.org/stable/modules/generated/sklearn.metrics.r2_score.html#sklearn.metrics.r2_score</a:t>
+            </a:r>
+          </a:p>
+          <a:p>
+            <a:r>
+              <a:rPr lang="en-US" smtClean="0"/>
+              <a:t>https://www.statisticshowto.com/probability-and-statistics/regression-analysis/#intro</a:t>
+            </a:r>
+            <a:endParaRPr lang="en-US" dirty="0"/>
+          </a:p>
+        </p:txBody>
+      </p:sp>
+      <p:sp>
+        <p:nvSpPr>
+          <p:cNvPr id="4" name="Espace réservé du numéro de diapositive 3"/>
+          <p:cNvSpPr>
+            <a:spLocks noGrp="1"/>
+          </p:cNvSpPr>
+          <p:nvPr>
+            <p:ph type="sldNum" sz="quarter" idx="10"/>
+          </p:nvPr>
+        </p:nvSpPr>
+        <p:spPr/>
+        <p:txBody>
+          <a:bodyPr/>
+          <a:lstStyle/>
+          <a:p>
+            <a:fld id="{10D08ABD-147D-43D8-AD0E-C56070E2C69D}" type="slidenum">
+              <a:rPr lang="de-DE" smtClean="0"/>
+              <a:t>5</a:t>
+            </a:fld>
+            <a:endParaRPr lang="de-DE"/>
+          </a:p>
+        </p:txBody>
+      </p:sp>
+    </p:spTree>
+    <p:extLst>
+      <p:ext uri="{BB962C8B-B14F-4D97-AF65-F5344CB8AC3E}">
+        <p14:creationId xmlns:p14="http://schemas.microsoft.com/office/powerpoint/2010/main" val="3999506260"/>
+      </p:ext>
+    </p:extLst>
+  </p:cSld>
+  <p:clrMapOvr>
+    <a:masterClrMapping/>
+  </p:clrMapOvr>
+</p:notes>
+</file>
+
 <file path=ppt/slideLayouts/slideLayout1.xml><?xml version="1.0" encoding="utf-8"?>
 <p:sldLayout xmlns:a="http://schemas.openxmlformats.org/drawingml/2006/main" xmlns:r="http://schemas.openxmlformats.org/officeDocument/2006/relationships" xmlns:p="http://schemas.openxmlformats.org/presentationml/2006/main" type="title" preserve="1">
   <p:cSld name="Titelfolie">
@@ -5403,11 +5509,7 @@
             </a:pPr>
             <a:r>
               <a:rPr lang="en-US" dirty="0"/>
-              <a:t> </a:t>
-            </a:r>
-            <a:r>
-              <a:rPr lang="en-US" dirty="0"/>
-              <a:t>R²</a:t>
+              <a:t> R²</a:t>
             </a:r>
             <a:r>
               <a:rPr lang="en-US" dirty="0" smtClean="0"/>
@@ -5491,8 +5593,17 @@
             </a:r>
             <a:r>
               <a:rPr lang="en-US" dirty="0"/>
-              <a:t>Score: 0.0819</a:t>
-            </a:r>
+              <a:t>Score</a:t>
+            </a:r>
+            <a:r>
+              <a:rPr lang="en-US"/>
+              <a:t>: </a:t>
+            </a:r>
+            <a:r>
+              <a:rPr lang="en-US" smtClean="0"/>
+              <a:t>-0.6563</a:t>
+            </a:r>
+            <a:endParaRPr lang="en-US" dirty="0"/>
           </a:p>
           <a:p>
             <a:pPr marL="742950" lvl="1" indent="-285750">
@@ -5506,7 +5617,7 @@
               <a:buChar char="►"/>
             </a:pPr>
             <a:r>
-              <a:rPr lang="en-US" b="1" u="sng" dirty="0"/>
+              <a:rPr lang="en-US" dirty="0"/>
               <a:t>Training accuracy: 100% (H: 100% , A: 100%)</a:t>
             </a:r>
           </a:p>
@@ -5522,7 +5633,7 @@
               <a:buChar char="►"/>
             </a:pPr>
             <a:r>
-              <a:rPr lang="en-US" b="1" u="sng" dirty="0"/>
+              <a:rPr lang="en-US" dirty="0"/>
               <a:t>Test accuracy: 26.49% (H: 25.00% , A: 27.98%)</a:t>
             </a:r>
           </a:p>
@@ -5567,8 +5678,13 @@
             </a:r>
             <a:r>
               <a:rPr lang="en-US" dirty="0"/>
-              <a:t>Score: 0.09642</a:t>
-            </a:r>
+              <a:t>Score: </a:t>
+            </a:r>
+            <a:r>
+              <a:rPr lang="en-US" dirty="0" smtClean="0"/>
+              <a:t>0.1514</a:t>
+            </a:r>
+            <a:endParaRPr lang="en-US" dirty="0"/>
           </a:p>
           <a:p>
             <a:pPr marL="742950" lvl="1" indent="-285750">
@@ -5582,7 +5698,7 @@
               <a:buChar char="►"/>
             </a:pPr>
             <a:r>
-              <a:rPr lang="en-US" b="1" i="1" u="sng" dirty="0"/>
+              <a:rPr lang="en-US" dirty="0"/>
               <a:t>Training accuracy: 21.39% (H: 16.59% , A: 26.23%)</a:t>
             </a:r>
           </a:p>
@@ -5598,7 +5714,7 @@
               <a:buChar char="►"/>
             </a:pPr>
             <a:r>
-              <a:rPr lang="en-US" b="1" i="1" u="sng" dirty="0"/>
+              <a:rPr lang="en-US" dirty="0"/>
               <a:t> Test accuracy: 20.74% (H: 14.06% , A: 27.41%)</a:t>
             </a:r>
           </a:p>
@@ -5642,11 +5758,7 @@
             </a:pPr>
             <a:r>
               <a:rPr lang="en-US" dirty="0"/>
-              <a:t> </a:t>
-            </a:r>
-            <a:r>
-              <a:rPr lang="en-US" dirty="0"/>
-              <a:t>R²</a:t>
+              <a:t> R²</a:t>
             </a:r>
             <a:r>
               <a:rPr lang="en-US" dirty="0" smtClean="0"/>
@@ -5782,11 +5894,7 @@
             </a:pPr>
             <a:r>
               <a:rPr lang="en-US" dirty="0"/>
-              <a:t> </a:t>
-            </a:r>
-            <a:r>
-              <a:rPr lang="en-US" dirty="0"/>
-              <a:t>R²</a:t>
+              <a:t> R²</a:t>
             </a:r>
             <a:r>
               <a:rPr lang="en-US" dirty="0" smtClean="0"/>
